--- a/Documentação/DiagramaDeSolução/LLDeHLD.pptx
+++ b/Documentação/DiagramaDeSolução/LLDeHLD.pptx
@@ -5,13 +5,14 @@
     <p:sldMasterId id="2147483648" r:id="rId2"/>
   </p:sldMasterIdLst>
   <p:notesMasterIdLst>
-    <p:notesMasterId r:id="rId7"/>
+    <p:notesMasterId r:id="rId8"/>
   </p:notesMasterIdLst>
   <p:sldIdLst>
-    <p:sldId id="258" r:id="rId3"/>
-    <p:sldId id="259" r:id="rId4"/>
-    <p:sldId id="256" r:id="rId5"/>
-    <p:sldId id="257" r:id="rId6"/>
+    <p:sldId id="262" r:id="rId3"/>
+    <p:sldId id="263" r:id="rId4"/>
+    <p:sldId id="260" r:id="rId5"/>
+    <p:sldId id="256" r:id="rId6"/>
+    <p:sldId id="257" r:id="rId7"/>
   </p:sldIdLst>
   <p:sldSz cx="12192000" cy="6858000"/>
   <p:notesSz cx="6858000" cy="9144000"/>
@@ -200,7 +201,7 @@
           <a:p>
             <a:fld id="{5527617A-4887-4F1B-91A2-06D3C7B404C1}" type="datetimeFigureOut">
               <a:rPr lang="pt-BR" smtClean="0"/>
-              <a:t>23/10/2019</a:t>
+              <a:t>26/10/2019</a:t>
             </a:fld>
             <a:endParaRPr lang="pt-BR"/>
           </a:p>
@@ -467,6 +468,90 @@
 </p:notesMaster>
 </file>
 
+<file path=ppt/notesSlides/notesSlide1.xml><?xml version="1.0" encoding="utf-8"?>
+<p:notes xmlns:a="http://schemas.openxmlformats.org/drawingml/2006/main" xmlns:r="http://schemas.openxmlformats.org/officeDocument/2006/relationships" xmlns:p="http://schemas.openxmlformats.org/presentationml/2006/main">
+  <p:cSld>
+    <p:spTree>
+      <p:nvGrpSpPr>
+        <p:cNvPr id="1" name=""/>
+        <p:cNvGrpSpPr/>
+        <p:nvPr/>
+      </p:nvGrpSpPr>
+      <p:grpSpPr>
+        <a:xfrm>
+          <a:off x="0" y="0"/>
+          <a:ext cx="0" cy="0"/>
+          <a:chOff x="0" y="0"/>
+          <a:chExt cx="0" cy="0"/>
+        </a:xfrm>
+      </p:grpSpPr>
+      <p:sp>
+        <p:nvSpPr>
+          <p:cNvPr id="2" name="Espaço Reservado para Imagem de Slide 1"/>
+          <p:cNvSpPr>
+            <a:spLocks noGrp="1" noRot="1" noChangeAspect="1"/>
+          </p:cNvSpPr>
+          <p:nvPr>
+            <p:ph type="sldImg"/>
+          </p:nvPr>
+        </p:nvSpPr>
+        <p:spPr/>
+      </p:sp>
+      <p:sp>
+        <p:nvSpPr>
+          <p:cNvPr id="3" name="Espaço Reservado para Anotações 2"/>
+          <p:cNvSpPr>
+            <a:spLocks noGrp="1"/>
+          </p:cNvSpPr>
+          <p:nvPr>
+            <p:ph type="body" idx="1"/>
+          </p:nvPr>
+        </p:nvSpPr>
+        <p:spPr/>
+        <p:txBody>
+          <a:bodyPr/>
+          <a:lstStyle/>
+          <a:p>
+            <a:endParaRPr lang="pt-BR" dirty="0"/>
+          </a:p>
+        </p:txBody>
+      </p:sp>
+      <p:sp>
+        <p:nvSpPr>
+          <p:cNvPr id="4" name="Espaço Reservado para Número de Slide 3"/>
+          <p:cNvSpPr>
+            <a:spLocks noGrp="1"/>
+          </p:cNvSpPr>
+          <p:nvPr>
+            <p:ph type="sldNum" sz="quarter" idx="5"/>
+          </p:nvPr>
+        </p:nvSpPr>
+        <p:spPr/>
+        <p:txBody>
+          <a:bodyPr/>
+          <a:lstStyle/>
+          <a:p>
+            <a:fld id="{425C8886-9888-444D-81BF-ADFE5D58F533}" type="slidenum">
+              <a:rPr lang="pt-BR" smtClean="0"/>
+              <a:t>4</a:t>
+            </a:fld>
+            <a:endParaRPr lang="pt-BR"/>
+          </a:p>
+        </p:txBody>
+      </p:sp>
+    </p:spTree>
+    <p:extLst>
+      <p:ext uri="{BB962C8B-B14F-4D97-AF65-F5344CB8AC3E}">
+        <p14:creationId xmlns:p14="http://schemas.microsoft.com/office/powerpoint/2010/main" val="413112225"/>
+      </p:ext>
+    </p:extLst>
+  </p:cSld>
+  <p:clrMapOvr>
+    <a:masterClrMapping/>
+  </p:clrMapOvr>
+</p:notes>
+</file>
+
 <file path=ppt/slideLayouts/slideLayout1.xml><?xml version="1.0" encoding="utf-8"?>
 <p:sldLayout xmlns:a="http://schemas.openxmlformats.org/drawingml/2006/main" xmlns:r="http://schemas.openxmlformats.org/officeDocument/2006/relationships" xmlns:p="http://schemas.openxmlformats.org/presentationml/2006/main" type="title" preserve="1">
   <p:cSld name="Slide de Título">
@@ -614,7 +699,7 @@
           <a:p>
             <a:fld id="{66A851F7-7592-4F71-AB5A-0CB4D8917EB3}" type="datetimeFigureOut">
               <a:rPr lang="pt-BR" smtClean="0"/>
-              <a:t>23/10/2019</a:t>
+              <a:t>26/10/2019</a:t>
             </a:fld>
             <a:endParaRPr lang="pt-BR"/>
           </a:p>
@@ -812,7 +897,7 @@
           <a:p>
             <a:fld id="{66A851F7-7592-4F71-AB5A-0CB4D8917EB3}" type="datetimeFigureOut">
               <a:rPr lang="pt-BR" smtClean="0"/>
-              <a:t>23/10/2019</a:t>
+              <a:t>26/10/2019</a:t>
             </a:fld>
             <a:endParaRPr lang="pt-BR"/>
           </a:p>
@@ -1020,7 +1105,7 @@
           <a:p>
             <a:fld id="{66A851F7-7592-4F71-AB5A-0CB4D8917EB3}" type="datetimeFigureOut">
               <a:rPr lang="pt-BR" smtClean="0"/>
-              <a:t>23/10/2019</a:t>
+              <a:t>26/10/2019</a:t>
             </a:fld>
             <a:endParaRPr lang="pt-BR"/>
           </a:p>
@@ -1218,7 +1303,7 @@
           <a:p>
             <a:fld id="{66A851F7-7592-4F71-AB5A-0CB4D8917EB3}" type="datetimeFigureOut">
               <a:rPr lang="pt-BR" smtClean="0"/>
-              <a:t>23/10/2019</a:t>
+              <a:t>26/10/2019</a:t>
             </a:fld>
             <a:endParaRPr lang="pt-BR"/>
           </a:p>
@@ -1493,7 +1578,7 @@
           <a:p>
             <a:fld id="{66A851F7-7592-4F71-AB5A-0CB4D8917EB3}" type="datetimeFigureOut">
               <a:rPr lang="pt-BR" smtClean="0"/>
-              <a:t>23/10/2019</a:t>
+              <a:t>26/10/2019</a:t>
             </a:fld>
             <a:endParaRPr lang="pt-BR"/>
           </a:p>
@@ -1758,7 +1843,7 @@
           <a:p>
             <a:fld id="{66A851F7-7592-4F71-AB5A-0CB4D8917EB3}" type="datetimeFigureOut">
               <a:rPr lang="pt-BR" smtClean="0"/>
-              <a:t>23/10/2019</a:t>
+              <a:t>26/10/2019</a:t>
             </a:fld>
             <a:endParaRPr lang="pt-BR"/>
           </a:p>
@@ -2170,7 +2255,7 @@
           <a:p>
             <a:fld id="{66A851F7-7592-4F71-AB5A-0CB4D8917EB3}" type="datetimeFigureOut">
               <a:rPr lang="pt-BR" smtClean="0"/>
-              <a:t>23/10/2019</a:t>
+              <a:t>26/10/2019</a:t>
             </a:fld>
             <a:endParaRPr lang="pt-BR"/>
           </a:p>
@@ -2311,7 +2396,7 @@
           <a:p>
             <a:fld id="{66A851F7-7592-4F71-AB5A-0CB4D8917EB3}" type="datetimeFigureOut">
               <a:rPr lang="pt-BR" smtClean="0"/>
-              <a:t>23/10/2019</a:t>
+              <a:t>26/10/2019</a:t>
             </a:fld>
             <a:endParaRPr lang="pt-BR"/>
           </a:p>
@@ -2424,7 +2509,7 @@
           <a:p>
             <a:fld id="{66A851F7-7592-4F71-AB5A-0CB4D8917EB3}" type="datetimeFigureOut">
               <a:rPr lang="pt-BR" smtClean="0"/>
-              <a:t>23/10/2019</a:t>
+              <a:t>26/10/2019</a:t>
             </a:fld>
             <a:endParaRPr lang="pt-BR"/>
           </a:p>
@@ -2735,7 +2820,7 @@
           <a:p>
             <a:fld id="{66A851F7-7592-4F71-AB5A-0CB4D8917EB3}" type="datetimeFigureOut">
               <a:rPr lang="pt-BR" smtClean="0"/>
-              <a:t>23/10/2019</a:t>
+              <a:t>26/10/2019</a:t>
             </a:fld>
             <a:endParaRPr lang="pt-BR"/>
           </a:p>
@@ -3023,7 +3108,7 @@
           <a:p>
             <a:fld id="{66A851F7-7592-4F71-AB5A-0CB4D8917EB3}" type="datetimeFigureOut">
               <a:rPr lang="pt-BR" smtClean="0"/>
-              <a:t>23/10/2019</a:t>
+              <a:t>26/10/2019</a:t>
             </a:fld>
             <a:endParaRPr lang="pt-BR"/>
           </a:p>
@@ -3264,7 +3349,7 @@
           <a:p>
             <a:fld id="{66A851F7-7592-4F71-AB5A-0CB4D8917EB3}" type="datetimeFigureOut">
               <a:rPr lang="pt-BR" smtClean="0"/>
-              <a:t>23/10/2019</a:t>
+              <a:t>26/10/2019</a:t>
             </a:fld>
             <a:endParaRPr lang="pt-BR"/>
           </a:p>
@@ -3667,6 +3752,14 @@
 <file path=ppt/slides/slide1.xml><?xml version="1.0" encoding="utf-8"?>
 <p:sld xmlns:a="http://schemas.openxmlformats.org/drawingml/2006/main" xmlns:r="http://schemas.openxmlformats.org/officeDocument/2006/relationships" xmlns:p="http://schemas.openxmlformats.org/presentationml/2006/main">
   <p:cSld>
+    <p:bg>
+      <p:bgPr>
+        <a:solidFill>
+          <a:schemeClr val="bg1"/>
+        </a:solidFill>
+        <a:effectLst/>
+      </p:bgPr>
+    </p:bg>
     <p:spTree>
       <p:nvGrpSpPr>
         <p:cNvPr id="1" name=""/>
@@ -3681,52 +3774,183 @@
           <a:chExt cx="0" cy="0"/>
         </a:xfrm>
       </p:grpSpPr>
+      <p:sp>
+        <p:nvSpPr>
+          <p:cNvPr id="8" name="Rectangle 7">
+            <a:extLst>
+              <a:ext uri="{FF2B5EF4-FFF2-40B4-BE49-F238E27FC236}">
+                <a16:creationId xmlns:a16="http://schemas.microsoft.com/office/drawing/2014/main" id="{23962611-DFD5-4092-AAFD-559E3DFCE2C9}"/>
+              </a:ext>
+              <a:ext uri="{C183D7F6-B498-43B3-948B-1728B52AA6E4}">
+                <adec:decorative xmlns:adec="http://schemas.microsoft.com/office/drawing/2017/decorative" val="1"/>
+              </a:ext>
+            </a:extLst>
+          </p:cNvPr>
+          <p:cNvSpPr>
+            <a:spLocks noGrp="1" noRot="1" noChangeAspect="1" noMove="1" noResize="1" noEditPoints="1" noAdjustHandles="1" noChangeArrowheads="1" noChangeShapeType="1" noTextEdit="1"/>
+          </p:cNvSpPr>
+          <p:nvPr>
+            <p:extLst>
+              <p:ext uri="{386F3935-93C4-4BCD-93E2-E3B085C9AB24}">
+                <p16:designElem xmlns:p16="http://schemas.microsoft.com/office/powerpoint/2015/main" val="1"/>
+              </p:ext>
+            </p:extLst>
+          </p:nvPr>
+        </p:nvSpPr>
+        <p:spPr>
+          <a:xfrm>
+            <a:off x="475488" y="0"/>
+            <a:ext cx="10910292" cy="6858000"/>
+          </a:xfrm>
+          <a:prstGeom prst="rect">
+            <a:avLst/>
+          </a:prstGeom>
+          <a:gradFill>
+            <a:gsLst>
+              <a:gs pos="0">
+                <a:schemeClr val="accent1">
+                  <a:lumMod val="90000"/>
+                </a:schemeClr>
+              </a:gs>
+              <a:gs pos="25000">
+                <a:schemeClr val="accent1">
+                  <a:lumMod val="90000"/>
+                </a:schemeClr>
+              </a:gs>
+              <a:gs pos="94000">
+                <a:schemeClr val="bg2">
+                  <a:lumMod val="25000"/>
+                </a:schemeClr>
+              </a:gs>
+              <a:gs pos="100000">
+                <a:schemeClr val="bg2">
+                  <a:lumMod val="25000"/>
+                </a:schemeClr>
+              </a:gs>
+            </a:gsLst>
+            <a:lin ang="4200000" scaled="0"/>
+          </a:gradFill>
+          <a:ln>
+            <a:noFill/>
+          </a:ln>
+        </p:spPr>
+        <p:style>
+          <a:lnRef idx="2">
+            <a:schemeClr val="accent1">
+              <a:shade val="50000"/>
+            </a:schemeClr>
+          </a:lnRef>
+          <a:fillRef idx="1">
+            <a:schemeClr val="accent1"/>
+          </a:fillRef>
+          <a:effectRef idx="0">
+            <a:schemeClr val="accent1"/>
+          </a:effectRef>
+          <a:fontRef idx="minor">
+            <a:schemeClr val="lt1"/>
+          </a:fontRef>
+        </p:style>
+        <p:txBody>
+          <a:bodyPr rtlCol="0" anchor="ctr"/>
+          <a:lstStyle/>
+          <a:p>
+            <a:pPr algn="ctr"/>
+            <a:endParaRPr lang="en-US"/>
+          </a:p>
+        </p:txBody>
+      </p:sp>
       <p:pic>
         <p:nvPicPr>
-          <p:cNvPr id="4" name="Imagem 3">
-            <a:extLst>
-              <a:ext uri="{FF2B5EF4-FFF2-40B4-BE49-F238E27FC236}">
-                <a16:creationId xmlns:a16="http://schemas.microsoft.com/office/drawing/2014/main" id="{D7684578-412F-4628-84E6-4B502C7821B8}"/>
-              </a:ext>
-            </a:extLst>
-          </p:cNvPr>
-          <p:cNvPicPr/>
-          <p:nvPr/>
+          <p:cNvPr id="10" name="Picture 9">
+            <a:extLst>
+              <a:ext uri="{FF2B5EF4-FFF2-40B4-BE49-F238E27FC236}">
+                <a16:creationId xmlns:a16="http://schemas.microsoft.com/office/drawing/2014/main" id="{2270F1FA-0425-408F-9861-80BF5AFB276D}"/>
+              </a:ext>
+              <a:ext uri="{C183D7F6-B498-43B3-948B-1728B52AA6E4}">
+                <adec:decorative xmlns:adec="http://schemas.microsoft.com/office/drawing/2017/decorative" val="1"/>
+              </a:ext>
+            </a:extLst>
+          </p:cNvPr>
+          <p:cNvPicPr>
+            <a:picLocks noGrp="1" noRot="1" noChangeAspect="1" noMove="1" noResize="1" noEditPoints="1" noAdjustHandles="1" noChangeArrowheads="1" noChangeShapeType="1" noCrop="1"/>
+          </p:cNvPicPr>
+          <p:nvPr>
+            <p:extLst>
+              <p:ext uri="{386F3935-93C4-4BCD-93E2-E3B085C9AB24}">
+                <p16:designElem xmlns:p16="http://schemas.microsoft.com/office/powerpoint/2015/main" val="1"/>
+              </p:ext>
+            </p:extLst>
+          </p:nvPr>
         </p:nvPicPr>
         <p:blipFill>
-          <a:blip r:embed="rId2"/>
+          <a:blip r:embed="rId2">
+            <a:extLst>
+              <a:ext uri="{28A0092B-C50C-407E-A947-70E740481C1C}">
+                <a14:useLocalDpi xmlns:a14="http://schemas.microsoft.com/office/drawing/2010/main" val="0"/>
+              </a:ext>
+            </a:extLst>
+          </a:blip>
           <a:stretch>
             <a:fillRect/>
           </a:stretch>
         </p:blipFill>
         <p:spPr>
           <a:xfrm>
-            <a:off x="745588" y="450166"/>
-            <a:ext cx="11040012" cy="6095777"/>
+            <a:off x="0" y="0"/>
+            <a:ext cx="12192000" cy="6858000"/>
           </a:xfrm>
           <a:prstGeom prst="rect">
             <a:avLst/>
           </a:prstGeom>
-          <a:ln w="38100" cap="sq">
-            <a:solidFill>
-              <a:srgbClr val="000000"/>
-            </a:solidFill>
-            <a:prstDash val="solid"/>
-            <a:miter lim="800000"/>
-          </a:ln>
-          <a:effectLst>
-            <a:outerShdw blurRad="50800" dist="38100" dir="2700000" algn="tl" rotWithShape="0">
-              <a:srgbClr val="000000">
-                <a:alpha val="43000"/>
-              </a:srgbClr>
-            </a:outerShdw>
-          </a:effectLst>
         </p:spPr>
       </p:pic>
+      <p:sp>
+        <p:nvSpPr>
+          <p:cNvPr id="2" name="Título 1">
+            <a:extLst>
+              <a:ext uri="{FF2B5EF4-FFF2-40B4-BE49-F238E27FC236}">
+                <a16:creationId xmlns:a16="http://schemas.microsoft.com/office/drawing/2014/main" id="{F3B16781-DB10-45A7-BF96-1B1B92C52BB4}"/>
+              </a:ext>
+            </a:extLst>
+          </p:cNvPr>
+          <p:cNvSpPr>
+            <a:spLocks noGrp="1"/>
+          </p:cNvSpPr>
+          <p:nvPr>
+            <p:ph type="title"/>
+          </p:nvPr>
+        </p:nvSpPr>
+        <p:spPr>
+          <a:xfrm>
+            <a:off x="3045368" y="2043663"/>
+            <a:ext cx="6105194" cy="2031055"/>
+          </a:xfrm>
+        </p:spPr>
+        <p:txBody>
+          <a:bodyPr vert="horz" lIns="91440" tIns="45720" rIns="91440" bIns="45720" rtlCol="0" anchor="b">
+            <a:normAutofit/>
+          </a:bodyPr>
+          <a:lstStyle/>
+          <a:p>
+            <a:pPr algn="ctr"/>
+            <a:r>
+              <a:rPr lang="en-US" sz="6000" kern="1200" dirty="0">
+                <a:solidFill>
+                  <a:srgbClr val="FFFFFF"/>
+                </a:solidFill>
+                <a:latin typeface="+mj-lt"/>
+                <a:ea typeface="+mj-ea"/>
+                <a:cs typeface="+mj-cs"/>
+              </a:rPr>
+              <a:t>HLD /LLD</a:t>
+            </a:r>
+          </a:p>
+        </p:txBody>
+      </p:sp>
     </p:spTree>
     <p:extLst>
       <p:ext uri="{BB962C8B-B14F-4D97-AF65-F5344CB8AC3E}">
-        <p14:creationId xmlns:p14="http://schemas.microsoft.com/office/powerpoint/2010/main" val="3680638329"/>
+        <p14:creationId xmlns:p14="http://schemas.microsoft.com/office/powerpoint/2010/main" val="1850498085"/>
       </p:ext>
     </p:extLst>
   </p:cSld>
@@ -3753,16 +3977,54 @@
           <a:chExt cx="0" cy="0"/>
         </a:xfrm>
       </p:grpSpPr>
+      <p:sp>
+        <p:nvSpPr>
+          <p:cNvPr id="5" name="CaixaDeTexto 4">
+            <a:extLst>
+              <a:ext uri="{FF2B5EF4-FFF2-40B4-BE49-F238E27FC236}">
+                <a16:creationId xmlns:a16="http://schemas.microsoft.com/office/drawing/2014/main" id="{FC3412AE-4694-49E2-8267-CC8FE8C8DFFC}"/>
+              </a:ext>
+            </a:extLst>
+          </p:cNvPr>
+          <p:cNvSpPr txBox="1"/>
+          <p:nvPr/>
+        </p:nvSpPr>
+        <p:spPr>
+          <a:xfrm>
+            <a:off x="1469658" y="0"/>
+            <a:ext cx="9371474" cy="461665"/>
+          </a:xfrm>
+          <a:prstGeom prst="rect">
+            <a:avLst/>
+          </a:prstGeom>
+          <a:noFill/>
+        </p:spPr>
+        <p:txBody>
+          <a:bodyPr wrap="square" rtlCol="0">
+            <a:spAutoFit/>
+          </a:bodyPr>
+          <a:lstStyle/>
+          <a:p>
+            <a:pPr algn="ctr"/>
+            <a:r>
+              <a:rPr lang="pt-BR" sz="2400" dirty="0"/>
+              <a:t>HLD- HIGH LEVEL DESIGN</a:t>
+            </a:r>
+          </a:p>
+        </p:txBody>
+      </p:sp>
       <p:pic>
         <p:nvPicPr>
-          <p:cNvPr id="2" name="Imagem 1">
-            <a:extLst>
-              <a:ext uri="{FF2B5EF4-FFF2-40B4-BE49-F238E27FC236}">
-                <a16:creationId xmlns:a16="http://schemas.microsoft.com/office/drawing/2014/main" id="{54C098B3-5B28-444E-998B-59ADEA743EE8}"/>
-              </a:ext>
-            </a:extLst>
-          </p:cNvPr>
-          <p:cNvPicPr/>
+          <p:cNvPr id="6" name="Imagem 5">
+            <a:extLst>
+              <a:ext uri="{FF2B5EF4-FFF2-40B4-BE49-F238E27FC236}">
+                <a16:creationId xmlns:a16="http://schemas.microsoft.com/office/drawing/2014/main" id="{94672A31-D894-4886-AFAC-7BEB07C6FEC8}"/>
+              </a:ext>
+            </a:extLst>
+          </p:cNvPr>
+          <p:cNvPicPr>
+            <a:picLocks noChangeAspect="1"/>
+          </p:cNvPicPr>
           <p:nvPr/>
         </p:nvPicPr>
         <p:blipFill>
@@ -3773,32 +4035,25 @@
         </p:blipFill>
         <p:spPr>
           <a:xfrm>
-            <a:off x="534572" y="309489"/>
-            <a:ext cx="11236514" cy="6425140"/>
+            <a:off x="826810" y="665604"/>
+            <a:ext cx="10579128" cy="5899089"/>
           </a:xfrm>
           <a:prstGeom prst="rect">
             <a:avLst/>
           </a:prstGeom>
-          <a:ln w="38100" cap="sq">
+          <a:ln>
             <a:solidFill>
-              <a:srgbClr val="000000"/>
+              <a:schemeClr val="bg1">
+                <a:lumMod val="85000"/>
+              </a:schemeClr>
             </a:solidFill>
-            <a:prstDash val="solid"/>
-            <a:miter lim="800000"/>
           </a:ln>
-          <a:effectLst>
-            <a:outerShdw blurRad="50800" dist="38100" dir="2700000" algn="tl" rotWithShape="0">
-              <a:srgbClr val="000000">
-                <a:alpha val="43000"/>
-              </a:srgbClr>
-            </a:outerShdw>
-          </a:effectLst>
         </p:spPr>
       </p:pic>
     </p:spTree>
     <p:extLst>
       <p:ext uri="{BB962C8B-B14F-4D97-AF65-F5344CB8AC3E}">
-        <p14:creationId xmlns:p14="http://schemas.microsoft.com/office/powerpoint/2010/main" val="2909117477"/>
+        <p14:creationId xmlns:p14="http://schemas.microsoft.com/office/powerpoint/2010/main" val="832900953"/>
       </p:ext>
     </p:extLst>
   </p:cSld>
@@ -3825,12 +4080,49 @@
           <a:chExt cx="0" cy="0"/>
         </a:xfrm>
       </p:grpSpPr>
+      <p:sp>
+        <p:nvSpPr>
+          <p:cNvPr id="33" name="CaixaDeTexto 32">
+            <a:extLst>
+              <a:ext uri="{FF2B5EF4-FFF2-40B4-BE49-F238E27FC236}">
+                <a16:creationId xmlns:a16="http://schemas.microsoft.com/office/drawing/2014/main" id="{220CB2D0-7C28-40DD-84DC-464085095C8A}"/>
+              </a:ext>
+            </a:extLst>
+          </p:cNvPr>
+          <p:cNvSpPr txBox="1"/>
+          <p:nvPr/>
+        </p:nvSpPr>
+        <p:spPr>
+          <a:xfrm>
+            <a:off x="1253089" y="0"/>
+            <a:ext cx="9371474" cy="461665"/>
+          </a:xfrm>
+          <a:prstGeom prst="rect">
+            <a:avLst/>
+          </a:prstGeom>
+          <a:noFill/>
+        </p:spPr>
+        <p:txBody>
+          <a:bodyPr wrap="square" rtlCol="0">
+            <a:spAutoFit/>
+          </a:bodyPr>
+          <a:lstStyle/>
+          <a:p>
+            <a:pPr algn="ctr"/>
+            <a:r>
+              <a:rPr lang="pt-BR" sz="2400"/>
+              <a:t>LLD-LOW LEVEL DESIGN</a:t>
+            </a:r>
+            <a:endParaRPr lang="pt-BR" sz="2400" dirty="0"/>
+          </a:p>
+        </p:txBody>
+      </p:sp>
       <p:pic>
         <p:nvPicPr>
-          <p:cNvPr id="6" name="Imagem 5">
-            <a:extLst>
-              <a:ext uri="{FF2B5EF4-FFF2-40B4-BE49-F238E27FC236}">
-                <a16:creationId xmlns:a16="http://schemas.microsoft.com/office/drawing/2014/main" id="{B92F7446-0488-4708-9F36-EC731E6A2DAA}"/>
+          <p:cNvPr id="26" name="Imagem 25">
+            <a:extLst>
+              <a:ext uri="{FF2B5EF4-FFF2-40B4-BE49-F238E27FC236}">
+                <a16:creationId xmlns:a16="http://schemas.microsoft.com/office/drawing/2014/main" id="{5EB28810-B08D-4937-B95C-FDA868B709D1}"/>
               </a:ext>
             </a:extLst>
           </p:cNvPr>
@@ -3840,21 +4132,75 @@
           <p:nvPr/>
         </p:nvPicPr>
         <p:blipFill>
-          <a:blip r:embed="rId2">
-            <a:extLst>
-              <a:ext uri="{BEBA8EAE-BF5A-486C-A8C5-ECC9F3942E4B}">
-                <a14:imgProps xmlns:a14="http://schemas.microsoft.com/office/drawing/2010/main">
-                  <a14:imgLayer r:embed="rId3">
-                    <a14:imgEffect>
-                      <a14:backgroundRemoval t="7767" b="91262" l="9426" r="89344">
-                        <a14:foregroundMark x1="31148" y1="10194" x2="31148" y2="10194"/>
-                        <a14:foregroundMark x1="30738" y1="9223" x2="18033" y2="8252"/>
-                        <a14:foregroundMark x1="69672" y1="91262" x2="61885" y2="88350"/>
-                      </a14:backgroundRemoval>
-                    </a14:imgEffect>
-                  </a14:imgLayer>
-                </a14:imgProps>
-              </a:ext>
+          <a:blip r:embed="rId2"/>
+          <a:stretch>
+            <a:fillRect/>
+          </a:stretch>
+        </p:blipFill>
+        <p:spPr>
+          <a:xfrm>
+            <a:off x="875197" y="714063"/>
+            <a:ext cx="10441606" cy="5886542"/>
+          </a:xfrm>
+          <a:prstGeom prst="rect">
+            <a:avLst/>
+          </a:prstGeom>
+          <a:ln>
+            <a:solidFill>
+              <a:schemeClr val="bg1">
+                <a:lumMod val="85000"/>
+              </a:schemeClr>
+            </a:solidFill>
+          </a:ln>
+        </p:spPr>
+      </p:pic>
+    </p:spTree>
+    <p:extLst>
+      <p:ext uri="{BB962C8B-B14F-4D97-AF65-F5344CB8AC3E}">
+        <p14:creationId xmlns:p14="http://schemas.microsoft.com/office/powerpoint/2010/main" val="1537240673"/>
+      </p:ext>
+    </p:extLst>
+  </p:cSld>
+  <p:clrMapOvr>
+    <a:masterClrMapping/>
+  </p:clrMapOvr>
+</p:sld>
+</file>
+
+<file path=ppt/slides/slide4.xml><?xml version="1.0" encoding="utf-8"?>
+<p:sld xmlns:a="http://schemas.openxmlformats.org/drawingml/2006/main" xmlns:r="http://schemas.openxmlformats.org/officeDocument/2006/relationships" xmlns:p="http://schemas.openxmlformats.org/presentationml/2006/main">
+  <p:cSld>
+    <p:spTree>
+      <p:nvGrpSpPr>
+        <p:cNvPr id="1" name=""/>
+        <p:cNvGrpSpPr/>
+        <p:nvPr/>
+      </p:nvGrpSpPr>
+      <p:grpSpPr>
+        <a:xfrm>
+          <a:off x="0" y="0"/>
+          <a:ext cx="0" cy="0"/>
+          <a:chOff x="0" y="0"/>
+          <a:chExt cx="0" cy="0"/>
+        </a:xfrm>
+      </p:grpSpPr>
+      <p:pic>
+        <p:nvPicPr>
+          <p:cNvPr id="16" name="Imagem 15">
+            <a:extLst>
+              <a:ext uri="{FF2B5EF4-FFF2-40B4-BE49-F238E27FC236}">
+                <a16:creationId xmlns:a16="http://schemas.microsoft.com/office/drawing/2014/main" id="{D2D89B88-178A-40E5-9441-201955B8E00C}"/>
+              </a:ext>
+            </a:extLst>
+          </p:cNvPr>
+          <p:cNvPicPr>
+            <a:picLocks noChangeAspect="1"/>
+          </p:cNvPicPr>
+          <p:nvPr/>
+        </p:nvPicPr>
+        <p:blipFill>
+          <a:blip r:embed="rId3">
+            <a:extLst>
               <a:ext uri="{28A0092B-C50C-407E-A947-70E740481C1C}">
                 <a14:useLocalDpi xmlns:a14="http://schemas.microsoft.com/office/drawing/2010/main" val="0"/>
               </a:ext>
@@ -3866,291 +4212,30 @@
         </p:blipFill>
         <p:spPr>
           <a:xfrm>
-            <a:off x="277249" y="508843"/>
-            <a:ext cx="2598471" cy="2107274"/>
+            <a:off x="5294110" y="2644727"/>
+            <a:ext cx="1158278" cy="1158278"/>
           </a:xfrm>
           <a:prstGeom prst="rect">
             <a:avLst/>
           </a:prstGeom>
         </p:spPr>
       </p:pic>
-      <p:grpSp>
-        <p:nvGrpSpPr>
-          <p:cNvPr id="80" name="Agrupar 79">
-            <a:extLst>
-              <a:ext uri="{FF2B5EF4-FFF2-40B4-BE49-F238E27FC236}">
-                <a16:creationId xmlns:a16="http://schemas.microsoft.com/office/drawing/2014/main" id="{2F60665C-FB50-4AD8-A823-598301AABB0D}"/>
-              </a:ext>
-            </a:extLst>
-          </p:cNvPr>
-          <p:cNvGrpSpPr/>
+      <p:sp>
+        <p:nvSpPr>
+          <p:cNvPr id="33" name="CaixaDeTexto 32">
+            <a:extLst>
+              <a:ext uri="{FF2B5EF4-FFF2-40B4-BE49-F238E27FC236}">
+                <a16:creationId xmlns:a16="http://schemas.microsoft.com/office/drawing/2014/main" id="{F3C1058B-BEFC-4E96-AF1A-810B586D0581}"/>
+              </a:ext>
+            </a:extLst>
+          </p:cNvPr>
+          <p:cNvSpPr txBox="1"/>
           <p:nvPr/>
-        </p:nvGrpSpPr>
-        <p:grpSpPr>
-          <a:xfrm>
-            <a:off x="1619681" y="1182352"/>
-            <a:ext cx="675593" cy="599613"/>
-            <a:chOff x="6763803" y="2917469"/>
-            <a:chExt cx="1703437" cy="1511861"/>
-          </a:xfrm>
-        </p:grpSpPr>
-        <p:pic>
-          <p:nvPicPr>
-            <p:cNvPr id="62" name="Imagem 61">
-              <a:extLst>
-                <a:ext uri="{FF2B5EF4-FFF2-40B4-BE49-F238E27FC236}">
-                  <a16:creationId xmlns:a16="http://schemas.microsoft.com/office/drawing/2014/main" id="{35169FD5-1A42-45DD-9BE7-32ACB5D13C69}"/>
-                </a:ext>
-              </a:extLst>
-            </p:cNvPr>
-            <p:cNvPicPr>
-              <a:picLocks noChangeAspect="1"/>
-            </p:cNvPicPr>
-            <p:nvPr/>
-          </p:nvPicPr>
-          <p:blipFill rotWithShape="1">
-            <a:blip r:embed="rId4">
-              <a:extLst>
-                <a:ext uri="{28A0092B-C50C-407E-A947-70E740481C1C}">
-                  <a14:useLocalDpi xmlns:a14="http://schemas.microsoft.com/office/drawing/2010/main" val="0"/>
-                </a:ext>
-              </a:extLst>
-            </a:blip>
-            <a:srcRect b="9641"/>
-            <a:stretch/>
-          </p:blipFill>
-          <p:spPr>
-            <a:xfrm>
-              <a:off x="6763803" y="3151209"/>
-              <a:ext cx="1309715" cy="1278121"/>
-            </a:xfrm>
-            <a:prstGeom prst="rect">
-              <a:avLst/>
-            </a:prstGeom>
-          </p:spPr>
-        </p:pic>
-        <p:pic>
-          <p:nvPicPr>
-            <p:cNvPr id="68" name="Imagem 67">
-              <a:extLst>
-                <a:ext uri="{FF2B5EF4-FFF2-40B4-BE49-F238E27FC236}">
-                  <a16:creationId xmlns:a16="http://schemas.microsoft.com/office/drawing/2014/main" id="{683E8A1E-45F0-48F2-876C-D8311414BDEC}"/>
-                </a:ext>
-              </a:extLst>
-            </p:cNvPr>
-            <p:cNvPicPr>
-              <a:picLocks noChangeAspect="1"/>
-            </p:cNvPicPr>
-            <p:nvPr/>
-          </p:nvPicPr>
-          <p:blipFill>
-            <a:blip r:embed="rId5">
-              <a:extLst>
-                <a:ext uri="{BEBA8EAE-BF5A-486C-A8C5-ECC9F3942E4B}">
-                  <a14:imgProps xmlns:a14="http://schemas.microsoft.com/office/drawing/2010/main">
-                    <a14:imgLayer r:embed="rId6">
-                      <a14:imgEffect>
-                        <a14:backgroundRemoval t="1944" b="90926" l="10000" r="90000">
-                          <a14:foregroundMark x1="51714" y1="2037" x2="51714" y2="2037"/>
-                          <a14:foregroundMark x1="79429" y1="6296" x2="79429" y2="6296"/>
-                          <a14:foregroundMark x1="47429" y1="90926" x2="47429" y2="90926"/>
-                        </a14:backgroundRemoval>
-                      </a14:imgEffect>
-                    </a14:imgLayer>
-                  </a14:imgProps>
-                </a:ext>
-                <a:ext uri="{28A0092B-C50C-407E-A947-70E740481C1C}">
-                  <a14:useLocalDpi xmlns:a14="http://schemas.microsoft.com/office/drawing/2010/main" val="0"/>
-                </a:ext>
-              </a:extLst>
-            </a:blip>
-            <a:stretch>
-              <a:fillRect/>
-            </a:stretch>
-          </p:blipFill>
-          <p:spPr>
-            <a:xfrm>
-              <a:off x="7750726" y="3124816"/>
-              <a:ext cx="393722" cy="607456"/>
-            </a:xfrm>
-            <a:prstGeom prst="rect">
-              <a:avLst/>
-            </a:prstGeom>
-          </p:spPr>
-        </p:pic>
-        <p:pic>
-          <p:nvPicPr>
-            <p:cNvPr id="72" name="Imagem 71">
-              <a:extLst>
-                <a:ext uri="{FF2B5EF4-FFF2-40B4-BE49-F238E27FC236}">
-                  <a16:creationId xmlns:a16="http://schemas.microsoft.com/office/drawing/2014/main" id="{D83CF1DC-A7DF-4B11-8AC5-C8D0F7EE5E4E}"/>
-                </a:ext>
-              </a:extLst>
-            </p:cNvPr>
-            <p:cNvPicPr>
-              <a:picLocks noChangeAspect="1"/>
-            </p:cNvPicPr>
-            <p:nvPr/>
-          </p:nvPicPr>
-          <p:blipFill>
-            <a:blip r:embed="rId7">
-              <a:extLst>
-                <a:ext uri="{28A0092B-C50C-407E-A947-70E740481C1C}">
-                  <a14:useLocalDpi xmlns:a14="http://schemas.microsoft.com/office/drawing/2010/main" val="0"/>
-                </a:ext>
-              </a:extLst>
-            </a:blip>
-            <a:stretch>
-              <a:fillRect/>
-            </a:stretch>
-          </p:blipFill>
-          <p:spPr>
-            <a:xfrm>
-              <a:off x="8073518" y="2917469"/>
-              <a:ext cx="393722" cy="360912"/>
-            </a:xfrm>
-            <a:prstGeom prst="rect">
-              <a:avLst/>
-            </a:prstGeom>
-          </p:spPr>
-        </p:pic>
-      </p:grpSp>
-      <p:pic>
-        <p:nvPicPr>
-          <p:cNvPr id="16" name="Imagem 15">
-            <a:extLst>
-              <a:ext uri="{FF2B5EF4-FFF2-40B4-BE49-F238E27FC236}">
-                <a16:creationId xmlns:a16="http://schemas.microsoft.com/office/drawing/2014/main" id="{D2D89B88-178A-40E5-9441-201955B8E00C}"/>
-              </a:ext>
-            </a:extLst>
-          </p:cNvPr>
-          <p:cNvPicPr>
-            <a:picLocks noChangeAspect="1"/>
-          </p:cNvPicPr>
-          <p:nvPr/>
-        </p:nvPicPr>
-        <p:blipFill>
-          <a:blip r:embed="rId8">
-            <a:extLst>
-              <a:ext uri="{28A0092B-C50C-407E-A947-70E740481C1C}">
-                <a14:useLocalDpi xmlns:a14="http://schemas.microsoft.com/office/drawing/2010/main" val="0"/>
-              </a:ext>
-            </a:extLst>
-          </a:blip>
-          <a:stretch>
-            <a:fillRect/>
-          </a:stretch>
-        </p:blipFill>
+        </p:nvSpPr>
         <p:spPr>
           <a:xfrm>
-            <a:off x="4023936" y="3047612"/>
-            <a:ext cx="1572424" cy="1572424"/>
-          </a:xfrm>
-          <a:prstGeom prst="rect">
-            <a:avLst/>
-          </a:prstGeom>
-        </p:spPr>
-      </p:pic>
-      <p:pic>
-        <p:nvPicPr>
-          <p:cNvPr id="30" name="Imagem 29">
-            <a:extLst>
-              <a:ext uri="{FF2B5EF4-FFF2-40B4-BE49-F238E27FC236}">
-                <a16:creationId xmlns:a16="http://schemas.microsoft.com/office/drawing/2014/main" id="{23DE71E1-2B81-48EF-8719-D72B54A5CC6F}"/>
-              </a:ext>
-            </a:extLst>
-          </p:cNvPr>
-          <p:cNvPicPr>
-            <a:picLocks noChangeAspect="1"/>
-          </p:cNvPicPr>
-          <p:nvPr/>
-        </p:nvPicPr>
-        <p:blipFill rotWithShape="1">
-          <a:blip r:embed="rId9">
-            <a:extLst>
-              <a:ext uri="{BEBA8EAE-BF5A-486C-A8C5-ECC9F3942E4B}">
-                <a14:imgProps xmlns:a14="http://schemas.microsoft.com/office/drawing/2010/main">
-                  <a14:imgLayer r:embed="rId10">
-                    <a14:imgEffect>
-                      <a14:backgroundRemoval t="9227" b="83044" l="10000" r="90000">
-                        <a14:backgroundMark x1="46600" y1="42222" x2="46600" y2="42222"/>
-                        <a14:backgroundMark x1="47400" y1="40278" x2="55300" y2="43889"/>
-                        <a14:backgroundMark x1="55300" y1="43889" x2="57500" y2="43333"/>
-                      </a14:backgroundRemoval>
-                    </a14:imgEffect>
-                  </a14:imgLayer>
-                </a14:imgProps>
-              </a:ext>
-              <a:ext uri="{28A0092B-C50C-407E-A947-70E740481C1C}">
-                <a14:useLocalDpi xmlns:a14="http://schemas.microsoft.com/office/drawing/2010/main" val="0"/>
-              </a:ext>
-            </a:extLst>
-          </a:blip>
-          <a:srcRect l="11335" t="11466" r="7462" b="18315"/>
-          <a:stretch/>
-        </p:blipFill>
-        <p:spPr>
-          <a:xfrm>
-            <a:off x="846478" y="1239971"/>
-            <a:ext cx="500958" cy="449392"/>
-          </a:xfrm>
-          <a:prstGeom prst="rect">
-            <a:avLst/>
-          </a:prstGeom>
-        </p:spPr>
-      </p:pic>
-      <p:pic>
-        <p:nvPicPr>
-          <p:cNvPr id="13" name="Imagem 12">
-            <a:extLst>
-              <a:ext uri="{FF2B5EF4-FFF2-40B4-BE49-F238E27FC236}">
-                <a16:creationId xmlns:a16="http://schemas.microsoft.com/office/drawing/2014/main" id="{E8E3DA3B-DCF9-4D10-8A7B-90C1977F9DEF}"/>
-              </a:ext>
-            </a:extLst>
-          </p:cNvPr>
-          <p:cNvPicPr>
-            <a:picLocks noChangeAspect="1"/>
-          </p:cNvPicPr>
-          <p:nvPr/>
-        </p:nvPicPr>
-        <p:blipFill>
-          <a:blip r:embed="rId11">
-            <a:extLst>
-              <a:ext uri="{28A0092B-C50C-407E-A947-70E740481C1C}">
-                <a14:useLocalDpi xmlns:a14="http://schemas.microsoft.com/office/drawing/2010/main" val="0"/>
-              </a:ext>
-            </a:extLst>
-          </a:blip>
-          <a:stretch>
-            <a:fillRect/>
-          </a:stretch>
-        </p:blipFill>
-        <p:spPr>
-          <a:xfrm>
-            <a:off x="1378247" y="860301"/>
-            <a:ext cx="439522" cy="422189"/>
-          </a:xfrm>
-          <a:prstGeom prst="rect">
-            <a:avLst/>
-          </a:prstGeom>
-        </p:spPr>
-      </p:pic>
-      <p:sp>
-        <p:nvSpPr>
-          <p:cNvPr id="33" name="CaixaDeTexto 32">
-            <a:extLst>
-              <a:ext uri="{FF2B5EF4-FFF2-40B4-BE49-F238E27FC236}">
-                <a16:creationId xmlns:a16="http://schemas.microsoft.com/office/drawing/2014/main" id="{F3C1058B-BEFC-4E96-AF1A-810B586D0581}"/>
-              </a:ext>
-            </a:extLst>
-          </p:cNvPr>
-          <p:cNvSpPr txBox="1"/>
-          <p:nvPr/>
-        </p:nvSpPr>
-        <p:spPr>
-          <a:xfrm>
-            <a:off x="659522" y="361151"/>
-            <a:ext cx="2001654" cy="263930"/>
+            <a:off x="517237" y="1918029"/>
+            <a:ext cx="2632131" cy="338554"/>
           </a:xfrm>
           <a:prstGeom prst="rect">
             <a:avLst/>
@@ -4164,7 +4249,7 @@
           <a:lstStyle/>
           <a:p>
             <a:r>
-              <a:rPr lang="pt-BR" sz="1200" dirty="0"/>
+              <a:rPr lang="pt-BR" sz="1600" dirty="0"/>
               <a:t>Monitoramento de Hardware</a:t>
             </a:r>
           </a:p>
@@ -4186,7 +4271,7 @@
         </p:nvCxnSpPr>
         <p:spPr>
           <a:xfrm flipV="1">
-            <a:off x="1485766" y="2548563"/>
+            <a:off x="1869623" y="2196840"/>
             <a:ext cx="0" cy="569887"/>
           </a:xfrm>
           <a:prstGeom prst="straightConnector1">
@@ -4213,10 +4298,10 @@
       </p:cxnSp>
       <p:grpSp>
         <p:nvGrpSpPr>
-          <p:cNvPr id="113" name="Agrupar 112">
-            <a:extLst>
-              <a:ext uri="{FF2B5EF4-FFF2-40B4-BE49-F238E27FC236}">
-                <a16:creationId xmlns:a16="http://schemas.microsoft.com/office/drawing/2014/main" id="{73F3AA17-ABB2-405C-8CD9-386DED9100A8}"/>
+          <p:cNvPr id="12" name="Agrupar 11">
+            <a:extLst>
+              <a:ext uri="{FF2B5EF4-FFF2-40B4-BE49-F238E27FC236}">
+                <a16:creationId xmlns:a16="http://schemas.microsoft.com/office/drawing/2014/main" id="{D69810C7-95BC-44E3-A68B-1A3A5353900A}"/>
               </a:ext>
             </a:extLst>
           </p:cNvPr>
@@ -4225,297 +4310,144 @@
         </p:nvGrpSpPr>
         <p:grpSpPr>
           <a:xfrm>
-            <a:off x="7721729" y="4346406"/>
-            <a:ext cx="3311668" cy="1665037"/>
-            <a:chOff x="7059246" y="3981226"/>
-            <a:chExt cx="3663742" cy="1842052"/>
+            <a:off x="926950" y="4711229"/>
+            <a:ext cx="2046835" cy="2011326"/>
+            <a:chOff x="844715" y="5076807"/>
+            <a:chExt cx="2046835" cy="2011326"/>
           </a:xfrm>
         </p:grpSpPr>
-        <p:pic>
-          <p:nvPicPr>
-            <p:cNvPr id="14" name="Imagem 13">
+        <p:cxnSp>
+          <p:nvCxnSpPr>
+            <p:cNvPr id="52" name="Conector de Seta Reta 51">
               <a:extLst>
                 <a:ext uri="{FF2B5EF4-FFF2-40B4-BE49-F238E27FC236}">
-                  <a16:creationId xmlns:a16="http://schemas.microsoft.com/office/drawing/2014/main" id="{6A7DDA54-ADCE-4AED-B06E-9FD5999222D1}"/>
+                  <a16:creationId xmlns:a16="http://schemas.microsoft.com/office/drawing/2014/main" id="{44DA48BC-735E-46E8-BE00-439D23FEA76E}"/>
                 </a:ext>
               </a:extLst>
             </p:cNvPr>
-            <p:cNvPicPr>
-              <a:picLocks noChangeAspect="1"/>
-            </p:cNvPicPr>
+            <p:cNvCxnSpPr>
+              <a:cxnSpLocks/>
+            </p:cNvCxnSpPr>
             <p:nvPr/>
-          </p:nvPicPr>
-          <p:blipFill>
-            <a:blip r:embed="rId12">
-              <a:extLst>
-                <a:ext uri="{28A0092B-C50C-407E-A947-70E740481C1C}">
-                  <a14:useLocalDpi xmlns:a14="http://schemas.microsoft.com/office/drawing/2010/main" val="0"/>
-                </a:ext>
-              </a:extLst>
-            </a:blip>
-            <a:stretch>
-              <a:fillRect/>
-            </a:stretch>
-          </p:blipFill>
+          </p:nvCxnSpPr>
           <p:spPr>
-            <a:xfrm>
-              <a:off x="8880936" y="3981226"/>
-              <a:ext cx="1842052" cy="1842052"/>
+            <a:xfrm flipV="1">
+              <a:off x="1861810" y="5076807"/>
+              <a:ext cx="0" cy="650985"/>
             </a:xfrm>
-            <a:prstGeom prst="rect">
+            <a:prstGeom prst="straightConnector1">
               <a:avLst/>
             </a:prstGeom>
+            <a:ln>
+              <a:tailEnd type="triangle"/>
+            </a:ln>
           </p:spPr>
-        </p:pic>
-        <p:pic>
-          <p:nvPicPr>
-            <p:cNvPr id="46" name="Imagem 45">
+          <p:style>
+            <a:lnRef idx="1">
+              <a:schemeClr val="dk1"/>
+            </a:lnRef>
+            <a:fillRef idx="0">
+              <a:schemeClr val="dk1"/>
+            </a:fillRef>
+            <a:effectRef idx="0">
+              <a:schemeClr val="dk1"/>
+            </a:effectRef>
+            <a:fontRef idx="minor">
+              <a:schemeClr val="tx1"/>
+            </a:fontRef>
+          </p:style>
+        </p:cxnSp>
+        <p:grpSp>
+          <p:nvGrpSpPr>
+            <p:cNvPr id="112" name="Agrupar 111">
               <a:extLst>
                 <a:ext uri="{FF2B5EF4-FFF2-40B4-BE49-F238E27FC236}">
-                  <a16:creationId xmlns:a16="http://schemas.microsoft.com/office/drawing/2014/main" id="{F5287201-314C-4E49-A52F-47D82384AE40}"/>
+                  <a16:creationId xmlns:a16="http://schemas.microsoft.com/office/drawing/2014/main" id="{1D8E055D-1531-4BE7-83D4-4E9E1ACC87F2}"/>
                 </a:ext>
               </a:extLst>
             </p:cNvPr>
-            <p:cNvPicPr>
-              <a:picLocks noChangeAspect="1"/>
-            </p:cNvPicPr>
+            <p:cNvGrpSpPr/>
             <p:nvPr/>
-          </p:nvPicPr>
-          <p:blipFill>
-            <a:blip r:embed="rId13">
-              <a:extLst>
-                <a:ext uri="{28A0092B-C50C-407E-A947-70E740481C1C}">
-                  <a14:useLocalDpi xmlns:a14="http://schemas.microsoft.com/office/drawing/2010/main" val="0"/>
-                </a:ext>
-              </a:extLst>
-            </a:blip>
-            <a:stretch>
-              <a:fillRect/>
-            </a:stretch>
-          </p:blipFill>
-          <p:spPr>
+          </p:nvGrpSpPr>
+          <p:grpSpPr>
             <a:xfrm>
-              <a:off x="7171964" y="4563770"/>
-              <a:ext cx="1708972" cy="827784"/>
+              <a:off x="844715" y="5720152"/>
+              <a:ext cx="2046835" cy="1367981"/>
+              <a:chOff x="162133" y="5370394"/>
+              <a:chExt cx="2046835" cy="1367981"/>
             </a:xfrm>
-            <a:prstGeom prst="rect">
-              <a:avLst/>
-            </a:prstGeom>
-          </p:spPr>
-        </p:pic>
-        <p:sp>
-          <p:nvSpPr>
-            <p:cNvPr id="49" name="CaixaDeTexto 48">
-              <a:extLst>
-                <a:ext uri="{FF2B5EF4-FFF2-40B4-BE49-F238E27FC236}">
-                  <a16:creationId xmlns:a16="http://schemas.microsoft.com/office/drawing/2014/main" id="{5D311CA8-0F92-4832-986E-3C28F9D27257}"/>
-                </a:ext>
-              </a:extLst>
-            </p:cNvPr>
-            <p:cNvSpPr txBox="1"/>
-            <p:nvPr/>
-          </p:nvSpPr>
-          <p:spPr>
-            <a:xfrm>
-              <a:off x="7059246" y="5546279"/>
-              <a:ext cx="3412024" cy="276999"/>
-            </a:xfrm>
-            <a:prstGeom prst="rect">
-              <a:avLst/>
-            </a:prstGeom>
-            <a:noFill/>
-          </p:spPr>
-          <p:txBody>
-            <a:bodyPr wrap="none" rtlCol="0">
-              <a:spAutoFit/>
-            </a:bodyPr>
-            <a:lstStyle/>
-            <a:p>
-              <a:r>
-                <a:rPr lang="pt-BR" sz="1200" dirty="0"/>
-                <a:t>Dashboard de monitoramento durante modelagem </a:t>
-              </a:r>
-            </a:p>
-          </p:txBody>
-        </p:sp>
-      </p:grpSp>
-      <p:cxnSp>
-        <p:nvCxnSpPr>
-          <p:cNvPr id="52" name="Conector de Seta Reta 51">
-            <a:extLst>
-              <a:ext uri="{FF2B5EF4-FFF2-40B4-BE49-F238E27FC236}">
-                <a16:creationId xmlns:a16="http://schemas.microsoft.com/office/drawing/2014/main" id="{44DA48BC-735E-46E8-BE00-439D23FEA76E}"/>
-              </a:ext>
-            </a:extLst>
-          </p:cNvPr>
-          <p:cNvCxnSpPr>
-            <a:cxnSpLocks/>
-          </p:cNvCxnSpPr>
-          <p:nvPr/>
-        </p:nvCxnSpPr>
-        <p:spPr>
-          <a:xfrm flipV="1">
-            <a:off x="1366605" y="4679998"/>
-            <a:ext cx="0" cy="650985"/>
-          </a:xfrm>
-          <a:prstGeom prst="straightConnector1">
-            <a:avLst/>
-          </a:prstGeom>
-          <a:ln>
-            <a:tailEnd type="triangle"/>
-          </a:ln>
-        </p:spPr>
-        <p:style>
-          <a:lnRef idx="1">
-            <a:schemeClr val="dk1"/>
-          </a:lnRef>
-          <a:fillRef idx="0">
-            <a:schemeClr val="dk1"/>
-          </a:fillRef>
-          <a:effectRef idx="0">
-            <a:schemeClr val="dk1"/>
-          </a:effectRef>
-          <a:fontRef idx="minor">
-            <a:schemeClr val="tx1"/>
-          </a:fontRef>
-        </p:style>
-      </p:cxnSp>
-      <p:sp>
-        <p:nvSpPr>
-          <p:cNvPr id="58" name="Seta: da Esquerda para a Direita 57">
-            <a:extLst>
-              <a:ext uri="{FF2B5EF4-FFF2-40B4-BE49-F238E27FC236}">
-                <a16:creationId xmlns:a16="http://schemas.microsoft.com/office/drawing/2014/main" id="{C1034443-39B6-41ED-8B41-9CC5CAB80D29}"/>
-              </a:ext>
-            </a:extLst>
-          </p:cNvPr>
-          <p:cNvSpPr/>
-          <p:nvPr/>
-        </p:nvSpPr>
-        <p:spPr>
-          <a:xfrm rot="12841585" flipV="1">
-            <a:off x="5477039" y="4331405"/>
-            <a:ext cx="1237924" cy="106976"/>
-          </a:xfrm>
-          <a:prstGeom prst="leftRightArrow">
-            <a:avLst/>
-          </a:prstGeom>
-        </p:spPr>
-        <p:style>
-          <a:lnRef idx="2">
-            <a:schemeClr val="dk1">
-              <a:shade val="50000"/>
-            </a:schemeClr>
-          </a:lnRef>
-          <a:fillRef idx="1">
-            <a:schemeClr val="dk1"/>
-          </a:fillRef>
-          <a:effectRef idx="0">
-            <a:schemeClr val="dk1"/>
-          </a:effectRef>
-          <a:fontRef idx="minor">
-            <a:schemeClr val="lt1"/>
-          </a:fontRef>
-        </p:style>
-        <p:txBody>
-          <a:bodyPr rtlCol="0" anchor="ctr"/>
-          <a:lstStyle/>
-          <a:p>
-            <a:pPr algn="ctr"/>
-            <a:endParaRPr lang="pt-BR"/>
-          </a:p>
-        </p:txBody>
-      </p:sp>
-      <p:grpSp>
-        <p:nvGrpSpPr>
-          <p:cNvPr id="112" name="Agrupar 111">
-            <a:extLst>
-              <a:ext uri="{FF2B5EF4-FFF2-40B4-BE49-F238E27FC236}">
-                <a16:creationId xmlns:a16="http://schemas.microsoft.com/office/drawing/2014/main" id="{1D8E055D-1531-4BE7-83D4-4E9E1ACC87F2}"/>
-              </a:ext>
-            </a:extLst>
-          </p:cNvPr>
-          <p:cNvGrpSpPr/>
-          <p:nvPr/>
-        </p:nvGrpSpPr>
-        <p:grpSpPr>
-          <a:xfrm>
-            <a:off x="468526" y="5330983"/>
-            <a:ext cx="1842046" cy="1285178"/>
-            <a:chOff x="275796" y="5370394"/>
-            <a:chExt cx="1842046" cy="1285178"/>
-          </a:xfrm>
-        </p:grpSpPr>
-        <p:pic>
-          <p:nvPicPr>
-            <p:cNvPr id="57" name="Imagem 56">
-              <a:extLst>
-                <a:ext uri="{FF2B5EF4-FFF2-40B4-BE49-F238E27FC236}">
-                  <a16:creationId xmlns:a16="http://schemas.microsoft.com/office/drawing/2014/main" id="{E9F42B54-486B-45A4-88CB-DE33F2663410}"/>
-                </a:ext>
-              </a:extLst>
-            </p:cNvPr>
-            <p:cNvPicPr>
-              <a:picLocks noChangeAspect="1"/>
-            </p:cNvPicPr>
-            <p:nvPr/>
-          </p:nvPicPr>
-          <p:blipFill rotWithShape="1">
-            <a:blip r:embed="rId14">
-              <a:extLst>
-                <a:ext uri="{28A0092B-C50C-407E-A947-70E740481C1C}">
-                  <a14:useLocalDpi xmlns:a14="http://schemas.microsoft.com/office/drawing/2010/main" val="0"/>
-                </a:ext>
-              </a:extLst>
-            </a:blip>
-            <a:srcRect t="33580"/>
-            <a:stretch/>
-          </p:blipFill>
-          <p:spPr>
-            <a:xfrm>
-              <a:off x="275796" y="5370394"/>
-              <a:ext cx="1842046" cy="1285178"/>
-            </a:xfrm>
-            <a:prstGeom prst="rect">
-              <a:avLst/>
-            </a:prstGeom>
-          </p:spPr>
-        </p:pic>
-        <p:sp>
-          <p:nvSpPr>
-            <p:cNvPr id="59" name="CaixaDeTexto 58">
-              <a:extLst>
-                <a:ext uri="{FF2B5EF4-FFF2-40B4-BE49-F238E27FC236}">
-                  <a16:creationId xmlns:a16="http://schemas.microsoft.com/office/drawing/2014/main" id="{73A241AD-7060-4128-A20B-8DEA8F8DB6E0}"/>
-                </a:ext>
-              </a:extLst>
-            </p:cNvPr>
-            <p:cNvSpPr txBox="1"/>
-            <p:nvPr/>
-          </p:nvSpPr>
-          <p:spPr>
-            <a:xfrm>
-              <a:off x="463189" y="6219850"/>
-              <a:ext cx="1499193" cy="276999"/>
-            </a:xfrm>
-            <a:prstGeom prst="rect">
-              <a:avLst/>
-            </a:prstGeom>
-            <a:noFill/>
-          </p:spPr>
-          <p:txBody>
-            <a:bodyPr wrap="none" rtlCol="0">
-              <a:spAutoFit/>
-            </a:bodyPr>
-            <a:lstStyle/>
-            <a:p>
-              <a:r>
-                <a:rPr lang="pt-BR" sz="1200" dirty="0"/>
-                <a:t>Usuário trabalhando </a:t>
-              </a:r>
-            </a:p>
-          </p:txBody>
-        </p:sp>
+          </p:grpSpPr>
+          <p:pic>
+            <p:nvPicPr>
+              <p:cNvPr id="57" name="Imagem 56">
+                <a:extLst>
+                  <a:ext uri="{FF2B5EF4-FFF2-40B4-BE49-F238E27FC236}">
+                    <a16:creationId xmlns:a16="http://schemas.microsoft.com/office/drawing/2014/main" id="{E9F42B54-486B-45A4-88CB-DE33F2663410}"/>
+                  </a:ext>
+                </a:extLst>
+              </p:cNvPr>
+              <p:cNvPicPr>
+                <a:picLocks noChangeAspect="1"/>
+              </p:cNvPicPr>
+              <p:nvPr/>
+            </p:nvPicPr>
+            <p:blipFill rotWithShape="1">
+              <a:blip r:embed="rId4">
+                <a:extLst>
+                  <a:ext uri="{28A0092B-C50C-407E-A947-70E740481C1C}">
+                    <a14:useLocalDpi xmlns:a14="http://schemas.microsoft.com/office/drawing/2010/main" val="0"/>
+                  </a:ext>
+                </a:extLst>
+              </a:blip>
+              <a:srcRect t="33580" b="22173"/>
+              <a:stretch/>
+            </p:blipFill>
+            <p:spPr>
+              <a:xfrm>
+                <a:off x="275796" y="5370394"/>
+                <a:ext cx="1842046" cy="856144"/>
+              </a:xfrm>
+              <a:prstGeom prst="rect">
+                <a:avLst/>
+              </a:prstGeom>
+            </p:spPr>
+          </p:pic>
+          <p:sp>
+            <p:nvSpPr>
+              <p:cNvPr id="59" name="CaixaDeTexto 58">
+                <a:extLst>
+                  <a:ext uri="{FF2B5EF4-FFF2-40B4-BE49-F238E27FC236}">
+                    <a16:creationId xmlns:a16="http://schemas.microsoft.com/office/drawing/2014/main" id="{73A241AD-7060-4128-A20B-8DEA8F8DB6E0}"/>
+                  </a:ext>
+                </a:extLst>
+              </p:cNvPr>
+              <p:cNvSpPr txBox="1"/>
+              <p:nvPr/>
+            </p:nvSpPr>
+            <p:spPr>
+              <a:xfrm>
+                <a:off x="162133" y="6399821"/>
+                <a:ext cx="2046835" cy="338554"/>
+              </a:xfrm>
+              <a:prstGeom prst="rect">
+                <a:avLst/>
+              </a:prstGeom>
+              <a:noFill/>
+            </p:spPr>
+            <p:txBody>
+              <a:bodyPr wrap="square" rtlCol="0">
+                <a:spAutoFit/>
+              </a:bodyPr>
+              <a:lstStyle/>
+              <a:p>
+                <a:r>
+                  <a:rPr lang="pt-BR" sz="1600" dirty="0"/>
+                  <a:t>Usuário trabalhando </a:t>
+                </a:r>
+              </a:p>
+            </p:txBody>
+          </p:sp>
+        </p:grpSp>
       </p:grpSp>
       <p:pic>
         <p:nvPicPr>
@@ -4532,11 +4464,11 @@
           <p:nvPr/>
         </p:nvPicPr>
         <p:blipFill>
-          <a:blip r:embed="rId15">
+          <a:blip r:embed="rId5">
             <a:extLst>
               <a:ext uri="{BEBA8EAE-BF5A-486C-A8C5-ECC9F3942E4B}">
                 <a14:imgProps xmlns:a14="http://schemas.microsoft.com/office/drawing/2010/main">
-                  <a14:imgLayer r:embed="rId16">
+                  <a14:imgLayer r:embed="rId6">
                     <a14:imgEffect>
                       <a14:backgroundRemoval t="10000" b="90000" l="10000" r="90000">
                         <a14:foregroundMark x1="30957" y1="32910" x2="33008" y2="37109"/>
@@ -4572,55 +4504,350 @@
         </p:blipFill>
         <p:spPr>
           <a:xfrm flipH="1">
-            <a:off x="5210965" y="201480"/>
-            <a:ext cx="1961743" cy="1961743"/>
+            <a:off x="7069209" y="-24417"/>
+            <a:ext cx="1798571" cy="1798571"/>
           </a:xfrm>
           <a:prstGeom prst="rect">
             <a:avLst/>
           </a:prstGeom>
         </p:spPr>
       </p:pic>
-      <p:cxnSp>
-        <p:nvCxnSpPr>
-          <p:cNvPr id="86" name="Conector de Seta Reta 85">
-            <a:extLst>
-              <a:ext uri="{FF2B5EF4-FFF2-40B4-BE49-F238E27FC236}">
-                <a16:creationId xmlns:a16="http://schemas.microsoft.com/office/drawing/2014/main" id="{A7A952EE-C571-486E-B68E-4953B69F1752}"/>
-              </a:ext>
-            </a:extLst>
-          </p:cNvPr>
-          <p:cNvCxnSpPr>
-            <a:cxnSpLocks/>
-          </p:cNvCxnSpPr>
+      <p:grpSp>
+        <p:nvGrpSpPr>
+          <p:cNvPr id="18" name="Agrupar 17">
+            <a:extLst>
+              <a:ext uri="{FF2B5EF4-FFF2-40B4-BE49-F238E27FC236}">
+                <a16:creationId xmlns:a16="http://schemas.microsoft.com/office/drawing/2014/main" id="{5852C144-2724-469E-B57F-04F074CE1487}"/>
+              </a:ext>
+            </a:extLst>
+          </p:cNvPr>
+          <p:cNvGrpSpPr/>
           <p:nvPr/>
-        </p:nvCxnSpPr>
-        <p:spPr>
-          <a:xfrm flipV="1">
-            <a:off x="2150668" y="1005221"/>
-            <a:ext cx="1294281" cy="506911"/>
+        </p:nvGrpSpPr>
+        <p:grpSpPr>
+          <a:xfrm>
+            <a:off x="451314" y="92729"/>
+            <a:ext cx="2698054" cy="1867352"/>
+            <a:chOff x="499026" y="306765"/>
+            <a:chExt cx="2945923" cy="2107274"/>
           </a:xfrm>
-          <a:prstGeom prst="straightConnector1">
-            <a:avLst/>
-          </a:prstGeom>
-          <a:ln>
-            <a:tailEnd type="triangle"/>
-          </a:ln>
-        </p:spPr>
-        <p:style>
-          <a:lnRef idx="1">
-            <a:schemeClr val="dk1"/>
-          </a:lnRef>
-          <a:fillRef idx="0">
-            <a:schemeClr val="dk1"/>
-          </a:fillRef>
-          <a:effectRef idx="0">
-            <a:schemeClr val="dk1"/>
-          </a:effectRef>
-          <a:fontRef idx="minor">
-            <a:schemeClr val="tx1"/>
-          </a:fontRef>
-        </p:style>
-      </p:cxnSp>
+        </p:grpSpPr>
+        <p:pic>
+          <p:nvPicPr>
+            <p:cNvPr id="6" name="Imagem 5">
+              <a:extLst>
+                <a:ext uri="{FF2B5EF4-FFF2-40B4-BE49-F238E27FC236}">
+                  <a16:creationId xmlns:a16="http://schemas.microsoft.com/office/drawing/2014/main" id="{B92F7446-0488-4708-9F36-EC731E6A2DAA}"/>
+                </a:ext>
+              </a:extLst>
+            </p:cNvPr>
+            <p:cNvPicPr>
+              <a:picLocks noChangeAspect="1"/>
+            </p:cNvPicPr>
+            <p:nvPr/>
+          </p:nvPicPr>
+          <p:blipFill>
+            <a:blip r:embed="rId7">
+              <a:extLst>
+                <a:ext uri="{BEBA8EAE-BF5A-486C-A8C5-ECC9F3942E4B}">
+                  <a14:imgProps xmlns:a14="http://schemas.microsoft.com/office/drawing/2010/main">
+                    <a14:imgLayer r:embed="rId8">
+                      <a14:imgEffect>
+                        <a14:backgroundRemoval t="7767" b="91262" l="9426" r="89344">
+                          <a14:foregroundMark x1="31148" y1="10194" x2="31148" y2="10194"/>
+                          <a14:foregroundMark x1="30738" y1="9223" x2="18033" y2="8252"/>
+                          <a14:foregroundMark x1="69672" y1="91262" x2="61885" y2="88350"/>
+                        </a14:backgroundRemoval>
+                      </a14:imgEffect>
+                    </a14:imgLayer>
+                  </a14:imgProps>
+                </a:ext>
+                <a:ext uri="{28A0092B-C50C-407E-A947-70E740481C1C}">
+                  <a14:useLocalDpi xmlns:a14="http://schemas.microsoft.com/office/drawing/2010/main" val="0"/>
+                </a:ext>
+              </a:extLst>
+            </a:blip>
+            <a:stretch>
+              <a:fillRect/>
+            </a:stretch>
+          </p:blipFill>
+          <p:spPr>
+            <a:xfrm>
+              <a:off x="499026" y="306765"/>
+              <a:ext cx="2598471" cy="2107274"/>
+            </a:xfrm>
+            <a:prstGeom prst="rect">
+              <a:avLst/>
+            </a:prstGeom>
+          </p:spPr>
+        </p:pic>
+        <p:grpSp>
+          <p:nvGrpSpPr>
+            <p:cNvPr id="17" name="Agrupar 16">
+              <a:extLst>
+                <a:ext uri="{FF2B5EF4-FFF2-40B4-BE49-F238E27FC236}">
+                  <a16:creationId xmlns:a16="http://schemas.microsoft.com/office/drawing/2014/main" id="{B3DD0D2F-E38E-4B19-9C53-85DAF2D490EB}"/>
+                </a:ext>
+              </a:extLst>
+            </p:cNvPr>
+            <p:cNvGrpSpPr/>
+            <p:nvPr/>
+          </p:nvGrpSpPr>
+          <p:grpSpPr>
+            <a:xfrm>
+              <a:off x="1170213" y="710489"/>
+              <a:ext cx="1448796" cy="921664"/>
+              <a:chOff x="846478" y="860301"/>
+              <a:chExt cx="1448796" cy="921664"/>
+            </a:xfrm>
+          </p:grpSpPr>
+          <p:pic>
+            <p:nvPicPr>
+              <p:cNvPr id="62" name="Imagem 61">
+                <a:extLst>
+                  <a:ext uri="{FF2B5EF4-FFF2-40B4-BE49-F238E27FC236}">
+                    <a16:creationId xmlns:a16="http://schemas.microsoft.com/office/drawing/2014/main" id="{35169FD5-1A42-45DD-9BE7-32ACB5D13C69}"/>
+                  </a:ext>
+                </a:extLst>
+              </p:cNvPr>
+              <p:cNvPicPr>
+                <a:picLocks noChangeAspect="1"/>
+              </p:cNvPicPr>
+              <p:nvPr/>
+            </p:nvPicPr>
+            <p:blipFill rotWithShape="1">
+              <a:blip r:embed="rId9">
+                <a:extLst>
+                  <a:ext uri="{28A0092B-C50C-407E-A947-70E740481C1C}">
+                    <a14:useLocalDpi xmlns:a14="http://schemas.microsoft.com/office/drawing/2010/main" val="0"/>
+                  </a:ext>
+                </a:extLst>
+              </a:blip>
+              <a:srcRect b="9641"/>
+              <a:stretch/>
+            </p:blipFill>
+            <p:spPr>
+              <a:xfrm>
+                <a:off x="1619681" y="1275055"/>
+                <a:ext cx="519441" cy="506910"/>
+              </a:xfrm>
+              <a:prstGeom prst="rect">
+                <a:avLst/>
+              </a:prstGeom>
+            </p:spPr>
+          </p:pic>
+          <p:pic>
+            <p:nvPicPr>
+              <p:cNvPr id="68" name="Imagem 67">
+                <a:extLst>
+                  <a:ext uri="{FF2B5EF4-FFF2-40B4-BE49-F238E27FC236}">
+                    <a16:creationId xmlns:a16="http://schemas.microsoft.com/office/drawing/2014/main" id="{683E8A1E-45F0-48F2-876C-D8311414BDEC}"/>
+                  </a:ext>
+                </a:extLst>
+              </p:cNvPr>
+              <p:cNvPicPr>
+                <a:picLocks noChangeAspect="1"/>
+              </p:cNvPicPr>
+              <p:nvPr/>
+            </p:nvPicPr>
+            <p:blipFill>
+              <a:blip r:embed="rId10">
+                <a:extLst>
+                  <a:ext uri="{BEBA8EAE-BF5A-486C-A8C5-ECC9F3942E4B}">
+                    <a14:imgProps xmlns:a14="http://schemas.microsoft.com/office/drawing/2010/main">
+                      <a14:imgLayer r:embed="rId11">
+                        <a14:imgEffect>
+                          <a14:backgroundRemoval t="1944" b="90926" l="10000" r="90000">
+                            <a14:foregroundMark x1="51714" y1="2037" x2="51714" y2="2037"/>
+                            <a14:foregroundMark x1="79429" y1="6296" x2="79429" y2="6296"/>
+                            <a14:foregroundMark x1="47429" y1="90926" x2="47429" y2="90926"/>
+                          </a14:backgroundRemoval>
+                        </a14:imgEffect>
+                      </a14:imgLayer>
+                    </a14:imgProps>
+                  </a:ext>
+                  <a:ext uri="{28A0092B-C50C-407E-A947-70E740481C1C}">
+                    <a14:useLocalDpi xmlns:a14="http://schemas.microsoft.com/office/drawing/2010/main" val="0"/>
+                  </a:ext>
+                </a:extLst>
+              </a:blip>
+              <a:stretch>
+                <a:fillRect/>
+              </a:stretch>
+            </p:blipFill>
+            <p:spPr>
+              <a:xfrm>
+                <a:off x="2011100" y="1264587"/>
+                <a:ext cx="156152" cy="240921"/>
+              </a:xfrm>
+              <a:prstGeom prst="rect">
+                <a:avLst/>
+              </a:prstGeom>
+            </p:spPr>
+          </p:pic>
+          <p:pic>
+            <p:nvPicPr>
+              <p:cNvPr id="72" name="Imagem 71">
+                <a:extLst>
+                  <a:ext uri="{FF2B5EF4-FFF2-40B4-BE49-F238E27FC236}">
+                    <a16:creationId xmlns:a16="http://schemas.microsoft.com/office/drawing/2014/main" id="{D83CF1DC-A7DF-4B11-8AC5-C8D0F7EE5E4E}"/>
+                  </a:ext>
+                </a:extLst>
+              </p:cNvPr>
+              <p:cNvPicPr>
+                <a:picLocks noChangeAspect="1"/>
+              </p:cNvPicPr>
+              <p:nvPr/>
+            </p:nvPicPr>
+            <p:blipFill>
+              <a:blip r:embed="rId12">
+                <a:extLst>
+                  <a:ext uri="{28A0092B-C50C-407E-A947-70E740481C1C}">
+                    <a14:useLocalDpi xmlns:a14="http://schemas.microsoft.com/office/drawing/2010/main" val="0"/>
+                  </a:ext>
+                </a:extLst>
+              </a:blip>
+              <a:stretch>
+                <a:fillRect/>
+              </a:stretch>
+            </p:blipFill>
+            <p:spPr>
+              <a:xfrm>
+                <a:off x="2139122" y="1182352"/>
+                <a:ext cx="156152" cy="143140"/>
+              </a:xfrm>
+              <a:prstGeom prst="rect">
+                <a:avLst/>
+              </a:prstGeom>
+            </p:spPr>
+          </p:pic>
+          <p:pic>
+            <p:nvPicPr>
+              <p:cNvPr id="30" name="Imagem 29">
+                <a:extLst>
+                  <a:ext uri="{FF2B5EF4-FFF2-40B4-BE49-F238E27FC236}">
+                    <a16:creationId xmlns:a16="http://schemas.microsoft.com/office/drawing/2014/main" id="{23DE71E1-2B81-48EF-8719-D72B54A5CC6F}"/>
+                  </a:ext>
+                </a:extLst>
+              </p:cNvPr>
+              <p:cNvPicPr>
+                <a:picLocks noChangeAspect="1"/>
+              </p:cNvPicPr>
+              <p:nvPr/>
+            </p:nvPicPr>
+            <p:blipFill rotWithShape="1">
+              <a:blip r:embed="rId13">
+                <a:extLst>
+                  <a:ext uri="{BEBA8EAE-BF5A-486C-A8C5-ECC9F3942E4B}">
+                    <a14:imgProps xmlns:a14="http://schemas.microsoft.com/office/drawing/2010/main">
+                      <a14:imgLayer r:embed="rId14">
+                        <a14:imgEffect>
+                          <a14:backgroundRemoval t="9227" b="83044" l="10000" r="90000">
+                            <a14:backgroundMark x1="46600" y1="42222" x2="46600" y2="42222"/>
+                            <a14:backgroundMark x1="47400" y1="40278" x2="55300" y2="43889"/>
+                            <a14:backgroundMark x1="55300" y1="43889" x2="57500" y2="43333"/>
+                          </a14:backgroundRemoval>
+                        </a14:imgEffect>
+                      </a14:imgLayer>
+                    </a14:imgProps>
+                  </a:ext>
+                  <a:ext uri="{28A0092B-C50C-407E-A947-70E740481C1C}">
+                    <a14:useLocalDpi xmlns:a14="http://schemas.microsoft.com/office/drawing/2010/main" val="0"/>
+                  </a:ext>
+                </a:extLst>
+              </a:blip>
+              <a:srcRect l="11335" t="11466" r="7462" b="18315"/>
+              <a:stretch/>
+            </p:blipFill>
+            <p:spPr>
+              <a:xfrm>
+                <a:off x="846478" y="1239971"/>
+                <a:ext cx="500958" cy="449392"/>
+              </a:xfrm>
+              <a:prstGeom prst="rect">
+                <a:avLst/>
+              </a:prstGeom>
+            </p:spPr>
+          </p:pic>
+          <p:pic>
+            <p:nvPicPr>
+              <p:cNvPr id="13" name="Imagem 12">
+                <a:extLst>
+                  <a:ext uri="{FF2B5EF4-FFF2-40B4-BE49-F238E27FC236}">
+                    <a16:creationId xmlns:a16="http://schemas.microsoft.com/office/drawing/2014/main" id="{E8E3DA3B-DCF9-4D10-8A7B-90C1977F9DEF}"/>
+                  </a:ext>
+                </a:extLst>
+              </p:cNvPr>
+              <p:cNvPicPr>
+                <a:picLocks noChangeAspect="1"/>
+              </p:cNvPicPr>
+              <p:nvPr/>
+            </p:nvPicPr>
+            <p:blipFill>
+              <a:blip r:embed="rId15">
+                <a:extLst>
+                  <a:ext uri="{28A0092B-C50C-407E-A947-70E740481C1C}">
+                    <a14:useLocalDpi xmlns:a14="http://schemas.microsoft.com/office/drawing/2010/main" val="0"/>
+                  </a:ext>
+                </a:extLst>
+              </a:blip>
+              <a:stretch>
+                <a:fillRect/>
+              </a:stretch>
+            </p:blipFill>
+            <p:spPr>
+              <a:xfrm>
+                <a:off x="1378247" y="860301"/>
+                <a:ext cx="439522" cy="422189"/>
+              </a:xfrm>
+              <a:prstGeom prst="rect">
+                <a:avLst/>
+              </a:prstGeom>
+            </p:spPr>
+          </p:pic>
+        </p:grpSp>
+        <p:cxnSp>
+          <p:nvCxnSpPr>
+            <p:cNvPr id="86" name="Conector de Seta Reta 85">
+              <a:extLst>
+                <a:ext uri="{FF2B5EF4-FFF2-40B4-BE49-F238E27FC236}">
+                  <a16:creationId xmlns:a16="http://schemas.microsoft.com/office/drawing/2014/main" id="{A7A952EE-C571-486E-B68E-4953B69F1752}"/>
+                </a:ext>
+              </a:extLst>
+            </p:cNvPr>
+            <p:cNvCxnSpPr>
+              <a:cxnSpLocks/>
+            </p:cNvCxnSpPr>
+            <p:nvPr/>
+          </p:nvCxnSpPr>
+          <p:spPr>
+            <a:xfrm flipV="1">
+              <a:off x="2150668" y="1005221"/>
+              <a:ext cx="1294281" cy="506911"/>
+            </a:xfrm>
+            <a:prstGeom prst="straightConnector1">
+              <a:avLst/>
+            </a:prstGeom>
+            <a:ln>
+              <a:tailEnd type="triangle"/>
+            </a:ln>
+          </p:spPr>
+          <p:style>
+            <a:lnRef idx="1">
+              <a:schemeClr val="dk1"/>
+            </a:lnRef>
+            <a:fillRef idx="0">
+              <a:schemeClr val="dk1"/>
+            </a:fillRef>
+            <a:effectRef idx="0">
+              <a:schemeClr val="dk1"/>
+            </a:effectRef>
+            <a:fontRef idx="minor">
+              <a:schemeClr val="tx1"/>
+            </a:fontRef>
+          </p:style>
+        </p:cxnSp>
+      </p:grpSp>
       <p:sp>
         <p:nvSpPr>
           <p:cNvPr id="92" name="CaixaDeTexto 91">
@@ -4635,8 +4862,8 @@
         </p:nvSpPr>
         <p:spPr>
           <a:xfrm>
-            <a:off x="5553087" y="1741142"/>
-            <a:ext cx="2413324" cy="415498"/>
+            <a:off x="6811232" y="1386303"/>
+            <a:ext cx="2493817" cy="584775"/>
           </a:xfrm>
           <a:prstGeom prst="rect">
             <a:avLst/>
@@ -4650,13 +4877,13 @@
           <a:lstStyle/>
           <a:p>
             <a:r>
-              <a:rPr lang="pt-BR" sz="1050" dirty="0"/>
+              <a:rPr lang="pt-BR" sz="1600" dirty="0"/>
               <a:t>Notificação de aumento de </a:t>
             </a:r>
           </a:p>
           <a:p>
             <a:r>
-              <a:rPr lang="pt-BR" sz="1050" dirty="0"/>
+              <a:rPr lang="pt-BR" sz="1600" dirty="0"/>
               <a:t>temperatura hardware  </a:t>
             </a:r>
           </a:p>
@@ -4677,9 +4904,9 @@
           <p:nvPr/>
         </p:nvCxnSpPr>
         <p:spPr>
-          <a:xfrm>
-            <a:off x="7156211" y="1159399"/>
-            <a:ext cx="676344" cy="423225"/>
+          <a:xfrm flipH="1">
+            <a:off x="7119527" y="5318462"/>
+            <a:ext cx="733598" cy="125105"/>
           </a:xfrm>
           <a:prstGeom prst="straightConnector1">
             <a:avLst/>
@@ -4719,8 +4946,8 @@
         </p:nvCxnSpPr>
         <p:spPr>
           <a:xfrm>
-            <a:off x="4874160" y="783264"/>
-            <a:ext cx="722200" cy="404143"/>
+            <a:off x="6543215" y="559401"/>
+            <a:ext cx="539673" cy="54741"/>
           </a:xfrm>
           <a:prstGeom prst="straightConnector1">
             <a:avLst/>
@@ -4757,9 +4984,9 @@
           <p:nvPr/>
         </p:nvSpPr>
         <p:spPr>
-          <a:xfrm rot="2456588" flipV="1">
-            <a:off x="2803101" y="2832213"/>
-            <a:ext cx="1246894" cy="103437"/>
+          <a:xfrm rot="1974885">
+            <a:off x="3717781" y="2386545"/>
+            <a:ext cx="1246894" cy="45719"/>
           </a:xfrm>
           <a:prstGeom prst="leftRightArrow">
             <a:avLst/>
@@ -4805,7 +5032,7 @@
           <p:nvPr/>
         </p:nvPicPr>
         <p:blipFill>
-          <a:blip r:embed="rId17">
+          <a:blip r:embed="rId16">
             <a:extLst>
               <a:ext uri="{28A0092B-C50C-407E-A947-70E740481C1C}">
                 <a14:useLocalDpi xmlns:a14="http://schemas.microsoft.com/office/drawing/2010/main" val="0"/>
@@ -4818,7 +5045,7 @@
         </p:blipFill>
         <p:spPr>
           <a:xfrm>
-            <a:off x="7871377" y="799548"/>
+            <a:off x="9899680" y="288085"/>
             <a:ext cx="1326629" cy="1326629"/>
           </a:xfrm>
           <a:prstGeom prst="rect">
@@ -4842,8 +5069,8 @@
         </p:nvCxnSpPr>
         <p:spPr>
           <a:xfrm flipH="1">
-            <a:off x="8162319" y="2169303"/>
-            <a:ext cx="2600" cy="597764"/>
+            <a:off x="10652654" y="2055819"/>
+            <a:ext cx="232898" cy="636241"/>
           </a:xfrm>
           <a:prstGeom prst="straightConnector1">
             <a:avLst/>
@@ -4867,42 +5094,6 @@
           </a:fontRef>
         </p:style>
       </p:cxnSp>
-      <p:pic>
-        <p:nvPicPr>
-          <p:cNvPr id="5" name="Imagem 4">
-            <a:extLst>
-              <a:ext uri="{FF2B5EF4-FFF2-40B4-BE49-F238E27FC236}">
-                <a16:creationId xmlns:a16="http://schemas.microsoft.com/office/drawing/2014/main" id="{72F5B5DD-9D98-41AE-BE3D-3E005DAA1494}"/>
-              </a:ext>
-            </a:extLst>
-          </p:cNvPr>
-          <p:cNvPicPr>
-            <a:picLocks noChangeAspect="1"/>
-          </p:cNvPicPr>
-          <p:nvPr/>
-        </p:nvPicPr>
-        <p:blipFill>
-          <a:blip r:embed="rId18">
-            <a:extLst>
-              <a:ext uri="{28A0092B-C50C-407E-A947-70E740481C1C}">
-                <a14:useLocalDpi xmlns:a14="http://schemas.microsoft.com/office/drawing/2010/main" val="0"/>
-              </a:ext>
-            </a:extLst>
-          </a:blip>
-          <a:stretch>
-            <a:fillRect/>
-          </a:stretch>
-        </p:blipFill>
-        <p:spPr>
-          <a:xfrm>
-            <a:off x="3738758" y="480301"/>
-            <a:ext cx="867664" cy="867664"/>
-          </a:xfrm>
-          <a:prstGeom prst="rect">
-            <a:avLst/>
-          </a:prstGeom>
-        </p:spPr>
-      </p:pic>
       <p:grpSp>
         <p:nvGrpSpPr>
           <p:cNvPr id="25" name="Agrupar 24">
@@ -4917,10 +5108,10 @@
         </p:nvGrpSpPr>
         <p:grpSpPr>
           <a:xfrm>
-            <a:off x="-5932" y="3089286"/>
-            <a:ext cx="3095719" cy="1566884"/>
-            <a:chOff x="-5932" y="3089286"/>
-            <a:chExt cx="3095719" cy="1566884"/>
+            <a:off x="292368" y="2769895"/>
+            <a:ext cx="3990882" cy="1962869"/>
+            <a:chOff x="-33036" y="3089286"/>
+            <a:chExt cx="3614017" cy="1451362"/>
           </a:xfrm>
         </p:grpSpPr>
         <p:sp>
@@ -4937,8 +5128,8 @@
           </p:nvSpPr>
           <p:spPr>
             <a:xfrm>
-              <a:off x="-5932" y="4379171"/>
-              <a:ext cx="3095719" cy="276999"/>
+              <a:off x="-33036" y="4272397"/>
+              <a:ext cx="3614017" cy="268251"/>
             </a:xfrm>
             <a:prstGeom prst="rect">
               <a:avLst/>
@@ -4952,7 +5143,7 @@
             <a:lstStyle/>
             <a:p>
               <a:r>
-                <a:rPr lang="pt-BR" sz="1200" dirty="0"/>
+                <a:rPr lang="pt-BR" sz="1600" dirty="0"/>
                 <a:t>Aplicativos para modelagem e renderização 3D</a:t>
               </a:r>
             </a:p>
@@ -4973,9 +5164,9 @@
           <p:grpSpPr>
             <a:xfrm>
               <a:off x="349824" y="3089286"/>
-              <a:ext cx="2488685" cy="1196643"/>
+              <a:ext cx="2393170" cy="1196642"/>
               <a:chOff x="349824" y="3089286"/>
-              <a:chExt cx="2488685" cy="1196643"/>
+              <a:chExt cx="2393170" cy="1196642"/>
             </a:xfrm>
           </p:grpSpPr>
           <p:sp>
@@ -5046,7 +5237,7 @@
               <p:nvPr/>
             </p:nvPicPr>
             <p:blipFill>
-              <a:blip r:embed="rId19">
+              <a:blip r:embed="rId17">
                 <a:extLst>
                   <a:ext uri="{28A0092B-C50C-407E-A947-70E740481C1C}">
                     <a14:useLocalDpi xmlns:a14="http://schemas.microsoft.com/office/drawing/2010/main" val="0"/>
@@ -5082,7 +5273,7 @@
               <p:nvPr/>
             </p:nvPicPr>
             <p:blipFill>
-              <a:blip r:embed="rId20">
+              <a:blip r:embed="rId18">
                 <a:extLst>
                   <a:ext uri="{28A0092B-C50C-407E-A947-70E740481C1C}">
                     <a14:useLocalDpi xmlns:a14="http://schemas.microsoft.com/office/drawing/2010/main" val="0"/>
@@ -5118,7 +5309,7 @@
               <p:nvPr/>
             </p:nvPicPr>
             <p:blipFill>
-              <a:blip r:embed="rId21">
+              <a:blip r:embed="rId19">
                 <a:extLst>
                   <a:ext uri="{28A0092B-C50C-407E-A947-70E740481C1C}">
                     <a14:useLocalDpi xmlns:a14="http://schemas.microsoft.com/office/drawing/2010/main" val="0"/>
@@ -5154,7 +5345,7 @@
               <p:nvPr/>
             </p:nvPicPr>
             <p:blipFill>
-              <a:blip r:embed="rId22">
+              <a:blip r:embed="rId20">
                 <a:extLst>
                   <a:ext uri="{28A0092B-C50C-407E-A947-70E740481C1C}">
                     <a14:useLocalDpi xmlns:a14="http://schemas.microsoft.com/office/drawing/2010/main" val="0"/>
@@ -5190,7 +5381,7 @@
               <p:nvPr/>
             </p:nvPicPr>
             <p:blipFill>
-              <a:blip r:embed="rId23">
+              <a:blip r:embed="rId21">
                 <a:extLst>
                   <a:ext uri="{28A0092B-C50C-407E-A947-70E740481C1C}">
                     <a14:useLocalDpi xmlns:a14="http://schemas.microsoft.com/office/drawing/2010/main" val="0"/>
@@ -5401,11 +5592,11 @@
               <p:nvPr/>
             </p:nvPicPr>
             <p:blipFill rotWithShape="1">
-              <a:blip r:embed="rId24">
+              <a:blip r:embed="rId22">
                 <a:extLst>
                   <a:ext uri="{BEBA8EAE-BF5A-486C-A8C5-ECC9F3942E4B}">
                     <a14:imgProps xmlns:a14="http://schemas.microsoft.com/office/drawing/2010/main">
-                      <a14:imgLayer r:embed="rId25">
+                      <a14:imgLayer r:embed="rId23">
                         <a14:imgEffect>
                           <a14:backgroundRemoval t="1667" b="89907" l="300" r="98000">
                             <a14:foregroundMark x1="47500" y1="11389" x2="31600" y2="13796"/>
@@ -5539,8 +5730,8 @@
             </p:blipFill>
             <p:spPr>
               <a:xfrm flipH="1">
-                <a:off x="2262927" y="3712321"/>
-                <a:ext cx="575582" cy="573608"/>
+                <a:off x="2262925" y="3882746"/>
+                <a:ext cx="480069" cy="403182"/>
               </a:xfrm>
               <a:prstGeom prst="rect">
                 <a:avLst/>
@@ -5563,7 +5754,7 @@
         </p:nvSpPr>
         <p:spPr>
           <a:xfrm>
-            <a:off x="582852" y="5076807"/>
+            <a:off x="653910" y="5214175"/>
             <a:ext cx="301686" cy="369332"/>
           </a:xfrm>
           <a:prstGeom prst="rect">
@@ -5633,7 +5824,7 @@
         </p:nvSpPr>
         <p:spPr>
           <a:xfrm>
-            <a:off x="521673" y="137246"/>
+            <a:off x="292368" y="346110"/>
             <a:ext cx="301686" cy="369332"/>
           </a:xfrm>
           <a:prstGeom prst="rect">
@@ -5668,7 +5859,7 @@
         </p:nvSpPr>
         <p:spPr>
           <a:xfrm>
-            <a:off x="3463540" y="-9320"/>
+            <a:off x="3292735" y="407109"/>
             <a:ext cx="476412" cy="369332"/>
           </a:xfrm>
           <a:prstGeom prst="rect">
@@ -5703,7 +5894,7 @@
         </p:nvSpPr>
         <p:spPr>
           <a:xfrm>
-            <a:off x="6557558" y="321912"/>
+            <a:off x="6665976" y="147680"/>
             <a:ext cx="476412" cy="369332"/>
           </a:xfrm>
           <a:prstGeom prst="rect">
@@ -5738,7 +5929,7 @@
         </p:nvSpPr>
         <p:spPr>
           <a:xfrm>
-            <a:off x="8948762" y="2668298"/>
+            <a:off x="10818219" y="2460061"/>
             <a:ext cx="301686" cy="369332"/>
           </a:xfrm>
           <a:prstGeom prst="rect">
@@ -5773,7 +5964,7 @@
         </p:nvSpPr>
         <p:spPr>
           <a:xfrm>
-            <a:off x="7420043" y="5062038"/>
+            <a:off x="9675323" y="4397910"/>
             <a:ext cx="301686" cy="369332"/>
           </a:xfrm>
           <a:prstGeom prst="rect">
@@ -5808,7 +5999,7 @@
         </p:nvSpPr>
         <p:spPr>
           <a:xfrm>
-            <a:off x="9172716" y="783264"/>
+            <a:off x="9323808" y="535224"/>
             <a:ext cx="476412" cy="369332"/>
           </a:xfrm>
           <a:prstGeom prst="rect">
@@ -5829,12 +6020,105 @@
           </a:p>
         </p:txBody>
       </p:sp>
-      <p:sp>
-        <p:nvSpPr>
-          <p:cNvPr id="70" name="CaixaDeTexto 69">
-            <a:extLst>
-              <a:ext uri="{FF2B5EF4-FFF2-40B4-BE49-F238E27FC236}">
-                <a16:creationId xmlns:a16="http://schemas.microsoft.com/office/drawing/2014/main" id="{B6B3BAE8-5F64-415C-822E-0652DF31CFE6}"/>
+      <p:grpSp>
+        <p:nvGrpSpPr>
+          <p:cNvPr id="4" name="Agrupar 3">
+            <a:extLst>
+              <a:ext uri="{FF2B5EF4-FFF2-40B4-BE49-F238E27FC236}">
+                <a16:creationId xmlns:a16="http://schemas.microsoft.com/office/drawing/2014/main" id="{32B240D6-03E8-42A3-921C-96CC7EF5C1E7}"/>
+              </a:ext>
+            </a:extLst>
+          </p:cNvPr>
+          <p:cNvGrpSpPr/>
+          <p:nvPr/>
+        </p:nvGrpSpPr>
+        <p:grpSpPr>
+          <a:xfrm>
+            <a:off x="9827757" y="2888092"/>
+            <a:ext cx="1247709" cy="1235153"/>
+            <a:chOff x="9931539" y="2876525"/>
+            <a:chExt cx="1247709" cy="1235153"/>
+          </a:xfrm>
+        </p:grpSpPr>
+        <p:sp>
+          <p:nvSpPr>
+            <p:cNvPr id="70" name="CaixaDeTexto 69">
+              <a:extLst>
+                <a:ext uri="{FF2B5EF4-FFF2-40B4-BE49-F238E27FC236}">
+                  <a16:creationId xmlns:a16="http://schemas.microsoft.com/office/drawing/2014/main" id="{B6B3BAE8-5F64-415C-822E-0652DF31CFE6}"/>
+                </a:ext>
+              </a:extLst>
+            </p:cNvPr>
+            <p:cNvSpPr txBox="1"/>
+            <p:nvPr/>
+          </p:nvSpPr>
+          <p:spPr>
+            <a:xfrm>
+              <a:off x="9931539" y="3773124"/>
+              <a:ext cx="1247709" cy="338554"/>
+            </a:xfrm>
+            <a:prstGeom prst="rect">
+              <a:avLst/>
+            </a:prstGeom>
+            <a:noFill/>
+          </p:spPr>
+          <p:txBody>
+            <a:bodyPr wrap="square" rtlCol="0">
+              <a:spAutoFit/>
+            </a:bodyPr>
+            <a:lstStyle/>
+            <a:p>
+              <a:pPr algn="ctr"/>
+              <a:r>
+                <a:rPr lang="pt-BR" sz="1600" dirty="0"/>
+                <a:t>Provë 3D</a:t>
+              </a:r>
+            </a:p>
+          </p:txBody>
+        </p:sp>
+        <p:pic>
+          <p:nvPicPr>
+            <p:cNvPr id="9" name="Imagem 8">
+              <a:extLst>
+                <a:ext uri="{FF2B5EF4-FFF2-40B4-BE49-F238E27FC236}">
+                  <a16:creationId xmlns:a16="http://schemas.microsoft.com/office/drawing/2014/main" id="{967967BF-7755-4D4F-8BB7-7984AB3CF1EB}"/>
+                </a:ext>
+              </a:extLst>
+            </p:cNvPr>
+            <p:cNvPicPr>
+              <a:picLocks noChangeAspect="1"/>
+            </p:cNvPicPr>
+            <p:nvPr/>
+          </p:nvPicPr>
+          <p:blipFill>
+            <a:blip r:embed="rId24">
+              <a:extLst>
+                <a:ext uri="{28A0092B-C50C-407E-A947-70E740481C1C}">
+                  <a14:useLocalDpi xmlns:a14="http://schemas.microsoft.com/office/drawing/2010/main" val="0"/>
+                </a:ext>
+              </a:extLst>
+            </a:blip>
+            <a:stretch>
+              <a:fillRect/>
+            </a:stretch>
+          </p:blipFill>
+          <p:spPr>
+            <a:xfrm>
+              <a:off x="10080791" y="2876525"/>
+              <a:ext cx="908543" cy="848920"/>
+            </a:xfrm>
+            <a:prstGeom prst="rect">
+              <a:avLst/>
+            </a:prstGeom>
+          </p:spPr>
+        </p:pic>
+      </p:grpSp>
+      <p:sp>
+        <p:nvSpPr>
+          <p:cNvPr id="67" name="CaixaDeTexto 66">
+            <a:extLst>
+              <a:ext uri="{FF2B5EF4-FFF2-40B4-BE49-F238E27FC236}">
+                <a16:creationId xmlns:a16="http://schemas.microsoft.com/office/drawing/2014/main" id="{64D6B83F-8FB2-4570-8960-03D75C950C7C}"/>
               </a:ext>
             </a:extLst>
           </p:cNvPr>
@@ -5843,8 +6127,8 @@
         </p:nvSpPr>
         <p:spPr>
           <a:xfrm>
-            <a:off x="7832555" y="3834000"/>
-            <a:ext cx="1247709" cy="276999"/>
+            <a:off x="9899680" y="1662246"/>
+            <a:ext cx="1247709" cy="338554"/>
           </a:xfrm>
           <a:prstGeom prst="rect">
             <a:avLst/>
@@ -5859,90 +6143,154 @@
           <a:p>
             <a:pPr algn="ctr"/>
             <a:r>
-              <a:rPr lang="pt-BR" sz="1200" dirty="0"/>
-              <a:t>Provë 3D</a:t>
-            </a:r>
-          </a:p>
-        </p:txBody>
-      </p:sp>
-      <p:pic>
-        <p:nvPicPr>
-          <p:cNvPr id="9" name="Imagem 8">
-            <a:extLst>
-              <a:ext uri="{FF2B5EF4-FFF2-40B4-BE49-F238E27FC236}">
-                <a16:creationId xmlns:a16="http://schemas.microsoft.com/office/drawing/2014/main" id="{967967BF-7755-4D4F-8BB7-7984AB3CF1EB}"/>
-              </a:ext>
-            </a:extLst>
-          </p:cNvPr>
-          <p:cNvPicPr>
-            <a:picLocks noChangeAspect="1"/>
-          </p:cNvPicPr>
-          <p:nvPr/>
-        </p:nvPicPr>
-        <p:blipFill>
-          <a:blip r:embed="rId26">
-            <a:extLst>
-              <a:ext uri="{28A0092B-C50C-407E-A947-70E740481C1C}">
-                <a14:useLocalDpi xmlns:a14="http://schemas.microsoft.com/office/drawing/2010/main" val="0"/>
-              </a:ext>
-            </a:extLst>
-          </a:blip>
-          <a:stretch>
-            <a:fillRect/>
-          </a:stretch>
-        </p:blipFill>
-        <p:spPr>
-          <a:xfrm>
-            <a:off x="8080419" y="2948190"/>
-            <a:ext cx="908543" cy="848920"/>
-          </a:xfrm>
-          <a:prstGeom prst="rect">
-            <a:avLst/>
-          </a:prstGeom>
-        </p:spPr>
-      </p:pic>
-      <p:sp>
-        <p:nvSpPr>
-          <p:cNvPr id="67" name="CaixaDeTexto 66">
-            <a:extLst>
-              <a:ext uri="{FF2B5EF4-FFF2-40B4-BE49-F238E27FC236}">
-                <a16:creationId xmlns:a16="http://schemas.microsoft.com/office/drawing/2014/main" id="{64D6B83F-8FB2-4570-8960-03D75C950C7C}"/>
-              </a:ext>
-            </a:extLst>
-          </p:cNvPr>
-          <p:cNvSpPr txBox="1"/>
-          <p:nvPr/>
-        </p:nvSpPr>
-        <p:spPr>
-          <a:xfrm>
-            <a:off x="8092566" y="2239877"/>
-            <a:ext cx="1247709" cy="276999"/>
-          </a:xfrm>
-          <a:prstGeom prst="rect">
-            <a:avLst/>
-          </a:prstGeom>
-          <a:noFill/>
-        </p:spPr>
-        <p:txBody>
-          <a:bodyPr wrap="square" rtlCol="0">
-            <a:spAutoFit/>
-          </a:bodyPr>
-          <a:lstStyle/>
-          <a:p>
-            <a:pPr algn="ctr"/>
-            <a:r>
-              <a:rPr lang="pt-BR" sz="1200" dirty="0"/>
+              <a:rPr lang="pt-BR" sz="1600" dirty="0"/>
               <a:t>Usuário </a:t>
             </a:r>
           </a:p>
         </p:txBody>
       </p:sp>
+      <p:grpSp>
+        <p:nvGrpSpPr>
+          <p:cNvPr id="21" name="Agrupar 20">
+            <a:extLst>
+              <a:ext uri="{FF2B5EF4-FFF2-40B4-BE49-F238E27FC236}">
+                <a16:creationId xmlns:a16="http://schemas.microsoft.com/office/drawing/2014/main" id="{086C0EBE-BA19-4757-B4DB-C1E3838AAAAE}"/>
+              </a:ext>
+            </a:extLst>
+          </p:cNvPr>
+          <p:cNvGrpSpPr/>
+          <p:nvPr/>
+        </p:nvGrpSpPr>
+        <p:grpSpPr>
+          <a:xfrm>
+            <a:off x="3650738" y="207260"/>
+            <a:ext cx="2793017" cy="1394592"/>
+            <a:chOff x="3826602" y="153934"/>
+            <a:chExt cx="2793017" cy="1394592"/>
+          </a:xfrm>
+        </p:grpSpPr>
+        <p:grpSp>
+          <p:nvGrpSpPr>
+            <p:cNvPr id="75" name="Agrupar 74">
+              <a:extLst>
+                <a:ext uri="{FF2B5EF4-FFF2-40B4-BE49-F238E27FC236}">
+                  <a16:creationId xmlns:a16="http://schemas.microsoft.com/office/drawing/2014/main" id="{D93A69DB-7C7A-4203-AD2C-43B639786B7D}"/>
+                </a:ext>
+              </a:extLst>
+            </p:cNvPr>
+            <p:cNvGrpSpPr/>
+            <p:nvPr/>
+          </p:nvGrpSpPr>
+          <p:grpSpPr>
+            <a:xfrm>
+              <a:off x="3826602" y="153934"/>
+              <a:ext cx="2793017" cy="1084819"/>
+              <a:chOff x="5410968" y="3428999"/>
+              <a:chExt cx="4644602" cy="1590675"/>
+            </a:xfrm>
+          </p:grpSpPr>
+          <p:pic>
+            <p:nvPicPr>
+              <p:cNvPr id="76" name="Imagem 75">
+                <a:extLst>
+                  <a:ext uri="{FF2B5EF4-FFF2-40B4-BE49-F238E27FC236}">
+                    <a16:creationId xmlns:a16="http://schemas.microsoft.com/office/drawing/2014/main" id="{95E1C662-D3EE-44D3-92BC-B94874F27234}"/>
+                  </a:ext>
+                </a:extLst>
+              </p:cNvPr>
+              <p:cNvPicPr>
+                <a:picLocks noChangeAspect="1"/>
+              </p:cNvPicPr>
+              <p:nvPr/>
+            </p:nvPicPr>
+            <p:blipFill rotWithShape="1">
+              <a:blip r:embed="rId25"/>
+              <a:srcRect l="70817"/>
+              <a:stretch/>
+            </p:blipFill>
+            <p:spPr>
+              <a:xfrm>
+                <a:off x="7862420" y="3428999"/>
+                <a:ext cx="2193150" cy="1590675"/>
+              </a:xfrm>
+              <a:prstGeom prst="rect">
+                <a:avLst/>
+              </a:prstGeom>
+            </p:spPr>
+          </p:pic>
+          <p:pic>
+            <p:nvPicPr>
+              <p:cNvPr id="77" name="Imagem 76">
+                <a:extLst>
+                  <a:ext uri="{FF2B5EF4-FFF2-40B4-BE49-F238E27FC236}">
+                    <a16:creationId xmlns:a16="http://schemas.microsoft.com/office/drawing/2014/main" id="{E81254E0-89B5-4417-9EE1-471AFAA82077}"/>
+                  </a:ext>
+                </a:extLst>
+              </p:cNvPr>
+              <p:cNvPicPr>
+                <a:picLocks noChangeAspect="1"/>
+              </p:cNvPicPr>
+              <p:nvPr/>
+            </p:nvPicPr>
+            <p:blipFill rotWithShape="1">
+              <a:blip r:embed="rId25"/>
+              <a:srcRect l="-1" r="66954"/>
+              <a:stretch/>
+            </p:blipFill>
+            <p:spPr>
+              <a:xfrm>
+                <a:off x="5410968" y="3428999"/>
+                <a:ext cx="2483541" cy="1590675"/>
+              </a:xfrm>
+              <a:prstGeom prst="rect">
+                <a:avLst/>
+              </a:prstGeom>
+            </p:spPr>
+          </p:pic>
+        </p:grpSp>
+        <p:sp>
+          <p:nvSpPr>
+            <p:cNvPr id="73" name="CaixaDeTexto 72">
+              <a:extLst>
+                <a:ext uri="{FF2B5EF4-FFF2-40B4-BE49-F238E27FC236}">
+                  <a16:creationId xmlns:a16="http://schemas.microsoft.com/office/drawing/2014/main" id="{E2EE0E09-AE97-42B1-9AD6-929C6C0B313E}"/>
+                </a:ext>
+              </a:extLst>
+            </p:cNvPr>
+            <p:cNvSpPr txBox="1"/>
+            <p:nvPr/>
+          </p:nvSpPr>
+          <p:spPr>
+            <a:xfrm>
+              <a:off x="4244892" y="963751"/>
+              <a:ext cx="1944798" cy="584775"/>
+            </a:xfrm>
+            <a:prstGeom prst="rect">
+              <a:avLst/>
+            </a:prstGeom>
+            <a:noFill/>
+          </p:spPr>
+          <p:txBody>
+            <a:bodyPr wrap="square" rtlCol="0">
+              <a:spAutoFit/>
+            </a:bodyPr>
+            <a:lstStyle/>
+            <a:p>
+              <a:pPr algn="ctr"/>
+              <a:r>
+                <a:rPr lang="pt-BR" sz="1600" dirty="0"/>
+                <a:t>App de comunicação Interna   </a:t>
+              </a:r>
+            </a:p>
+          </p:txBody>
+        </p:sp>
+      </p:grpSp>
       <p:cxnSp>
         <p:nvCxnSpPr>
-          <p:cNvPr id="71" name="Conector de Seta Reta 70">
-            <a:extLst>
-              <a:ext uri="{FF2B5EF4-FFF2-40B4-BE49-F238E27FC236}">
-                <a16:creationId xmlns:a16="http://schemas.microsoft.com/office/drawing/2014/main" id="{8DA4A511-D198-42F2-80A2-616DF7E2B22C}"/>
+          <p:cNvPr id="78" name="Conector de Seta Reta 77">
+            <a:extLst>
+              <a:ext uri="{FF2B5EF4-FFF2-40B4-BE49-F238E27FC236}">
+                <a16:creationId xmlns:a16="http://schemas.microsoft.com/office/drawing/2014/main" id="{B64F624D-3793-4AD9-83EA-C5C930273DBC}"/>
               </a:ext>
             </a:extLst>
           </p:cNvPr>
@@ -5952,9 +6300,9 @@
           <p:nvPr/>
         </p:nvCxnSpPr>
         <p:spPr>
-          <a:xfrm flipH="1">
-            <a:off x="8421183" y="4132572"/>
-            <a:ext cx="2600" cy="597764"/>
+          <a:xfrm>
+            <a:off x="9260547" y="877186"/>
+            <a:ext cx="539673" cy="54741"/>
           </a:xfrm>
           <a:prstGeom prst="straightConnector1">
             <a:avLst/>
@@ -5980,10 +6328,56 @@
       </p:cxnSp>
       <p:sp>
         <p:nvSpPr>
-          <p:cNvPr id="73" name="CaixaDeTexto 72">
-            <a:extLst>
-              <a:ext uri="{FF2B5EF4-FFF2-40B4-BE49-F238E27FC236}">
-                <a16:creationId xmlns:a16="http://schemas.microsoft.com/office/drawing/2014/main" id="{E2EE0E09-AE97-42B1-9AD6-929C6C0B313E}"/>
+          <p:cNvPr id="79" name="Seta: da Esquerda para a Direita 78">
+            <a:extLst>
+              <a:ext uri="{FF2B5EF4-FFF2-40B4-BE49-F238E27FC236}">
+                <a16:creationId xmlns:a16="http://schemas.microsoft.com/office/drawing/2014/main" id="{9BE44802-B2D2-46DF-AD32-C35BCB75FC09}"/>
+              </a:ext>
+            </a:extLst>
+          </p:cNvPr>
+          <p:cNvSpPr/>
+          <p:nvPr/>
+        </p:nvSpPr>
+        <p:spPr>
+          <a:xfrm rot="1886036">
+            <a:off x="7227056" y="3642647"/>
+            <a:ext cx="1246894" cy="45719"/>
+          </a:xfrm>
+          <a:prstGeom prst="leftRightArrow">
+            <a:avLst/>
+          </a:prstGeom>
+        </p:spPr>
+        <p:style>
+          <a:lnRef idx="2">
+            <a:schemeClr val="dk1">
+              <a:shade val="50000"/>
+            </a:schemeClr>
+          </a:lnRef>
+          <a:fillRef idx="1">
+            <a:schemeClr val="dk1"/>
+          </a:fillRef>
+          <a:effectRef idx="0">
+            <a:schemeClr val="dk1"/>
+          </a:effectRef>
+          <a:fontRef idx="minor">
+            <a:schemeClr val="lt1"/>
+          </a:fontRef>
+        </p:style>
+        <p:txBody>
+          <a:bodyPr rtlCol="0" anchor="ctr"/>
+          <a:lstStyle/>
+          <a:p>
+            <a:pPr algn="ctr"/>
+            <a:endParaRPr lang="pt-BR"/>
+          </a:p>
+        </p:txBody>
+      </p:sp>
+      <p:sp>
+        <p:nvSpPr>
+          <p:cNvPr id="81" name="CaixaDeTexto 80">
+            <a:extLst>
+              <a:ext uri="{FF2B5EF4-FFF2-40B4-BE49-F238E27FC236}">
+                <a16:creationId xmlns:a16="http://schemas.microsoft.com/office/drawing/2014/main" id="{490EA8D8-6F33-4B2F-ABA2-B102B30DFD58}"/>
               </a:ext>
             </a:extLst>
           </p:cNvPr>
@@ -5992,8 +6386,8 @@
         </p:nvSpPr>
         <p:spPr>
           <a:xfrm>
-            <a:off x="3370929" y="1434302"/>
-            <a:ext cx="1944798" cy="253916"/>
+            <a:off x="6690160" y="2477040"/>
+            <a:ext cx="715232" cy="369332"/>
           </a:xfrm>
           <a:prstGeom prst="rect">
             <a:avLst/>
@@ -6007,12 +6401,318 @@
           <a:lstStyle/>
           <a:p>
             <a:r>
-              <a:rPr lang="pt-BR" sz="1050" dirty="0"/>
-              <a:t>App de comunicação Interna   </a:t>
+              <a:rPr lang="pt-BR" b="1" dirty="0"/>
+              <a:t>4G</a:t>
             </a:r>
           </a:p>
         </p:txBody>
       </p:sp>
+      <p:grpSp>
+        <p:nvGrpSpPr>
+          <p:cNvPr id="84" name="Agrupar 83">
+            <a:extLst>
+              <a:ext uri="{FF2B5EF4-FFF2-40B4-BE49-F238E27FC236}">
+                <a16:creationId xmlns:a16="http://schemas.microsoft.com/office/drawing/2014/main" id="{5B0C584D-36B9-471A-9DA7-9F4C21B6F455}"/>
+              </a:ext>
+            </a:extLst>
+          </p:cNvPr>
+          <p:cNvGrpSpPr/>
+          <p:nvPr/>
+        </p:nvGrpSpPr>
+        <p:grpSpPr>
+          <a:xfrm>
+            <a:off x="8058140" y="4404023"/>
+            <a:ext cx="3947725" cy="2233759"/>
+            <a:chOff x="6179773" y="1620254"/>
+            <a:chExt cx="4044389" cy="2160114"/>
+          </a:xfrm>
+        </p:grpSpPr>
+        <p:pic>
+          <p:nvPicPr>
+            <p:cNvPr id="85" name="Imagem 84">
+              <a:extLst>
+                <a:ext uri="{FF2B5EF4-FFF2-40B4-BE49-F238E27FC236}">
+                  <a16:creationId xmlns:a16="http://schemas.microsoft.com/office/drawing/2014/main" id="{E9187B34-84CF-44D1-911E-A3BEE6C2BECE}"/>
+                </a:ext>
+              </a:extLst>
+            </p:cNvPr>
+            <p:cNvPicPr>
+              <a:picLocks noChangeAspect="1"/>
+            </p:cNvPicPr>
+            <p:nvPr/>
+          </p:nvPicPr>
+          <p:blipFill rotWithShape="1">
+            <a:blip r:embed="rId26"/>
+            <a:srcRect l="39667" t="53346" r="-216" b="-3346"/>
+            <a:stretch/>
+          </p:blipFill>
+          <p:spPr>
+            <a:xfrm>
+              <a:off x="6179773" y="2209981"/>
+              <a:ext cx="2052015" cy="941856"/>
+            </a:xfrm>
+            <a:prstGeom prst="rect">
+              <a:avLst/>
+            </a:prstGeom>
+            <a:ln w="3175">
+              <a:solidFill>
+                <a:schemeClr val="bg1">
+                  <a:lumMod val="85000"/>
+                </a:schemeClr>
+              </a:solidFill>
+              <a:prstDash val="sysDot"/>
+            </a:ln>
+          </p:spPr>
+        </p:pic>
+        <p:grpSp>
+          <p:nvGrpSpPr>
+            <p:cNvPr id="87" name="Agrupar 86">
+              <a:extLst>
+                <a:ext uri="{FF2B5EF4-FFF2-40B4-BE49-F238E27FC236}">
+                  <a16:creationId xmlns:a16="http://schemas.microsoft.com/office/drawing/2014/main" id="{681402AF-0B90-4907-B45B-CB80EE2FD488}"/>
+                </a:ext>
+              </a:extLst>
+            </p:cNvPr>
+            <p:cNvGrpSpPr/>
+            <p:nvPr/>
+          </p:nvGrpSpPr>
+          <p:grpSpPr>
+            <a:xfrm>
+              <a:off x="6497056" y="1620254"/>
+              <a:ext cx="3727106" cy="2160114"/>
+              <a:chOff x="6946191" y="3741164"/>
+              <a:chExt cx="4123346" cy="2389762"/>
+            </a:xfrm>
+          </p:grpSpPr>
+          <p:pic>
+            <p:nvPicPr>
+              <p:cNvPr id="88" name="Imagem 87">
+                <a:extLst>
+                  <a:ext uri="{FF2B5EF4-FFF2-40B4-BE49-F238E27FC236}">
+                    <a16:creationId xmlns:a16="http://schemas.microsoft.com/office/drawing/2014/main" id="{67475E31-03F6-4C29-B423-5E1605E3217F}"/>
+                  </a:ext>
+                </a:extLst>
+              </p:cNvPr>
+              <p:cNvPicPr>
+                <a:picLocks noChangeAspect="1"/>
+              </p:cNvPicPr>
+              <p:nvPr/>
+            </p:nvPicPr>
+            <p:blipFill>
+              <a:blip r:embed="rId27">
+                <a:extLst>
+                  <a:ext uri="{28A0092B-C50C-407E-A947-70E740481C1C}">
+                    <a14:useLocalDpi xmlns:a14="http://schemas.microsoft.com/office/drawing/2010/main" val="0"/>
+                  </a:ext>
+                </a:extLst>
+              </a:blip>
+              <a:stretch>
+                <a:fillRect/>
+              </a:stretch>
+            </p:blipFill>
+            <p:spPr>
+              <a:xfrm>
+                <a:off x="8880935" y="3741164"/>
+                <a:ext cx="2188602" cy="2188601"/>
+              </a:xfrm>
+              <a:prstGeom prst="rect">
+                <a:avLst/>
+              </a:prstGeom>
+            </p:spPr>
+          </p:pic>
+          <p:sp>
+            <p:nvSpPr>
+              <p:cNvPr id="89" name="CaixaDeTexto 88">
+                <a:extLst>
+                  <a:ext uri="{FF2B5EF4-FFF2-40B4-BE49-F238E27FC236}">
+                    <a16:creationId xmlns:a16="http://schemas.microsoft.com/office/drawing/2014/main" id="{75588CFD-7932-4654-A197-2DF42EAE4D52}"/>
+                  </a:ext>
+                </a:extLst>
+              </p:cNvPr>
+              <p:cNvSpPr txBox="1"/>
+              <p:nvPr/>
+            </p:nvSpPr>
+            <p:spPr>
+              <a:xfrm>
+                <a:off x="6946191" y="5505311"/>
+                <a:ext cx="3776797" cy="625615"/>
+              </a:xfrm>
+              <a:prstGeom prst="rect">
+                <a:avLst/>
+              </a:prstGeom>
+              <a:noFill/>
+            </p:spPr>
+            <p:txBody>
+              <a:bodyPr wrap="square" rtlCol="0">
+                <a:spAutoFit/>
+              </a:bodyPr>
+              <a:lstStyle/>
+              <a:p>
+                <a:r>
+                  <a:rPr lang="pt-BR" sz="1600" dirty="0"/>
+                  <a:t>Dashboard de monitoramento durante modelagem </a:t>
+                </a:r>
+              </a:p>
+            </p:txBody>
+          </p:sp>
+        </p:grpSp>
+      </p:grpSp>
+      <p:cxnSp>
+        <p:nvCxnSpPr>
+          <p:cNvPr id="71" name="Conector de Seta Reta 70">
+            <a:extLst>
+              <a:ext uri="{FF2B5EF4-FFF2-40B4-BE49-F238E27FC236}">
+                <a16:creationId xmlns:a16="http://schemas.microsoft.com/office/drawing/2014/main" id="{8DA4A511-D198-42F2-80A2-616DF7E2B22C}"/>
+              </a:ext>
+            </a:extLst>
+          </p:cNvPr>
+          <p:cNvCxnSpPr>
+            <a:cxnSpLocks/>
+          </p:cNvCxnSpPr>
+          <p:nvPr/>
+        </p:nvCxnSpPr>
+        <p:spPr>
+          <a:xfrm flipH="1">
+            <a:off x="10079939" y="4164867"/>
+            <a:ext cx="283959" cy="530382"/>
+          </a:xfrm>
+          <a:prstGeom prst="straightConnector1">
+            <a:avLst/>
+          </a:prstGeom>
+          <a:ln>
+            <a:tailEnd type="triangle"/>
+          </a:ln>
+        </p:spPr>
+        <p:style>
+          <a:lnRef idx="1">
+            <a:schemeClr val="dk1"/>
+          </a:lnRef>
+          <a:fillRef idx="0">
+            <a:schemeClr val="dk1"/>
+          </a:fillRef>
+          <a:effectRef idx="0">
+            <a:schemeClr val="dk1"/>
+          </a:effectRef>
+          <a:fontRef idx="minor">
+            <a:schemeClr val="tx1"/>
+          </a:fontRef>
+        </p:style>
+      </p:cxnSp>
+      <p:sp>
+        <p:nvSpPr>
+          <p:cNvPr id="90" name="CaixaDeTexto 89">
+            <a:extLst>
+              <a:ext uri="{FF2B5EF4-FFF2-40B4-BE49-F238E27FC236}">
+                <a16:creationId xmlns:a16="http://schemas.microsoft.com/office/drawing/2014/main" id="{D2CF2959-A139-491D-AA5F-9F2EED669CCA}"/>
+              </a:ext>
+            </a:extLst>
+          </p:cNvPr>
+          <p:cNvSpPr txBox="1"/>
+          <p:nvPr/>
+        </p:nvSpPr>
+        <p:spPr>
+          <a:xfrm>
+            <a:off x="4786793" y="6111167"/>
+            <a:ext cx="2519837" cy="584775"/>
+          </a:xfrm>
+          <a:prstGeom prst="rect">
+            <a:avLst/>
+          </a:prstGeom>
+          <a:noFill/>
+        </p:spPr>
+        <p:txBody>
+          <a:bodyPr wrap="square" rtlCol="0">
+            <a:spAutoFit/>
+          </a:bodyPr>
+          <a:lstStyle/>
+          <a:p>
+            <a:pPr algn="ctr"/>
+            <a:r>
+              <a:rPr lang="pt-BR" sz="1600" dirty="0"/>
+              <a:t>VNC /Acesso Remoto</a:t>
+            </a:r>
+          </a:p>
+          <a:p>
+            <a:pPr algn="ctr"/>
+            <a:r>
+              <a:rPr lang="pt-BR" sz="1600" dirty="0"/>
+              <a:t>Desktop/Notebook/Celular </a:t>
+            </a:r>
+          </a:p>
+        </p:txBody>
+      </p:sp>
+      <p:sp>
+        <p:nvSpPr>
+          <p:cNvPr id="93" name="CaixaDeTexto 92">
+            <a:extLst>
+              <a:ext uri="{FF2B5EF4-FFF2-40B4-BE49-F238E27FC236}">
+                <a16:creationId xmlns:a16="http://schemas.microsoft.com/office/drawing/2014/main" id="{BF3FC08F-5EF6-4D62-AB49-4FFD46E176AF}"/>
+              </a:ext>
+            </a:extLst>
+          </p:cNvPr>
+          <p:cNvSpPr txBox="1"/>
+          <p:nvPr/>
+        </p:nvSpPr>
+        <p:spPr>
+          <a:xfrm>
+            <a:off x="7241015" y="4947527"/>
+            <a:ext cx="476412" cy="369332"/>
+          </a:xfrm>
+          <a:prstGeom prst="rect">
+            <a:avLst/>
+          </a:prstGeom>
+          <a:noFill/>
+        </p:spPr>
+        <p:txBody>
+          <a:bodyPr wrap="none" rtlCol="0">
+            <a:spAutoFit/>
+          </a:bodyPr>
+          <a:lstStyle/>
+          <a:p>
+            <a:r>
+              <a:rPr lang="pt-BR" dirty="0"/>
+              <a:t>5.1</a:t>
+            </a:r>
+          </a:p>
+        </p:txBody>
+      </p:sp>
+      <p:pic>
+        <p:nvPicPr>
+          <p:cNvPr id="94" name="Imagem 93">
+            <a:extLst>
+              <a:ext uri="{FF2B5EF4-FFF2-40B4-BE49-F238E27FC236}">
+                <a16:creationId xmlns:a16="http://schemas.microsoft.com/office/drawing/2014/main" id="{9198FE3B-9672-40D5-BF62-0FEB28506C79}"/>
+              </a:ext>
+            </a:extLst>
+          </p:cNvPr>
+          <p:cNvPicPr>
+            <a:picLocks noChangeAspect="1"/>
+          </p:cNvPicPr>
+          <p:nvPr/>
+        </p:nvPicPr>
+        <p:blipFill>
+          <a:blip r:embed="rId28"/>
+          <a:stretch>
+            <a:fillRect/>
+          </a:stretch>
+        </p:blipFill>
+        <p:spPr>
+          <a:xfrm>
+            <a:off x="4786793" y="4787311"/>
+            <a:ext cx="2237367" cy="1323855"/>
+          </a:xfrm>
+          <a:prstGeom prst="rect">
+            <a:avLst/>
+          </a:prstGeom>
+          <a:ln w="3175">
+            <a:solidFill>
+              <a:schemeClr val="bg1">
+                <a:lumMod val="85000"/>
+              </a:schemeClr>
+            </a:solidFill>
+          </a:ln>
+        </p:spPr>
+      </p:pic>
     </p:spTree>
     <p:extLst>
       <p:ext uri="{BB962C8B-B14F-4D97-AF65-F5344CB8AC3E}">
@@ -6026,7 +6726,7 @@
 </p:sld>
 </file>
 
-<file path=ppt/slides/slide4.xml><?xml version="1.0" encoding="utf-8"?>
+<file path=ppt/slides/slide5.xml><?xml version="1.0" encoding="utf-8"?>
 <p:sld xmlns:a="http://schemas.openxmlformats.org/drawingml/2006/main" xmlns:r="http://schemas.openxmlformats.org/officeDocument/2006/relationships" xmlns:p="http://schemas.openxmlformats.org/presentationml/2006/main">
   <p:cSld>
     <p:spTree>
@@ -6043,56 +6743,6 @@
           <a:chExt cx="0" cy="0"/>
         </a:xfrm>
       </p:grpSpPr>
-      <p:sp>
-        <p:nvSpPr>
-          <p:cNvPr id="21" name="Retângulo 20">
-            <a:extLst>
-              <a:ext uri="{FF2B5EF4-FFF2-40B4-BE49-F238E27FC236}">
-                <a16:creationId xmlns:a16="http://schemas.microsoft.com/office/drawing/2014/main" id="{C2E25102-26E4-4AE3-8904-5583E043E338}"/>
-              </a:ext>
-            </a:extLst>
-          </p:cNvPr>
-          <p:cNvSpPr/>
-          <p:nvPr/>
-        </p:nvSpPr>
-        <p:spPr>
-          <a:xfrm>
-            <a:off x="321427" y="105114"/>
-            <a:ext cx="2983618" cy="1479611"/>
-          </a:xfrm>
-          <a:prstGeom prst="rect">
-            <a:avLst/>
-          </a:prstGeom>
-          <a:ln>
-            <a:solidFill>
-              <a:schemeClr val="tx1"/>
-            </a:solidFill>
-            <a:prstDash val="sysDash"/>
-          </a:ln>
-        </p:spPr>
-        <p:style>
-          <a:lnRef idx="2">
-            <a:schemeClr val="accent6"/>
-          </a:lnRef>
-          <a:fillRef idx="1">
-            <a:schemeClr val="lt1"/>
-          </a:fillRef>
-          <a:effectRef idx="0">
-            <a:schemeClr val="accent6"/>
-          </a:effectRef>
-          <a:fontRef idx="minor">
-            <a:schemeClr val="dk1"/>
-          </a:fontRef>
-        </p:style>
-        <p:txBody>
-          <a:bodyPr rtlCol="0" anchor="ctr"/>
-          <a:lstStyle/>
-          <a:p>
-            <a:pPr algn="ctr"/>
-            <a:endParaRPr lang="pt-BR"/>
-          </a:p>
-        </p:txBody>
-      </p:sp>
       <p:pic>
         <p:nvPicPr>
           <p:cNvPr id="36" name="Imagem 35">
@@ -6121,7 +6771,7 @@
         </p:blipFill>
         <p:spPr>
           <a:xfrm>
-            <a:off x="9403818" y="1004318"/>
+            <a:off x="9370657" y="734168"/>
             <a:ext cx="912422" cy="680360"/>
           </a:xfrm>
           <a:prstGeom prst="rect">
@@ -6143,8 +6793,8 @@
         </p:nvSpPr>
         <p:spPr>
           <a:xfrm>
-            <a:off x="10160079" y="1239130"/>
-            <a:ext cx="602986" cy="307777"/>
+            <a:off x="10163046" y="953005"/>
+            <a:ext cx="722314" cy="369332"/>
           </a:xfrm>
           <a:prstGeom prst="rect">
             <a:avLst/>
@@ -6158,47 +6808,12 @@
           <a:lstStyle/>
           <a:p>
             <a:r>
-              <a:rPr lang="pt-BR" sz="1400" dirty="0"/>
+              <a:rPr lang="pt-BR" dirty="0"/>
               <a:t>Azure</a:t>
             </a:r>
           </a:p>
         </p:txBody>
       </p:sp>
-      <p:pic>
-        <p:nvPicPr>
-          <p:cNvPr id="10" name="Imagem 9">
-            <a:extLst>
-              <a:ext uri="{FF2B5EF4-FFF2-40B4-BE49-F238E27FC236}">
-                <a16:creationId xmlns:a16="http://schemas.microsoft.com/office/drawing/2014/main" id="{D7815449-3C3F-46C2-B60D-8FC9FFFB3A6C}"/>
-              </a:ext>
-            </a:extLst>
-          </p:cNvPr>
-          <p:cNvPicPr>
-            <a:picLocks noChangeAspect="1"/>
-          </p:cNvPicPr>
-          <p:nvPr/>
-        </p:nvPicPr>
-        <p:blipFill rotWithShape="1">
-          <a:blip r:embed="rId3">
-            <a:extLst>
-              <a:ext uri="{28A0092B-C50C-407E-A947-70E740481C1C}">
-                <a14:useLocalDpi xmlns:a14="http://schemas.microsoft.com/office/drawing/2010/main" val="0"/>
-              </a:ext>
-            </a:extLst>
-          </a:blip>
-          <a:srcRect r="72241"/>
-          <a:stretch/>
-        </p:blipFill>
-        <p:spPr>
-          <a:xfrm>
-            <a:off x="938446" y="239753"/>
-            <a:ext cx="1785930" cy="530087"/>
-          </a:xfrm>
-          <a:prstGeom prst="rect">
-            <a:avLst/>
-          </a:prstGeom>
-        </p:spPr>
-      </p:pic>
       <p:sp>
         <p:nvSpPr>
           <p:cNvPr id="11" name="Seta: Dobrada para Cima 10">
@@ -6213,7 +6828,7 @@
         </p:nvSpPr>
         <p:spPr>
           <a:xfrm flipH="1">
-            <a:off x="2471447" y="6174538"/>
+            <a:off x="3804015" y="6119811"/>
             <a:ext cx="611388" cy="528464"/>
           </a:xfrm>
           <a:prstGeom prst="bentUpArrow">
@@ -6245,160 +6860,329 @@
           </a:p>
         </p:txBody>
       </p:sp>
-      <p:sp>
-        <p:nvSpPr>
-          <p:cNvPr id="15" name="CaixaDeTexto 14">
-            <a:extLst>
-              <a:ext uri="{FF2B5EF4-FFF2-40B4-BE49-F238E27FC236}">
-                <a16:creationId xmlns:a16="http://schemas.microsoft.com/office/drawing/2014/main" id="{3B9A885B-89E7-4ECB-AB2E-5D3C0CA3CE1A}"/>
-              </a:ext>
-            </a:extLst>
-          </p:cNvPr>
-          <p:cNvSpPr txBox="1"/>
+      <p:grpSp>
+        <p:nvGrpSpPr>
+          <p:cNvPr id="13" name="Agrupar 12">
+            <a:extLst>
+              <a:ext uri="{FF2B5EF4-FFF2-40B4-BE49-F238E27FC236}">
+                <a16:creationId xmlns:a16="http://schemas.microsoft.com/office/drawing/2014/main" id="{0E5BEED4-11E2-4C38-92A8-291FFF74B468}"/>
+              </a:ext>
+            </a:extLst>
+          </p:cNvPr>
+          <p:cNvGrpSpPr/>
           <p:nvPr/>
-        </p:nvSpPr>
-        <p:spPr>
+        </p:nvGrpSpPr>
+        <p:grpSpPr>
           <a:xfrm>
-            <a:off x="1479680" y="1603280"/>
-            <a:ext cx="1571071" cy="369332"/>
+            <a:off x="507452" y="135180"/>
+            <a:ext cx="2804999" cy="1236661"/>
+            <a:chOff x="316861" y="182496"/>
+            <a:chExt cx="2804999" cy="1236661"/>
           </a:xfrm>
-          <a:prstGeom prst="rect">
-            <a:avLst/>
-          </a:prstGeom>
-          <a:noFill/>
-        </p:spPr>
-        <p:txBody>
-          <a:bodyPr wrap="square" rtlCol="0">
-            <a:spAutoFit/>
-          </a:bodyPr>
-          <a:lstStyle/>
-          <a:p>
-            <a:r>
-              <a:rPr lang="pt-BR" dirty="0"/>
-              <a:t>APIs</a:t>
-            </a:r>
-          </a:p>
-        </p:txBody>
-      </p:sp>
-      <p:sp>
-        <p:nvSpPr>
-          <p:cNvPr id="16" name="Retângulo 15">
-            <a:extLst>
-              <a:ext uri="{FF2B5EF4-FFF2-40B4-BE49-F238E27FC236}">
-                <a16:creationId xmlns:a16="http://schemas.microsoft.com/office/drawing/2014/main" id="{8964F675-23B2-4926-9D44-A37B77338DE5}"/>
-              </a:ext>
-            </a:extLst>
-          </p:cNvPr>
-          <p:cNvSpPr/>
+        </p:grpSpPr>
+        <p:grpSp>
+          <p:nvGrpSpPr>
+            <p:cNvPr id="3" name="Agrupar 2">
+              <a:extLst>
+                <a:ext uri="{FF2B5EF4-FFF2-40B4-BE49-F238E27FC236}">
+                  <a16:creationId xmlns:a16="http://schemas.microsoft.com/office/drawing/2014/main" id="{A0FDE220-B58C-4E64-AF4A-B23E546615C6}"/>
+                </a:ext>
+              </a:extLst>
+            </p:cNvPr>
+            <p:cNvGrpSpPr/>
+            <p:nvPr/>
+          </p:nvGrpSpPr>
+          <p:grpSpPr>
+            <a:xfrm>
+              <a:off x="316861" y="182496"/>
+              <a:ext cx="2765974" cy="1236661"/>
+              <a:chOff x="365000" y="177593"/>
+              <a:chExt cx="2765974" cy="1236661"/>
+            </a:xfrm>
+          </p:grpSpPr>
+          <p:sp>
+            <p:nvSpPr>
+              <p:cNvPr id="21" name="Retângulo 20">
+                <a:extLst>
+                  <a:ext uri="{FF2B5EF4-FFF2-40B4-BE49-F238E27FC236}">
+                    <a16:creationId xmlns:a16="http://schemas.microsoft.com/office/drawing/2014/main" id="{C2E25102-26E4-4AE3-8904-5583E043E338}"/>
+                  </a:ext>
+                </a:extLst>
+              </p:cNvPr>
+              <p:cNvSpPr/>
+              <p:nvPr/>
+            </p:nvSpPr>
+            <p:spPr>
+              <a:xfrm>
+                <a:off x="409679" y="177593"/>
+                <a:ext cx="2721295" cy="1236661"/>
+              </a:xfrm>
+              <a:prstGeom prst="rect">
+                <a:avLst/>
+              </a:prstGeom>
+              <a:ln>
+                <a:solidFill>
+                  <a:schemeClr val="tx1"/>
+                </a:solidFill>
+                <a:prstDash val="sysDash"/>
+              </a:ln>
+            </p:spPr>
+            <p:style>
+              <a:lnRef idx="2">
+                <a:schemeClr val="accent6"/>
+              </a:lnRef>
+              <a:fillRef idx="1">
+                <a:schemeClr val="lt1"/>
+              </a:fillRef>
+              <a:effectRef idx="0">
+                <a:schemeClr val="accent6"/>
+              </a:effectRef>
+              <a:fontRef idx="minor">
+                <a:schemeClr val="dk1"/>
+              </a:fontRef>
+            </p:style>
+            <p:txBody>
+              <a:bodyPr rtlCol="0" anchor="ctr"/>
+              <a:lstStyle/>
+              <a:p>
+                <a:pPr algn="ctr"/>
+                <a:endParaRPr lang="pt-BR"/>
+              </a:p>
+            </p:txBody>
+          </p:sp>
+          <p:grpSp>
+            <p:nvGrpSpPr>
+              <p:cNvPr id="2" name="Agrupar 1">
+                <a:extLst>
+                  <a:ext uri="{FF2B5EF4-FFF2-40B4-BE49-F238E27FC236}">
+                    <a16:creationId xmlns:a16="http://schemas.microsoft.com/office/drawing/2014/main" id="{EDFC984E-463F-4508-B751-4769A5FD6FF7}"/>
+                  </a:ext>
+                </a:extLst>
+              </p:cNvPr>
+              <p:cNvGrpSpPr/>
+              <p:nvPr/>
+            </p:nvGrpSpPr>
+            <p:grpSpPr>
+              <a:xfrm>
+                <a:off x="365000" y="253819"/>
+                <a:ext cx="1949781" cy="1125374"/>
+                <a:chOff x="365000" y="253819"/>
+                <a:chExt cx="1949781" cy="1125374"/>
+              </a:xfrm>
+            </p:grpSpPr>
+            <p:pic>
+              <p:nvPicPr>
+                <p:cNvPr id="10" name="Imagem 9">
+                  <a:extLst>
+                    <a:ext uri="{FF2B5EF4-FFF2-40B4-BE49-F238E27FC236}">
+                      <a16:creationId xmlns:a16="http://schemas.microsoft.com/office/drawing/2014/main" id="{D7815449-3C3F-46C2-B60D-8FC9FFFB3A6C}"/>
+                    </a:ext>
+                  </a:extLst>
+                </p:cNvPr>
+                <p:cNvPicPr>
+                  <a:picLocks noChangeAspect="1"/>
+                </p:cNvPicPr>
+                <p:nvPr/>
+              </p:nvPicPr>
+              <p:blipFill rotWithShape="1">
+                <a:blip r:embed="rId3">
+                  <a:extLst>
+                    <a:ext uri="{28A0092B-C50C-407E-A947-70E740481C1C}">
+                      <a14:useLocalDpi xmlns:a14="http://schemas.microsoft.com/office/drawing/2010/main" val="0"/>
+                    </a:ext>
+                  </a:extLst>
+                </a:blip>
+                <a:srcRect r="72241"/>
+                <a:stretch/>
+              </p:blipFill>
+              <p:spPr>
+                <a:xfrm>
+                  <a:off x="528851" y="253819"/>
+                  <a:ext cx="1785930" cy="530087"/>
+                </a:xfrm>
+                <a:prstGeom prst="rect">
+                  <a:avLst/>
+                </a:prstGeom>
+              </p:spPr>
+            </p:pic>
+            <p:sp>
+              <p:nvSpPr>
+                <p:cNvPr id="16" name="Retângulo 15">
+                  <a:extLst>
+                    <a:ext uri="{FF2B5EF4-FFF2-40B4-BE49-F238E27FC236}">
+                      <a16:creationId xmlns:a16="http://schemas.microsoft.com/office/drawing/2014/main" id="{8964F675-23B2-4926-9D44-A37B77338DE5}"/>
+                    </a:ext>
+                  </a:extLst>
+                </p:cNvPr>
+                <p:cNvSpPr/>
+                <p:nvPr/>
+              </p:nvSpPr>
+              <p:spPr>
+                <a:xfrm>
+                  <a:off x="365000" y="732862"/>
+                  <a:ext cx="1866453" cy="646331"/>
+                </a:xfrm>
+                <a:prstGeom prst="rect">
+                  <a:avLst/>
+                </a:prstGeom>
+                <a:noFill/>
+              </p:spPr>
+              <p:txBody>
+                <a:bodyPr wrap="square" lIns="91440" tIns="45720" rIns="91440" bIns="45720">
+                  <a:spAutoFit/>
+                </a:bodyPr>
+                <a:lstStyle/>
+                <a:p>
+                  <a:pPr algn="ctr"/>
+                  <a:r>
+                    <a:rPr lang="pt-BR" sz="3600" b="0" cap="none" spc="0" dirty="0">
+                      <a:ln w="0"/>
+                      <a:solidFill>
+                        <a:schemeClr val="accent1"/>
+                      </a:solidFill>
+                      <a:effectLst>
+                        <a:outerShdw blurRad="38100" dist="25400" dir="5400000" algn="ctr" rotWithShape="0">
+                          <a:srgbClr val="6E747A">
+                            <a:alpha val="43000"/>
+                          </a:srgbClr>
+                        </a:outerShdw>
+                      </a:effectLst>
+                    </a:rPr>
+                    <a:t>Jsensors</a:t>
+                  </a:r>
+                </a:p>
+              </p:txBody>
+            </p:sp>
+          </p:grpSp>
+        </p:grpSp>
+        <p:sp>
+          <p:nvSpPr>
+            <p:cNvPr id="15" name="CaixaDeTexto 14">
+              <a:extLst>
+                <a:ext uri="{FF2B5EF4-FFF2-40B4-BE49-F238E27FC236}">
+                  <a16:creationId xmlns:a16="http://schemas.microsoft.com/office/drawing/2014/main" id="{3B9A885B-89E7-4ECB-AB2E-5D3C0CA3CE1A}"/>
+                </a:ext>
+              </a:extLst>
+            </p:cNvPr>
+            <p:cNvSpPr txBox="1"/>
+            <p:nvPr/>
+          </p:nvSpPr>
+          <p:spPr>
+            <a:xfrm>
+              <a:off x="2316417" y="788809"/>
+              <a:ext cx="805443" cy="369332"/>
+            </a:xfrm>
+            <a:prstGeom prst="rect">
+              <a:avLst/>
+            </a:prstGeom>
+            <a:noFill/>
+          </p:spPr>
+          <p:txBody>
+            <a:bodyPr wrap="square" rtlCol="0">
+              <a:spAutoFit/>
+            </a:bodyPr>
+            <a:lstStyle/>
+            <a:p>
+              <a:r>
+                <a:rPr lang="pt-BR" dirty="0"/>
+                <a:t>API’S</a:t>
+              </a:r>
+            </a:p>
+          </p:txBody>
+        </p:sp>
+      </p:grpSp>
+      <p:grpSp>
+        <p:nvGrpSpPr>
+          <p:cNvPr id="12" name="Agrupar 11">
+            <a:extLst>
+              <a:ext uri="{FF2B5EF4-FFF2-40B4-BE49-F238E27FC236}">
+                <a16:creationId xmlns:a16="http://schemas.microsoft.com/office/drawing/2014/main" id="{BBB6ED80-E101-4110-8F78-370662DB1E8F}"/>
+              </a:ext>
+            </a:extLst>
+          </p:cNvPr>
+          <p:cNvGrpSpPr/>
           <p:nvPr/>
-        </p:nvSpPr>
-        <p:spPr>
+        </p:nvGrpSpPr>
+        <p:grpSpPr>
           <a:xfrm>
-            <a:off x="785300" y="814770"/>
-            <a:ext cx="1866453" cy="646331"/>
+            <a:off x="4673507" y="270605"/>
+            <a:ext cx="1287853" cy="1332675"/>
+            <a:chOff x="4722644" y="416352"/>
+            <a:chExt cx="1287853" cy="1332675"/>
           </a:xfrm>
-          <a:prstGeom prst="rect">
-            <a:avLst/>
-          </a:prstGeom>
-          <a:noFill/>
-        </p:spPr>
-        <p:txBody>
-          <a:bodyPr wrap="square" lIns="91440" tIns="45720" rIns="91440" bIns="45720">
-            <a:spAutoFit/>
-          </a:bodyPr>
-          <a:lstStyle/>
-          <a:p>
-            <a:pPr algn="ctr"/>
-            <a:r>
-              <a:rPr lang="pt-BR" sz="3600" b="0" cap="none" spc="0" dirty="0">
-                <a:ln w="0"/>
-                <a:solidFill>
-                  <a:schemeClr val="accent1"/>
-                </a:solidFill>
-                <a:effectLst>
-                  <a:outerShdw blurRad="38100" dist="25400" dir="5400000" algn="ctr" rotWithShape="0">
-                    <a:srgbClr val="6E747A">
-                      <a:alpha val="43000"/>
-                    </a:srgbClr>
-                  </a:outerShdw>
-                </a:effectLst>
-              </a:rPr>
-              <a:t>Jsensors</a:t>
-            </a:r>
-          </a:p>
-        </p:txBody>
-      </p:sp>
-      <p:pic>
-        <p:nvPicPr>
-          <p:cNvPr id="19" name="Imagem 18">
-            <a:extLst>
-              <a:ext uri="{FF2B5EF4-FFF2-40B4-BE49-F238E27FC236}">
-                <a16:creationId xmlns:a16="http://schemas.microsoft.com/office/drawing/2014/main" id="{52A23A18-CBFE-4553-B6B8-08BF7CFE9737}"/>
-              </a:ext>
-            </a:extLst>
-          </p:cNvPr>
-          <p:cNvPicPr>
-            <a:picLocks noChangeAspect="1"/>
-          </p:cNvPicPr>
-          <p:nvPr/>
-        </p:nvPicPr>
-        <p:blipFill>
-          <a:blip r:embed="rId4">
-            <a:extLst>
-              <a:ext uri="{28A0092B-C50C-407E-A947-70E740481C1C}">
-                <a14:useLocalDpi xmlns:a14="http://schemas.microsoft.com/office/drawing/2010/main" val="0"/>
-              </a:ext>
-            </a:extLst>
-          </a:blip>
-          <a:stretch>
-            <a:fillRect/>
-          </a:stretch>
-        </p:blipFill>
-        <p:spPr>
-          <a:xfrm>
-            <a:off x="4831768" y="416352"/>
-            <a:ext cx="961278" cy="961278"/>
-          </a:xfrm>
-          <a:prstGeom prst="rect">
-            <a:avLst/>
-          </a:prstGeom>
-        </p:spPr>
-      </p:pic>
-      <p:sp>
-        <p:nvSpPr>
-          <p:cNvPr id="20" name="CaixaDeTexto 19">
-            <a:extLst>
-              <a:ext uri="{FF2B5EF4-FFF2-40B4-BE49-F238E27FC236}">
-                <a16:creationId xmlns:a16="http://schemas.microsoft.com/office/drawing/2014/main" id="{47607C68-C869-4338-A8E1-95D51DF6DB12}"/>
-              </a:ext>
-            </a:extLst>
-          </p:cNvPr>
-          <p:cNvSpPr txBox="1"/>
-          <p:nvPr/>
-        </p:nvSpPr>
-        <p:spPr>
-          <a:xfrm>
-            <a:off x="4208166" y="1283578"/>
-            <a:ext cx="2072683" cy="338554"/>
-          </a:xfrm>
-          <a:prstGeom prst="rect">
-            <a:avLst/>
-          </a:prstGeom>
-          <a:noFill/>
-        </p:spPr>
-        <p:txBody>
-          <a:bodyPr wrap="none" rtlCol="0">
-            <a:spAutoFit/>
-          </a:bodyPr>
-          <a:lstStyle/>
-          <a:p>
-            <a:r>
-              <a:rPr lang="pt-BR" sz="1600" dirty="0"/>
-              <a:t>Spring Data JPA e JDBC</a:t>
-            </a:r>
-          </a:p>
-        </p:txBody>
-      </p:sp>
+        </p:grpSpPr>
+        <p:pic>
+          <p:nvPicPr>
+            <p:cNvPr id="19" name="Imagem 18">
+              <a:extLst>
+                <a:ext uri="{FF2B5EF4-FFF2-40B4-BE49-F238E27FC236}">
+                  <a16:creationId xmlns:a16="http://schemas.microsoft.com/office/drawing/2014/main" id="{52A23A18-CBFE-4553-B6B8-08BF7CFE9737}"/>
+                </a:ext>
+              </a:extLst>
+            </p:cNvPr>
+            <p:cNvPicPr>
+              <a:picLocks noChangeAspect="1"/>
+            </p:cNvPicPr>
+            <p:nvPr/>
+          </p:nvPicPr>
+          <p:blipFill>
+            <a:blip r:embed="rId4">
+              <a:extLst>
+                <a:ext uri="{28A0092B-C50C-407E-A947-70E740481C1C}">
+                  <a14:useLocalDpi xmlns:a14="http://schemas.microsoft.com/office/drawing/2010/main" val="0"/>
+                </a:ext>
+              </a:extLst>
+            </a:blip>
+            <a:stretch>
+              <a:fillRect/>
+            </a:stretch>
+          </p:blipFill>
+          <p:spPr>
+            <a:xfrm>
+              <a:off x="4831768" y="416352"/>
+              <a:ext cx="961278" cy="961278"/>
+            </a:xfrm>
+            <a:prstGeom prst="rect">
+              <a:avLst/>
+            </a:prstGeom>
+          </p:spPr>
+        </p:pic>
+        <p:sp>
+          <p:nvSpPr>
+            <p:cNvPr id="20" name="CaixaDeTexto 19">
+              <a:extLst>
+                <a:ext uri="{FF2B5EF4-FFF2-40B4-BE49-F238E27FC236}">
+                  <a16:creationId xmlns:a16="http://schemas.microsoft.com/office/drawing/2014/main" id="{47607C68-C869-4338-A8E1-95D51DF6DB12}"/>
+                </a:ext>
+              </a:extLst>
+            </p:cNvPr>
+            <p:cNvSpPr txBox="1"/>
+            <p:nvPr/>
+          </p:nvSpPr>
+          <p:spPr>
+            <a:xfrm>
+              <a:off x="4722644" y="1348917"/>
+              <a:ext cx="1287853" cy="400110"/>
+            </a:xfrm>
+            <a:prstGeom prst="rect">
+              <a:avLst/>
+            </a:prstGeom>
+            <a:noFill/>
+          </p:spPr>
+          <p:txBody>
+            <a:bodyPr wrap="none" rtlCol="0">
+              <a:spAutoFit/>
+            </a:bodyPr>
+            <a:lstStyle/>
+            <a:p>
+              <a:r>
+                <a:rPr lang="pt-BR" sz="2000" dirty="0"/>
+                <a:t>JPA e JDBC</a:t>
+              </a:r>
+            </a:p>
+          </p:txBody>
+        </p:sp>
+      </p:grpSp>
       <p:sp>
         <p:nvSpPr>
           <p:cNvPr id="25" name="Seta: para Cima 24">
@@ -6473,7 +7257,7 @@
         </p:blipFill>
         <p:spPr>
           <a:xfrm>
-            <a:off x="7129401" y="491124"/>
+            <a:off x="7116182" y="571316"/>
             <a:ext cx="882202" cy="882202"/>
           </a:xfrm>
           <a:prstGeom prst="rect">
@@ -6540,8 +7324,8 @@
           <p:nvPr/>
         </p:nvSpPr>
         <p:spPr>
-          <a:xfrm rot="1335847">
-            <a:off x="8125745" y="1191957"/>
+          <a:xfrm>
+            <a:off x="8190800" y="1002729"/>
             <a:ext cx="982106" cy="174613"/>
           </a:xfrm>
           <a:prstGeom prst="leftRightArrow">
@@ -6573,926 +7357,12 @@
           </a:p>
         </p:txBody>
       </p:sp>
-      <p:grpSp>
-        <p:nvGrpSpPr>
-          <p:cNvPr id="63" name="Agrupar 62">
-            <a:extLst>
-              <a:ext uri="{FF2B5EF4-FFF2-40B4-BE49-F238E27FC236}">
-                <a16:creationId xmlns:a16="http://schemas.microsoft.com/office/drawing/2014/main" id="{717131A4-EF88-4CC9-9DD4-C01E3FB7BFE6}"/>
-              </a:ext>
-            </a:extLst>
-          </p:cNvPr>
-          <p:cNvGrpSpPr/>
-          <p:nvPr/>
-        </p:nvGrpSpPr>
-        <p:grpSpPr>
-          <a:xfrm>
-            <a:off x="8037831" y="1603280"/>
-            <a:ext cx="4125402" cy="2361476"/>
-            <a:chOff x="8030295" y="1480334"/>
-            <a:chExt cx="4125402" cy="2361476"/>
-          </a:xfrm>
-        </p:grpSpPr>
-        <p:sp>
-          <p:nvSpPr>
-            <p:cNvPr id="28" name="Nuvem 27">
-              <a:extLst>
-                <a:ext uri="{FF2B5EF4-FFF2-40B4-BE49-F238E27FC236}">
-                  <a16:creationId xmlns:a16="http://schemas.microsoft.com/office/drawing/2014/main" id="{28FCD83E-B672-42E5-8C85-73EE5C9DB2D2}"/>
-                </a:ext>
-              </a:extLst>
-            </p:cNvPr>
-            <p:cNvSpPr/>
-            <p:nvPr/>
-          </p:nvSpPr>
-          <p:spPr>
-            <a:xfrm>
-              <a:off x="8030295" y="1480334"/>
-              <a:ext cx="4125402" cy="2361476"/>
-            </a:xfrm>
-            <a:prstGeom prst="cloud">
-              <a:avLst/>
-            </a:prstGeom>
-            <a:ln>
-              <a:solidFill>
-                <a:schemeClr val="accent1">
-                  <a:lumMod val="75000"/>
-                </a:schemeClr>
-              </a:solidFill>
-            </a:ln>
-          </p:spPr>
-          <p:style>
-            <a:lnRef idx="2">
-              <a:schemeClr val="accent6"/>
-            </a:lnRef>
-            <a:fillRef idx="1">
-              <a:schemeClr val="lt1"/>
-            </a:fillRef>
-            <a:effectRef idx="0">
-              <a:schemeClr val="accent6"/>
-            </a:effectRef>
-            <a:fontRef idx="minor">
-              <a:schemeClr val="dk1"/>
-            </a:fontRef>
-          </p:style>
-          <p:txBody>
-            <a:bodyPr rtlCol="0" anchor="ctr"/>
-            <a:lstStyle/>
-            <a:p>
-              <a:pPr algn="ctr"/>
-              <a:endParaRPr lang="pt-BR" dirty="0"/>
-            </a:p>
-          </p:txBody>
-        </p:sp>
-        <p:pic>
-          <p:nvPicPr>
-            <p:cNvPr id="32" name="Imagem 31">
-              <a:extLst>
-                <a:ext uri="{FF2B5EF4-FFF2-40B4-BE49-F238E27FC236}">
-                  <a16:creationId xmlns:a16="http://schemas.microsoft.com/office/drawing/2014/main" id="{3173CC8C-DAB8-4163-947A-57BD838786D0}"/>
-                </a:ext>
-              </a:extLst>
-            </p:cNvPr>
-            <p:cNvPicPr>
-              <a:picLocks noChangeAspect="1"/>
-            </p:cNvPicPr>
-            <p:nvPr/>
-          </p:nvPicPr>
-          <p:blipFill>
-            <a:blip r:embed="rId6">
-              <a:extLst>
-                <a:ext uri="{BEBA8EAE-BF5A-486C-A8C5-ECC9F3942E4B}">
-                  <a14:imgProps xmlns:a14="http://schemas.microsoft.com/office/drawing/2010/main">
-                    <a14:imgLayer r:embed="rId7">
-                      <a14:imgEffect>
-                        <a14:backgroundRemoval t="4000" b="93778" l="1786" r="94643">
-                          <a14:foregroundMark x1="37500" y1="31111" x2="37500" y2="31111"/>
-                          <a14:foregroundMark x1="62054" y1="22667" x2="39286" y2="27556"/>
-                          <a14:foregroundMark x1="67411" y1="22667" x2="33929" y2="15556"/>
-                          <a14:foregroundMark x1="71875" y1="12889" x2="14732" y2="35111"/>
-                          <a14:foregroundMark x1="14732" y1="35111" x2="12054" y2="64444"/>
-                          <a14:foregroundMark x1="7589" y1="59556" x2="44643" y2="9778"/>
-                          <a14:foregroundMark x1="44643" y1="9778" x2="78125" y2="16444"/>
-                          <a14:foregroundMark x1="64732" y1="9333" x2="39732" y2="7556"/>
-                          <a14:foregroundMark x1="76786" y1="19556" x2="46429" y2="25778"/>
-                          <a14:foregroundMark x1="81321" y1="48760" x2="83482" y2="75556"/>
-                          <a14:foregroundMark x1="80722" y1="41333" x2="81057" y2="45489"/>
-                          <a14:foregroundMark x1="78571" y1="14667" x2="80722" y2="41333"/>
-                          <a14:foregroundMark x1="83482" y1="75556" x2="23214" y2="84000"/>
-                          <a14:foregroundMark x1="23214" y1="84000" x2="22768" y2="83556"/>
-                          <a14:foregroundMark x1="91964" y1="71111" x2="84821" y2="24000"/>
-                          <a14:foregroundMark x1="58929" y1="4444" x2="41518" y2="4889"/>
-                          <a14:foregroundMark x1="94196" y1="37778" x2="95089" y2="57778"/>
-                          <a14:foregroundMark x1="62054" y1="94222" x2="36607" y2="93333"/>
-                          <a14:foregroundMark x1="2679" y1="57778" x2="1786" y2="42667"/>
-                          <a14:backgroundMark x1="75000" y1="56000" x2="78125" y2="48444"/>
-                          <a14:backgroundMark x1="79018" y1="48000" x2="79018" y2="39111"/>
-                          <a14:backgroundMark x1="78125" y1="49778" x2="77232" y2="33333"/>
-                          <a14:backgroundMark x1="80357" y1="47556" x2="79018" y2="36000"/>
-                          <a14:backgroundMark x1="80357" y1="56444" x2="79911" y2="30667"/>
-                          <a14:backgroundMark x1="80357" y1="54667" x2="80357" y2="44444"/>
-                        </a14:backgroundRemoval>
-                      </a14:imgEffect>
-                    </a14:imgLayer>
-                  </a14:imgProps>
-                </a:ext>
-                <a:ext uri="{28A0092B-C50C-407E-A947-70E740481C1C}">
-                  <a14:useLocalDpi xmlns:a14="http://schemas.microsoft.com/office/drawing/2010/main" val="0"/>
-                </a:ext>
-              </a:extLst>
-            </a:blip>
-            <a:stretch>
-              <a:fillRect/>
-            </a:stretch>
-          </p:blipFill>
-          <p:spPr>
-            <a:xfrm>
-              <a:off x="10271378" y="2107396"/>
-              <a:ext cx="664257" cy="667223"/>
-            </a:xfrm>
-            <a:prstGeom prst="rect">
-              <a:avLst/>
-            </a:prstGeom>
-          </p:spPr>
-        </p:pic>
-        <p:pic>
-          <p:nvPicPr>
-            <p:cNvPr id="34" name="Imagem 33">
-              <a:extLst>
-                <a:ext uri="{FF2B5EF4-FFF2-40B4-BE49-F238E27FC236}">
-                  <a16:creationId xmlns:a16="http://schemas.microsoft.com/office/drawing/2014/main" id="{D9A10078-6946-40E9-9128-B670171C9F2F}"/>
-                </a:ext>
-              </a:extLst>
-            </p:cNvPr>
-            <p:cNvPicPr>
-              <a:picLocks noChangeAspect="1"/>
-            </p:cNvPicPr>
-            <p:nvPr/>
-          </p:nvPicPr>
-          <p:blipFill>
-            <a:blip r:embed="rId8">
-              <a:extLst>
-                <a:ext uri="{28A0092B-C50C-407E-A947-70E740481C1C}">
-                  <a14:useLocalDpi xmlns:a14="http://schemas.microsoft.com/office/drawing/2010/main" val="0"/>
-                </a:ext>
-              </a:extLst>
-            </a:blip>
-            <a:stretch>
-              <a:fillRect/>
-            </a:stretch>
-          </p:blipFill>
-          <p:spPr>
-            <a:xfrm>
-              <a:off x="8935786" y="2210787"/>
-              <a:ext cx="459713" cy="608236"/>
-            </a:xfrm>
-            <a:prstGeom prst="rect">
-              <a:avLst/>
-            </a:prstGeom>
-          </p:spPr>
-        </p:pic>
-        <p:pic>
-          <p:nvPicPr>
-            <p:cNvPr id="39" name="Imagem 38">
-              <a:extLst>
-                <a:ext uri="{FF2B5EF4-FFF2-40B4-BE49-F238E27FC236}">
-                  <a16:creationId xmlns:a16="http://schemas.microsoft.com/office/drawing/2014/main" id="{162DFF09-5F1D-4F2D-8A4E-F34772E5E735}"/>
-                </a:ext>
-              </a:extLst>
-            </p:cNvPr>
-            <p:cNvPicPr>
-              <a:picLocks noChangeAspect="1"/>
-            </p:cNvPicPr>
-            <p:nvPr/>
-          </p:nvPicPr>
-          <p:blipFill rotWithShape="1">
-            <a:blip r:embed="rId9">
-              <a:extLst>
-                <a:ext uri="{BEBA8EAE-BF5A-486C-A8C5-ECC9F3942E4B}">
-                  <a14:imgProps xmlns:a14="http://schemas.microsoft.com/office/drawing/2010/main">
-                    <a14:imgLayer r:embed="rId10">
-                      <a14:imgEffect>
-                        <a14:backgroundRemoval t="10000" b="90000" l="10000" r="90000">
-                          <a14:foregroundMark x1="42167" y1="24762" x2="42167" y2="24762"/>
-                          <a14:foregroundMark x1="47917" y1="23016" x2="47917" y2="23016"/>
-                          <a14:foregroundMark x1="52833" y1="23968" x2="52833" y2="23968"/>
-                          <a14:foregroundMark x1="56417" y1="25873" x2="56417" y2="25873"/>
-                          <a14:foregroundMark x1="63500" y1="35873" x2="63500" y2="35873"/>
-                          <a14:foregroundMark x1="65250" y1="34603" x2="65250" y2="34603"/>
-                          <a14:foregroundMark x1="35333" y1="35079" x2="35333" y2="35079"/>
-                          <a14:foregroundMark x1="32167" y1="34603" x2="32167" y2="34603"/>
-                          <a14:foregroundMark x1="38083" y1="35397" x2="38083" y2="35397"/>
-                        </a14:backgroundRemoval>
-                      </a14:imgEffect>
-                    </a14:imgLayer>
-                  </a14:imgProps>
-                </a:ext>
-                <a:ext uri="{28A0092B-C50C-407E-A947-70E740481C1C}">
-                  <a14:useLocalDpi xmlns:a14="http://schemas.microsoft.com/office/drawing/2010/main" val="0"/>
-                </a:ext>
-              </a:extLst>
-            </a:blip>
-            <a:srcRect l="26693" t="17056" r="25983" b="19059"/>
-            <a:stretch/>
-          </p:blipFill>
-          <p:spPr>
-            <a:xfrm>
-              <a:off x="9535623" y="2888162"/>
-              <a:ext cx="1114747" cy="790038"/>
-            </a:xfrm>
-            <a:prstGeom prst="rect">
-              <a:avLst/>
-            </a:prstGeom>
-          </p:spPr>
-        </p:pic>
-        <p:sp>
-          <p:nvSpPr>
-            <p:cNvPr id="40" name="CaixaDeTexto 39">
-              <a:extLst>
-                <a:ext uri="{FF2B5EF4-FFF2-40B4-BE49-F238E27FC236}">
-                  <a16:creationId xmlns:a16="http://schemas.microsoft.com/office/drawing/2014/main" id="{17145316-C24F-4F97-BC66-FF4A8F0F9A3E}"/>
-                </a:ext>
-              </a:extLst>
-            </p:cNvPr>
-            <p:cNvSpPr txBox="1"/>
-            <p:nvPr/>
-          </p:nvSpPr>
-          <p:spPr>
-            <a:xfrm>
-              <a:off x="10076630" y="1839964"/>
-              <a:ext cx="1263038" cy="307777"/>
-            </a:xfrm>
-            <a:prstGeom prst="rect">
-              <a:avLst/>
-            </a:prstGeom>
-            <a:noFill/>
-          </p:spPr>
-          <p:txBody>
-            <a:bodyPr wrap="square" rtlCol="0">
-              <a:spAutoFit/>
-            </a:bodyPr>
-            <a:lstStyle/>
-            <a:p>
-              <a:r>
-                <a:rPr lang="pt-BR" sz="1400" dirty="0"/>
-                <a:t>Spring Web</a:t>
-              </a:r>
-            </a:p>
-          </p:txBody>
-        </p:sp>
-      </p:grpSp>
-      <p:grpSp>
-        <p:nvGrpSpPr>
-          <p:cNvPr id="31" name="Agrupar 30">
-            <a:extLst>
-              <a:ext uri="{FF2B5EF4-FFF2-40B4-BE49-F238E27FC236}">
-                <a16:creationId xmlns:a16="http://schemas.microsoft.com/office/drawing/2014/main" id="{6B7D8C13-F1E4-404D-991A-44115338380C}"/>
-              </a:ext>
-            </a:extLst>
-          </p:cNvPr>
-          <p:cNvGrpSpPr/>
-          <p:nvPr/>
-        </p:nvGrpSpPr>
-        <p:grpSpPr>
-          <a:xfrm>
-            <a:off x="210081" y="4475935"/>
-            <a:ext cx="3452772" cy="1774822"/>
-            <a:chOff x="-5932" y="3089286"/>
-            <a:chExt cx="3095719" cy="1566884"/>
-          </a:xfrm>
-        </p:grpSpPr>
-        <p:sp>
-          <p:nvSpPr>
-            <p:cNvPr id="33" name="CaixaDeTexto 32">
-              <a:extLst>
-                <a:ext uri="{FF2B5EF4-FFF2-40B4-BE49-F238E27FC236}">
-                  <a16:creationId xmlns:a16="http://schemas.microsoft.com/office/drawing/2014/main" id="{3CEFDDEB-9C85-436F-98AD-D2A5BE1E7343}"/>
-                </a:ext>
-              </a:extLst>
-            </p:cNvPr>
-            <p:cNvSpPr txBox="1"/>
-            <p:nvPr/>
-          </p:nvSpPr>
-          <p:spPr>
-            <a:xfrm>
-              <a:off x="-5932" y="4379171"/>
-              <a:ext cx="3095719" cy="276999"/>
-            </a:xfrm>
-            <a:prstGeom prst="rect">
-              <a:avLst/>
-            </a:prstGeom>
-            <a:noFill/>
-          </p:spPr>
-          <p:txBody>
-            <a:bodyPr wrap="none" rtlCol="0">
-              <a:spAutoFit/>
-            </a:bodyPr>
-            <a:lstStyle/>
-            <a:p>
-              <a:r>
-                <a:rPr lang="pt-BR" sz="1200" dirty="0"/>
-                <a:t>Aplicativos para modelagem e renderização 3D</a:t>
-              </a:r>
-            </a:p>
-          </p:txBody>
-        </p:sp>
-        <p:grpSp>
-          <p:nvGrpSpPr>
-            <p:cNvPr id="35" name="Agrupar 34">
-              <a:extLst>
-                <a:ext uri="{FF2B5EF4-FFF2-40B4-BE49-F238E27FC236}">
-                  <a16:creationId xmlns:a16="http://schemas.microsoft.com/office/drawing/2014/main" id="{82B0671A-9C6B-4E29-A8C7-7A835C493BC3}"/>
-                </a:ext>
-              </a:extLst>
-            </p:cNvPr>
-            <p:cNvGrpSpPr/>
-            <p:nvPr/>
-          </p:nvGrpSpPr>
-          <p:grpSpPr>
-            <a:xfrm>
-              <a:off x="349824" y="3089286"/>
-              <a:ext cx="2488685" cy="1196643"/>
-              <a:chOff x="349824" y="3089286"/>
-              <a:chExt cx="2488685" cy="1196643"/>
-            </a:xfrm>
-          </p:grpSpPr>
-          <p:sp>
-            <p:nvSpPr>
-              <p:cNvPr id="38" name="Retângulo 37">
-                <a:extLst>
-                  <a:ext uri="{FF2B5EF4-FFF2-40B4-BE49-F238E27FC236}">
-                    <a16:creationId xmlns:a16="http://schemas.microsoft.com/office/drawing/2014/main" id="{522A1648-0FB4-4042-A1FD-D919CA486F6D}"/>
-                  </a:ext>
-                </a:extLst>
-              </p:cNvPr>
-              <p:cNvSpPr/>
-              <p:nvPr/>
-            </p:nvSpPr>
-            <p:spPr>
-              <a:xfrm>
-                <a:off x="392049" y="3156323"/>
-                <a:ext cx="2216552" cy="1064164"/>
-              </a:xfrm>
-              <a:prstGeom prst="rect">
-                <a:avLst/>
-              </a:prstGeom>
-              <a:ln>
-                <a:solidFill>
-                  <a:schemeClr val="tx1">
-                    <a:lumMod val="95000"/>
-                    <a:lumOff val="5000"/>
-                  </a:schemeClr>
-                </a:solidFill>
-                <a:prstDash val="sysDash"/>
-              </a:ln>
-            </p:spPr>
-            <p:style>
-              <a:lnRef idx="2">
-                <a:schemeClr val="accent6"/>
-              </a:lnRef>
-              <a:fillRef idx="1">
-                <a:schemeClr val="lt1"/>
-              </a:fillRef>
-              <a:effectRef idx="0">
-                <a:schemeClr val="accent6"/>
-              </a:effectRef>
-              <a:fontRef idx="minor">
-                <a:schemeClr val="dk1"/>
-              </a:fontRef>
-            </p:style>
-            <p:txBody>
-              <a:bodyPr rtlCol="0" anchor="ctr"/>
-              <a:lstStyle/>
-              <a:p>
-                <a:pPr algn="ctr"/>
-                <a:endParaRPr lang="pt-BR" sz="1000" dirty="0"/>
-              </a:p>
-            </p:txBody>
-          </p:sp>
-          <p:pic>
-            <p:nvPicPr>
-              <p:cNvPr id="41" name="Imagem 40">
-                <a:extLst>
-                  <a:ext uri="{FF2B5EF4-FFF2-40B4-BE49-F238E27FC236}">
-                    <a16:creationId xmlns:a16="http://schemas.microsoft.com/office/drawing/2014/main" id="{414FF306-9731-49B4-8F13-4EB15AD8472F}"/>
-                  </a:ext>
-                </a:extLst>
-              </p:cNvPr>
-              <p:cNvPicPr>
-                <a:picLocks noChangeAspect="1"/>
-              </p:cNvPicPr>
-              <p:nvPr/>
-            </p:nvPicPr>
-            <p:blipFill>
-              <a:blip r:embed="rId11">
-                <a:extLst>
-                  <a:ext uri="{28A0092B-C50C-407E-A947-70E740481C1C}">
-                    <a14:useLocalDpi xmlns:a14="http://schemas.microsoft.com/office/drawing/2010/main" val="0"/>
-                  </a:ext>
-                </a:extLst>
-              </a:blip>
-              <a:stretch>
-                <a:fillRect/>
-              </a:stretch>
-            </p:blipFill>
-            <p:spPr>
-              <a:xfrm>
-                <a:off x="2028746" y="3266474"/>
-                <a:ext cx="452541" cy="370129"/>
-              </a:xfrm>
-              <a:prstGeom prst="rect">
-                <a:avLst/>
-              </a:prstGeom>
-            </p:spPr>
-          </p:pic>
-          <p:pic>
-            <p:nvPicPr>
-              <p:cNvPr id="42" name="Imagem 41">
-                <a:extLst>
-                  <a:ext uri="{FF2B5EF4-FFF2-40B4-BE49-F238E27FC236}">
-                    <a16:creationId xmlns:a16="http://schemas.microsoft.com/office/drawing/2014/main" id="{4DC2DD78-7C07-446B-8120-64FB0C949F43}"/>
-                  </a:ext>
-                </a:extLst>
-              </p:cNvPr>
-              <p:cNvPicPr>
-                <a:picLocks noChangeAspect="1"/>
-              </p:cNvPicPr>
-              <p:nvPr/>
-            </p:nvPicPr>
-            <p:blipFill>
-              <a:blip r:embed="rId12">
-                <a:extLst>
-                  <a:ext uri="{28A0092B-C50C-407E-A947-70E740481C1C}">
-                    <a14:useLocalDpi xmlns:a14="http://schemas.microsoft.com/office/drawing/2010/main" val="0"/>
-                  </a:ext>
-                </a:extLst>
-              </a:blip>
-              <a:stretch>
-                <a:fillRect/>
-              </a:stretch>
-            </p:blipFill>
-            <p:spPr>
-              <a:xfrm>
-                <a:off x="582852" y="3288119"/>
-                <a:ext cx="320651" cy="320651"/>
-              </a:xfrm>
-              <a:prstGeom prst="rect">
-                <a:avLst/>
-              </a:prstGeom>
-            </p:spPr>
-          </p:pic>
-          <p:pic>
-            <p:nvPicPr>
-              <p:cNvPr id="43" name="Imagem 42">
-                <a:extLst>
-                  <a:ext uri="{FF2B5EF4-FFF2-40B4-BE49-F238E27FC236}">
-                    <a16:creationId xmlns:a16="http://schemas.microsoft.com/office/drawing/2014/main" id="{869EF933-2E7F-47A0-9D28-66E9EDA5DA16}"/>
-                  </a:ext>
-                </a:extLst>
-              </p:cNvPr>
-              <p:cNvPicPr>
-                <a:picLocks noChangeAspect="1"/>
-              </p:cNvPicPr>
-              <p:nvPr/>
-            </p:nvPicPr>
-            <p:blipFill>
-              <a:blip r:embed="rId13">
-                <a:extLst>
-                  <a:ext uri="{28A0092B-C50C-407E-A947-70E740481C1C}">
-                    <a14:useLocalDpi xmlns:a14="http://schemas.microsoft.com/office/drawing/2010/main" val="0"/>
-                  </a:ext>
-                </a:extLst>
-              </a:blip>
-              <a:stretch>
-                <a:fillRect/>
-              </a:stretch>
-            </p:blipFill>
-            <p:spPr>
-              <a:xfrm>
-                <a:off x="524519" y="3860821"/>
-                <a:ext cx="299233" cy="291979"/>
-              </a:xfrm>
-              <a:prstGeom prst="rect">
-                <a:avLst/>
-              </a:prstGeom>
-            </p:spPr>
-          </p:pic>
-          <p:pic>
-            <p:nvPicPr>
-              <p:cNvPr id="44" name="Imagem 43">
-                <a:extLst>
-                  <a:ext uri="{FF2B5EF4-FFF2-40B4-BE49-F238E27FC236}">
-                    <a16:creationId xmlns:a16="http://schemas.microsoft.com/office/drawing/2014/main" id="{31F67D3C-BEC8-4C7F-A941-493AA9478060}"/>
-                  </a:ext>
-                </a:extLst>
-              </p:cNvPr>
-              <p:cNvPicPr>
-                <a:picLocks noChangeAspect="1"/>
-              </p:cNvPicPr>
-              <p:nvPr/>
-            </p:nvPicPr>
-            <p:blipFill>
-              <a:blip r:embed="rId14">
-                <a:extLst>
-                  <a:ext uri="{28A0092B-C50C-407E-A947-70E740481C1C}">
-                    <a14:useLocalDpi xmlns:a14="http://schemas.microsoft.com/office/drawing/2010/main" val="0"/>
-                  </a:ext>
-                </a:extLst>
-              </a:blip>
-              <a:stretch>
-                <a:fillRect/>
-              </a:stretch>
-            </p:blipFill>
-            <p:spPr>
-              <a:xfrm>
-                <a:off x="1333632" y="3872789"/>
-                <a:ext cx="287928" cy="287928"/>
-              </a:xfrm>
-              <a:prstGeom prst="rect">
-                <a:avLst/>
-              </a:prstGeom>
-            </p:spPr>
-          </p:pic>
-          <p:pic>
-            <p:nvPicPr>
-              <p:cNvPr id="45" name="Imagem 44">
-                <a:extLst>
-                  <a:ext uri="{FF2B5EF4-FFF2-40B4-BE49-F238E27FC236}">
-                    <a16:creationId xmlns:a16="http://schemas.microsoft.com/office/drawing/2014/main" id="{45C30F48-C3F9-4D11-A268-7A6D4401E7E3}"/>
-                  </a:ext>
-                </a:extLst>
-              </p:cNvPr>
-              <p:cNvPicPr>
-                <a:picLocks noChangeAspect="1"/>
-              </p:cNvPicPr>
-              <p:nvPr/>
-            </p:nvPicPr>
-            <p:blipFill>
-              <a:blip r:embed="rId15">
-                <a:extLst>
-                  <a:ext uri="{28A0092B-C50C-407E-A947-70E740481C1C}">
-                    <a14:useLocalDpi xmlns:a14="http://schemas.microsoft.com/office/drawing/2010/main" val="0"/>
-                  </a:ext>
-                </a:extLst>
-              </a:blip>
-              <a:stretch>
-                <a:fillRect/>
-              </a:stretch>
-            </p:blipFill>
-            <p:spPr>
-              <a:xfrm>
-                <a:off x="1321954" y="3298502"/>
-                <a:ext cx="292885" cy="299883"/>
-              </a:xfrm>
-              <a:prstGeom prst="rect">
-                <a:avLst/>
-              </a:prstGeom>
-            </p:spPr>
-          </p:pic>
-          <p:sp>
-            <p:nvSpPr>
-              <p:cNvPr id="46" name="CaixaDeTexto 45">
-                <a:extLst>
-                  <a:ext uri="{FF2B5EF4-FFF2-40B4-BE49-F238E27FC236}">
-                    <a16:creationId xmlns:a16="http://schemas.microsoft.com/office/drawing/2014/main" id="{58FF41AD-12AB-414E-B31A-09081BE8F15A}"/>
-                  </a:ext>
-                </a:extLst>
-              </p:cNvPr>
-              <p:cNvSpPr txBox="1"/>
-              <p:nvPr/>
-            </p:nvSpPr>
-            <p:spPr>
-              <a:xfrm>
-                <a:off x="349824" y="3099562"/>
-                <a:ext cx="890180" cy="276999"/>
-              </a:xfrm>
-              <a:prstGeom prst="rect">
-                <a:avLst/>
-              </a:prstGeom>
-              <a:noFill/>
-            </p:spPr>
-            <p:txBody>
-              <a:bodyPr wrap="none" rtlCol="0">
-                <a:spAutoFit/>
-              </a:bodyPr>
-              <a:lstStyle/>
-              <a:p>
-                <a:r>
-                  <a:rPr lang="pt-BR" sz="1200" dirty="0"/>
-                  <a:t>Studio Max</a:t>
-                </a:r>
-              </a:p>
-            </p:txBody>
-          </p:sp>
-          <p:sp>
-            <p:nvSpPr>
-              <p:cNvPr id="47" name="CaixaDeTexto 46">
-                <a:extLst>
-                  <a:ext uri="{FF2B5EF4-FFF2-40B4-BE49-F238E27FC236}">
-                    <a16:creationId xmlns:a16="http://schemas.microsoft.com/office/drawing/2014/main" id="{9CDB45CE-45DE-4AB4-81FD-3E86F33FA12A}"/>
-                  </a:ext>
-                </a:extLst>
-              </p:cNvPr>
-              <p:cNvSpPr txBox="1"/>
-              <p:nvPr/>
-            </p:nvSpPr>
-            <p:spPr>
-              <a:xfrm>
-                <a:off x="1180791" y="3101827"/>
-                <a:ext cx="826124" cy="276999"/>
-              </a:xfrm>
-              <a:prstGeom prst="rect">
-                <a:avLst/>
-              </a:prstGeom>
-              <a:noFill/>
-            </p:spPr>
-            <p:txBody>
-              <a:bodyPr wrap="none" rtlCol="0">
-                <a:spAutoFit/>
-              </a:bodyPr>
-              <a:lstStyle/>
-              <a:p>
-                <a:r>
-                  <a:rPr lang="pt-BR" sz="1200" dirty="0"/>
-                  <a:t>Illustrator </a:t>
-                </a:r>
-              </a:p>
-            </p:txBody>
-          </p:sp>
-          <p:sp>
-            <p:nvSpPr>
-              <p:cNvPr id="48" name="CaixaDeTexto 47">
-                <a:extLst>
-                  <a:ext uri="{FF2B5EF4-FFF2-40B4-BE49-F238E27FC236}">
-                    <a16:creationId xmlns:a16="http://schemas.microsoft.com/office/drawing/2014/main" id="{B3C005CC-E9B5-45A4-8505-393A787CF637}"/>
-                  </a:ext>
-                </a:extLst>
-              </p:cNvPr>
-              <p:cNvSpPr txBox="1"/>
-              <p:nvPr/>
-            </p:nvSpPr>
-            <p:spPr>
-              <a:xfrm>
-                <a:off x="1938803" y="3089286"/>
-                <a:ext cx="705642" cy="276999"/>
-              </a:xfrm>
-              <a:prstGeom prst="rect">
-                <a:avLst/>
-              </a:prstGeom>
-              <a:noFill/>
-            </p:spPr>
-            <p:txBody>
-              <a:bodyPr wrap="none" rtlCol="0">
-                <a:spAutoFit/>
-              </a:bodyPr>
-              <a:lstStyle/>
-              <a:p>
-                <a:r>
-                  <a:rPr lang="pt-BR" sz="1200" dirty="0"/>
-                  <a:t>Blender </a:t>
-                </a:r>
-              </a:p>
-            </p:txBody>
-          </p:sp>
-          <p:sp>
-            <p:nvSpPr>
-              <p:cNvPr id="49" name="CaixaDeTexto 48">
-                <a:extLst>
-                  <a:ext uri="{FF2B5EF4-FFF2-40B4-BE49-F238E27FC236}">
-                    <a16:creationId xmlns:a16="http://schemas.microsoft.com/office/drawing/2014/main" id="{415AFE11-3397-4599-852F-A6FCFFF17E0B}"/>
-                  </a:ext>
-                </a:extLst>
-              </p:cNvPr>
-              <p:cNvSpPr txBox="1"/>
-              <p:nvPr/>
-            </p:nvSpPr>
-            <p:spPr>
-              <a:xfrm>
-                <a:off x="356205" y="3628612"/>
-                <a:ext cx="803425" cy="276999"/>
-              </a:xfrm>
-              <a:prstGeom prst="rect">
-                <a:avLst/>
-              </a:prstGeom>
-              <a:noFill/>
-            </p:spPr>
-            <p:txBody>
-              <a:bodyPr wrap="none" rtlCol="0">
-                <a:spAutoFit/>
-              </a:bodyPr>
-              <a:lstStyle/>
-              <a:p>
-                <a:r>
-                  <a:rPr lang="pt-BR" sz="1200" dirty="0"/>
-                  <a:t>Adobe XD</a:t>
-                </a:r>
-              </a:p>
-            </p:txBody>
-          </p:sp>
-          <p:sp>
-            <p:nvSpPr>
-              <p:cNvPr id="50" name="CaixaDeTexto 49">
-                <a:extLst>
-                  <a:ext uri="{FF2B5EF4-FFF2-40B4-BE49-F238E27FC236}">
-                    <a16:creationId xmlns:a16="http://schemas.microsoft.com/office/drawing/2014/main" id="{82897588-C50C-4C61-A860-303ED9CB7672}"/>
-                  </a:ext>
-                </a:extLst>
-              </p:cNvPr>
-              <p:cNvSpPr txBox="1"/>
-              <p:nvPr/>
-            </p:nvSpPr>
-            <p:spPr>
-              <a:xfrm>
-                <a:off x="1159630" y="3619066"/>
-                <a:ext cx="791307" cy="276999"/>
-              </a:xfrm>
-              <a:prstGeom prst="rect">
-                <a:avLst/>
-              </a:prstGeom>
-              <a:noFill/>
-            </p:spPr>
-            <p:txBody>
-              <a:bodyPr wrap="none" rtlCol="0">
-                <a:spAutoFit/>
-              </a:bodyPr>
-              <a:lstStyle/>
-              <a:p>
-                <a:r>
-                  <a:rPr lang="pt-BR" sz="1200" dirty="0"/>
-                  <a:t>Premiere </a:t>
-                </a:r>
-              </a:p>
-            </p:txBody>
-          </p:sp>
-          <p:pic>
-            <p:nvPicPr>
-              <p:cNvPr id="51" name="Imagem 50">
-                <a:extLst>
-                  <a:ext uri="{FF2B5EF4-FFF2-40B4-BE49-F238E27FC236}">
-                    <a16:creationId xmlns:a16="http://schemas.microsoft.com/office/drawing/2014/main" id="{4F652048-7CCB-4673-B98B-6A90F930DBED}"/>
-                  </a:ext>
-                </a:extLst>
-              </p:cNvPr>
-              <p:cNvPicPr>
-                <a:picLocks noChangeAspect="1"/>
-              </p:cNvPicPr>
-              <p:nvPr/>
-            </p:nvPicPr>
-            <p:blipFill rotWithShape="1">
-              <a:blip r:embed="rId16">
-                <a:extLst>
-                  <a:ext uri="{BEBA8EAE-BF5A-486C-A8C5-ECC9F3942E4B}">
-                    <a14:imgProps xmlns:a14="http://schemas.microsoft.com/office/drawing/2010/main">
-                      <a14:imgLayer r:embed="rId17">
-                        <a14:imgEffect>
-                          <a14:backgroundRemoval t="1667" b="89907" l="300" r="98000">
-                            <a14:foregroundMark x1="47500" y1="11389" x2="31600" y2="13796"/>
-                            <a14:foregroundMark x1="31600" y1="13796" x2="25500" y2="16759"/>
-                            <a14:foregroundMark x1="26500" y1="15278" x2="35600" y2="14352"/>
-                            <a14:foregroundMark x1="35600" y1="14352" x2="65300" y2="15278"/>
-                            <a14:foregroundMark x1="65300" y1="15278" x2="72400" y2="18148"/>
-                            <a14:foregroundMark x1="72400" y1="18148" x2="75600" y2="27500"/>
-                            <a14:foregroundMark x1="82200" y1="32407" x2="87500" y2="54815"/>
-                            <a14:foregroundMark x1="87500" y1="54815" x2="82800" y2="62870"/>
-                            <a14:foregroundMark x1="82800" y1="62870" x2="76800" y2="67222"/>
-                            <a14:foregroundMark x1="76800" y1="67222" x2="71900" y2="73981"/>
-                            <a14:foregroundMark x1="71900" y1="73981" x2="64200" y2="76852"/>
-                            <a14:foregroundMark x1="64200" y1="76852" x2="44600" y2="78519"/>
-                            <a14:foregroundMark x1="44600" y1="78519" x2="36700" y2="76296"/>
-                            <a14:foregroundMark x1="36700" y1="76296" x2="14300" y2="61296"/>
-                            <a14:foregroundMark x1="14300" y1="61296" x2="10100" y2="53611"/>
-                            <a14:foregroundMark x1="10100" y1="53611" x2="11100" y2="32778"/>
-                            <a14:foregroundMark x1="11100" y1="32778" x2="14400" y2="25093"/>
-                            <a14:foregroundMark x1="14400" y1="25093" x2="27800" y2="16481"/>
-                            <a14:foregroundMark x1="46300" y1="19444" x2="22200" y2="22037"/>
-                            <a14:foregroundMark x1="22200" y1="22037" x2="20500" y2="24722"/>
-                            <a14:foregroundMark x1="29400" y1="24537" x2="25200" y2="39352"/>
-                            <a14:foregroundMark x1="25200" y1="39352" x2="19600" y2="41019"/>
-                            <a14:foregroundMark x1="59600" y1="31944" x2="67000" y2="28889"/>
-                            <a14:foregroundMark x1="67000" y1="28889" x2="67600" y2="28796"/>
-                            <a14:foregroundMark x1="71900" y1="29815" x2="67300" y2="35926"/>
-                            <a14:foregroundMark x1="67300" y1="35926" x2="65300" y2="37500"/>
-                            <a14:foregroundMark x1="77700" y1="78333" x2="83900" y2="64907"/>
-                            <a14:foregroundMark x1="83900" y1="64907" x2="90500" y2="59907"/>
-                            <a14:foregroundMark x1="90500" y1="59907" x2="94800" y2="52870"/>
-                            <a14:foregroundMark x1="94800" y1="52870" x2="87200" y2="30093"/>
-                            <a14:foregroundMark x1="87200" y1="30093" x2="82900" y2="23519"/>
-                            <a14:foregroundMark x1="82900" y1="23519" x2="82700" y2="22870"/>
-                            <a14:foregroundMark x1="54600" y1="2500" x2="37400" y2="5093"/>
-                            <a14:foregroundMark x1="37400" y1="5093" x2="37400" y2="5093"/>
-                            <a14:foregroundMark x1="60100" y1="7593" x2="70800" y2="10833"/>
-                            <a14:foregroundMark x1="70800" y1="10833" x2="77100" y2="16204"/>
-                            <a14:foregroundMark x1="77100" y1="16204" x2="84700" y2="18519"/>
-                            <a14:foregroundMark x1="84700" y1="18519" x2="92100" y2="31759"/>
-                            <a14:foregroundMark x1="95500" y1="39815" x2="98000" y2="46944"/>
-                            <a14:foregroundMark x1="98000" y1="46944" x2="98000" y2="52315"/>
-                            <a14:foregroundMark x1="49100" y1="1667" x2="43100" y2="2963"/>
-                            <a14:foregroundMark x1="6600" y1="28148" x2="300" y2="43796"/>
-                            <a14:foregroundMark x1="300" y1="43796" x2="5200" y2="55278"/>
-                            <a14:foregroundMark x1="8400" y1="60926" x2="12000" y2="67870"/>
-                            <a14:foregroundMark x1="12000" y1="67870" x2="25100" y2="75648"/>
-                            <a14:foregroundMark x1="25100" y1="75648" x2="40600" y2="79352"/>
-                            <a14:foregroundMark x1="71000" y1="81667" x2="53500" y2="85093"/>
-                            <a14:foregroundMark x1="53500" y1="85093" x2="27900" y2="83704"/>
-                            <a14:foregroundMark x1="27900" y1="83704" x2="26000" y2="81944"/>
-                            <a14:foregroundMark x1="52700" y1="87870" x2="60300" y2="87593"/>
-                            <a14:foregroundMark x1="60300" y1="87593" x2="62600" y2="87593"/>
-                            <a14:foregroundMark x1="45000" y1="89074" x2="53900" y2="89907"/>
-                            <a14:foregroundMark x1="54300" y1="35741" x2="53879" y2="38857"/>
-                            <a14:foregroundMark x1="48530" y1="56438" x2="48600" y2="59815"/>
-                            <a14:foregroundMark x1="47900" y1="26296" x2="48049" y2="33412"/>
-                            <a14:foregroundMark x1="51977" y1="47707" x2="50700" y2="69259"/>
-                            <a14:foregroundMark x1="52900" y1="32130" x2="52522" y2="38516"/>
-                            <a14:foregroundMark x1="34599" y1="45833" x2="31000" y2="45833"/>
-                            <a14:foregroundMark x1="45166" y1="45833" x2="38065" y2="45833"/>
-                            <a14:foregroundMark x1="53337" y1="46493" x2="66200" y2="48056"/>
-                            <a14:foregroundMark x1="48625" y1="45920" x2="48922" y2="45956"/>
-                            <a14:foregroundMark x1="39990" y1="44871" x2="45241" y2="45509"/>
-                            <a14:foregroundMark x1="34200" y1="44167" x2="34415" y2="44193"/>
-                            <a14:foregroundMark x1="71800" y1="48056" x2="71800" y2="48056"/>
-                            <a14:foregroundMark x1="70400" y1="44167" x2="60200" y2="44815"/>
-                            <a14:foregroundMark x1="47700" y1="26481" x2="47700" y2="58519"/>
-                            <a14:foregroundMark x1="50700" y1="37037" x2="60600" y2="43519"/>
-                            <a14:foregroundMark x1="60600" y1="43519" x2="71400" y2="45000"/>
-                            <a14:foregroundMark x1="74900" y1="46852" x2="64700" y2="51944"/>
-                            <a14:foregroundMark x1="64700" y1="51944" x2="53500" y2="52685"/>
-                            <a14:foregroundMark x1="53500" y1="52685" x2="53700" y2="63519"/>
-                            <a14:foregroundMark x1="53700" y1="63519" x2="25700" y2="46204"/>
-                            <a14:foregroundMark x1="25700" y1="46204" x2="36300" y2="41296"/>
-                            <a14:foregroundMark x1="36300" y1="41296" x2="43500" y2="41296"/>
-                            <a14:foregroundMark x1="43300" y1="44074" x2="43900" y2="52315"/>
-                            <a14:foregroundMark x1="38100" y1="44722" x2="38600" y2="43241"/>
-                            <a14:foregroundMark x1="50000" y1="43889" x2="51400" y2="33519"/>
-                            <a14:foregroundMark x1="51400" y1="33519" x2="48600" y2="24907"/>
-                            <a14:foregroundMark x1="46700" y1="24537" x2="41900" y2="34444"/>
-                            <a14:foregroundMark x1="41900" y1="34444" x2="42300" y2="34815"/>
-                            <a14:foregroundMark x1="55300" y1="30556" x2="47000" y2="23519"/>
-                            <a14:foregroundMark x1="47000" y1="23519" x2="45800" y2="23889"/>
-                            <a14:foregroundMark x1="53300" y1="42222" x2="51900" y2="47963"/>
-                            <a14:foregroundMark x1="51000" y1="48611" x2="51800" y2="41944"/>
-                            <a14:foregroundMark x1="50200" y1="41111" x2="49800" y2="34167"/>
-                            <a14:foregroundMark x1="55100" y1="65833" x2="44900" y2="62870"/>
-                            <a14:foregroundMark x1="48400" y1="63241" x2="50300" y2="59167"/>
-                            <a14:foregroundMark x1="50500" y1="60278" x2="47500" y2="64537"/>
-                            <a14:foregroundMark x1="47000" y1="53519" x2="42400" y2="51667"/>
-                            <a14:foregroundMark x1="50000" y1="50185" x2="46300" y2="52037"/>
-                            <a14:foregroundMark x1="52500" y1="43426" x2="47300" y2="53519"/>
-                            <a14:foregroundMark x1="47300" y1="53519" x2="49600" y2="50185"/>
-                            <a14:foregroundMark x1="50700" y1="44259" x2="47900" y2="41481"/>
-                            <a14:foregroundMark x1="45300" y1="41574" x2="46800" y2="40648"/>
-                            <a14:foregroundMark x1="52100" y1="35278" x2="47400" y2="33796"/>
-                            <a14:foregroundMark x1="48800" y1="34907" x2="53000" y2="37685"/>
-                            <a14:foregroundMark x1="50300" y1="33611" x2="50700" y2="32870"/>
-                            <a14:foregroundMark x1="50200" y1="33796" x2="48800" y2="32685"/>
-                            <a14:foregroundMark x1="51000" y1="39630" x2="51900" y2="41481"/>
-                            <a14:foregroundMark x1="38600" y1="43241" x2="49800" y2="39259"/>
-                            <a14:foregroundMark x1="49800" y1="39259" x2="55300" y2="44907"/>
-                            <a14:foregroundMark x1="52600" y1="43704" x2="35300" y2="45833"/>
-                            <a14:foregroundMark x1="34000" y1="45185" x2="40700" y2="44352"/>
-                            <a14:foregroundMark x1="52100" y1="42222" x2="51900" y2="40278"/>
-                            <a14:foregroundMark x1="49500" y1="32870" x2="52800" y2="44630"/>
-                            <a14:foregroundMark x1="52800" y1="44630" x2="49700" y2="33981"/>
-                            <a14:foregroundMark x1="49700" y1="33981" x2="50700" y2="37407"/>
-                            <a14:foregroundMark x1="53700" y1="43704" x2="55600" y2="41481"/>
-                            <a14:foregroundMark x1="46000" y1="50556" x2="44600" y2="58704"/>
-                            <a14:foregroundMark x1="48400" y1="46852" x2="45400" y2="49444"/>
-                            <a14:foregroundMark x1="56100" y1="44259" x2="54200" y2="41574"/>
-                            <a14:backgroundMark x1="8900" y1="3611" x2="8900" y2="3611"/>
-                            <a14:backgroundMark x1="9300" y1="3611" x2="4300" y2="9352"/>
-                            <a14:backgroundMark x1="19100" y1="2315" x2="200" y2="12870"/>
-                            <a14:backgroundMark x1="55705" y1="42207" x2="55364" y2="42511"/>
-                            <a14:backgroundMark x1="45999" y1="49740" x2="45811" y2="50549"/>
-                          </a14:backgroundRemoval>
-                        </a14:imgEffect>
-                      </a14:imgLayer>
-                    </a14:imgProps>
-                  </a:ext>
-                  <a:ext uri="{28A0092B-C50C-407E-A947-70E740481C1C}">
-                    <a14:useLocalDpi xmlns:a14="http://schemas.microsoft.com/office/drawing/2010/main" val="0"/>
-                  </a:ext>
-                </a:extLst>
-              </a:blip>
-              <a:srcRect b="7725"/>
-              <a:stretch/>
-            </p:blipFill>
-            <p:spPr>
-              <a:xfrm flipH="1">
-                <a:off x="2262927" y="3712321"/>
-                <a:ext cx="575582" cy="573608"/>
-              </a:xfrm>
-              <a:prstGeom prst="rect">
-                <a:avLst/>
-              </a:prstGeom>
-            </p:spPr>
-          </p:pic>
-        </p:grpSp>
-      </p:grpSp>
-      <p:sp>
-        <p:nvSpPr>
-          <p:cNvPr id="52" name="Seta: para Cima 51">
-            <a:extLst>
-              <a:ext uri="{FF2B5EF4-FFF2-40B4-BE49-F238E27FC236}">
-                <a16:creationId xmlns:a16="http://schemas.microsoft.com/office/drawing/2014/main" id="{705BDEFA-8C3D-4B68-A866-95ACBC569ABC}"/>
+      <p:sp>
+        <p:nvSpPr>
+          <p:cNvPr id="28" name="Nuvem 27">
+            <a:extLst>
+              <a:ext uri="{FF2B5EF4-FFF2-40B4-BE49-F238E27FC236}">
+                <a16:creationId xmlns:a16="http://schemas.microsoft.com/office/drawing/2014/main" id="{28FCD83E-B672-42E5-8C85-73EE5C9DB2D2}"/>
               </a:ext>
             </a:extLst>
           </p:cNvPr>
@@ -7501,7 +7371,58 @@
         </p:nvSpPr>
         <p:spPr>
           <a:xfrm>
-            <a:off x="1813236" y="3816612"/>
+            <a:off x="7925926" y="1430964"/>
+            <a:ext cx="4125402" cy="2361476"/>
+          </a:xfrm>
+          <a:prstGeom prst="cloud">
+            <a:avLst/>
+          </a:prstGeom>
+          <a:ln>
+            <a:solidFill>
+              <a:schemeClr val="accent1">
+                <a:lumMod val="75000"/>
+              </a:schemeClr>
+            </a:solidFill>
+          </a:ln>
+        </p:spPr>
+        <p:style>
+          <a:lnRef idx="2">
+            <a:schemeClr val="accent6"/>
+          </a:lnRef>
+          <a:fillRef idx="1">
+            <a:schemeClr val="lt1"/>
+          </a:fillRef>
+          <a:effectRef idx="0">
+            <a:schemeClr val="accent6"/>
+          </a:effectRef>
+          <a:fontRef idx="minor">
+            <a:schemeClr val="dk1"/>
+          </a:fontRef>
+        </p:style>
+        <p:txBody>
+          <a:bodyPr rtlCol="0" anchor="ctr"/>
+          <a:lstStyle/>
+          <a:p>
+            <a:pPr algn="ctr"/>
+            <a:endParaRPr lang="pt-BR" dirty="0"/>
+          </a:p>
+        </p:txBody>
+      </p:sp>
+      <p:sp>
+        <p:nvSpPr>
+          <p:cNvPr id="52" name="Seta: para Cima 51">
+            <a:extLst>
+              <a:ext uri="{FF2B5EF4-FFF2-40B4-BE49-F238E27FC236}">
+                <a16:creationId xmlns:a16="http://schemas.microsoft.com/office/drawing/2014/main" id="{705BDEFA-8C3D-4B68-A866-95ACBC569ABC}"/>
+              </a:ext>
+            </a:extLst>
+          </p:cNvPr>
+          <p:cNvSpPr/>
+          <p:nvPr/>
+        </p:nvSpPr>
+        <p:spPr>
+          <a:xfrm>
+            <a:off x="1800948" y="3559416"/>
             <a:ext cx="193433" cy="480656"/>
           </a:xfrm>
           <a:prstGeom prst="upArrow">
@@ -7547,8 +7468,8 @@
         </p:nvSpPr>
         <p:spPr>
           <a:xfrm>
-            <a:off x="4115591" y="6551004"/>
-            <a:ext cx="689612" cy="369332"/>
+            <a:off x="5514743" y="6384043"/>
+            <a:ext cx="700833" cy="369332"/>
           </a:xfrm>
           <a:prstGeom prst="rect">
             <a:avLst/>
@@ -7562,7 +7483,7 @@
           <a:lstStyle/>
           <a:p>
             <a:r>
-              <a:rPr lang="pt-BR" dirty="0"/>
+              <a:rPr lang="pt-BR" b="1" dirty="0"/>
               <a:t>Inicio</a:t>
             </a:r>
           </a:p>
@@ -7582,8 +7503,8 @@
         </p:nvSpPr>
         <p:spPr>
           <a:xfrm>
-            <a:off x="8876109" y="5498486"/>
-            <a:ext cx="527709" cy="369332"/>
+            <a:off x="10587019" y="6169792"/>
+            <a:ext cx="789891" cy="369332"/>
           </a:xfrm>
           <a:prstGeom prst="rect">
             <a:avLst/>
@@ -7597,7 +7518,7 @@
           <a:lstStyle/>
           <a:p>
             <a:r>
-              <a:rPr lang="pt-BR" dirty="0"/>
+              <a:rPr lang="pt-BR" b="1" dirty="0"/>
               <a:t>Fim</a:t>
             </a:r>
           </a:p>
@@ -7617,8 +7538,8 @@
         </p:nvGrpSpPr>
         <p:grpSpPr>
           <a:xfrm>
-            <a:off x="210081" y="2417837"/>
-            <a:ext cx="3827843" cy="1360984"/>
+            <a:off x="210080" y="2062379"/>
+            <a:ext cx="3899629" cy="1347184"/>
             <a:chOff x="496095" y="2460756"/>
             <a:chExt cx="3827843" cy="1360984"/>
           </a:xfrm>
@@ -7936,7 +7857,7 @@
         </p:nvCxnSpPr>
         <p:spPr>
           <a:xfrm>
-            <a:off x="4240947" y="3290499"/>
+            <a:off x="4333905" y="2746016"/>
             <a:ext cx="662304" cy="67847"/>
           </a:xfrm>
           <a:prstGeom prst="straightConnector1">
@@ -7976,11 +7897,11 @@
           <p:nvPr/>
         </p:nvPicPr>
         <p:blipFill>
-          <a:blip r:embed="rId18">
+          <a:blip r:embed="rId6">
             <a:extLst>
               <a:ext uri="{BEBA8EAE-BF5A-486C-A8C5-ECC9F3942E4B}">
                 <a14:imgProps xmlns:a14="http://schemas.microsoft.com/office/drawing/2010/main">
-                  <a14:imgLayer r:embed="rId19">
+                  <a14:imgLayer r:embed="rId7">
                     <a14:imgEffect>
                       <a14:backgroundRemoval t="10000" b="90000" l="10000" r="90000">
                         <a14:foregroundMark x1="30957" y1="32910" x2="33008" y2="37109"/>
@@ -8016,132 +7937,14 @@
         </p:blipFill>
         <p:spPr>
           <a:xfrm flipH="1">
-            <a:off x="7858366" y="3995995"/>
-            <a:ext cx="1961743" cy="1961743"/>
+            <a:off x="7333807" y="4318989"/>
+            <a:ext cx="1766833" cy="1766833"/>
           </a:xfrm>
           <a:prstGeom prst="rect">
             <a:avLst/>
           </a:prstGeom>
         </p:spPr>
       </p:pic>
-      <p:pic>
-        <p:nvPicPr>
-          <p:cNvPr id="60" name="Imagem 59">
-            <a:extLst>
-              <a:ext uri="{FF2B5EF4-FFF2-40B4-BE49-F238E27FC236}">
-                <a16:creationId xmlns:a16="http://schemas.microsoft.com/office/drawing/2014/main" id="{94A56416-67A5-4FC7-8F51-177E41D34C6C}"/>
-              </a:ext>
-            </a:extLst>
-          </p:cNvPr>
-          <p:cNvPicPr>
-            <a:picLocks noChangeAspect="1"/>
-          </p:cNvPicPr>
-          <p:nvPr/>
-        </p:nvPicPr>
-        <p:blipFill>
-          <a:blip r:embed="rId20">
-            <a:extLst>
-              <a:ext uri="{28A0092B-C50C-407E-A947-70E740481C1C}">
-                <a14:useLocalDpi xmlns:a14="http://schemas.microsoft.com/office/drawing/2010/main" val="0"/>
-              </a:ext>
-            </a:extLst>
-          </a:blip>
-          <a:stretch>
-            <a:fillRect/>
-          </a:stretch>
-        </p:blipFill>
-        <p:spPr>
-          <a:xfrm>
-            <a:off x="6642273" y="4198982"/>
-            <a:ext cx="867664" cy="867664"/>
-          </a:xfrm>
-          <a:prstGeom prst="rect">
-            <a:avLst/>
-          </a:prstGeom>
-        </p:spPr>
-      </p:pic>
-      <p:cxnSp>
-        <p:nvCxnSpPr>
-          <p:cNvPr id="26" name="Conector de Seta Reta 25">
-            <a:extLst>
-              <a:ext uri="{FF2B5EF4-FFF2-40B4-BE49-F238E27FC236}">
-                <a16:creationId xmlns:a16="http://schemas.microsoft.com/office/drawing/2014/main" id="{DA6922F7-A288-4F18-B833-57F75D74A6B6}"/>
-              </a:ext>
-            </a:extLst>
-          </p:cNvPr>
-          <p:cNvCxnSpPr>
-            <a:cxnSpLocks/>
-          </p:cNvCxnSpPr>
-          <p:nvPr/>
-        </p:nvCxnSpPr>
-        <p:spPr>
-          <a:xfrm>
-            <a:off x="6006576" y="3814162"/>
-            <a:ext cx="551711" cy="483106"/>
-          </a:xfrm>
-          <a:prstGeom prst="straightConnector1">
-            <a:avLst/>
-          </a:prstGeom>
-          <a:ln>
-            <a:tailEnd type="triangle"/>
-          </a:ln>
-        </p:spPr>
-        <p:style>
-          <a:lnRef idx="1">
-            <a:schemeClr val="dk1"/>
-          </a:lnRef>
-          <a:fillRef idx="0">
-            <a:schemeClr val="dk1"/>
-          </a:fillRef>
-          <a:effectRef idx="0">
-            <a:schemeClr val="dk1"/>
-          </a:effectRef>
-          <a:fontRef idx="minor">
-            <a:schemeClr val="tx1"/>
-          </a:fontRef>
-        </p:style>
-      </p:cxnSp>
-      <p:cxnSp>
-        <p:nvCxnSpPr>
-          <p:cNvPr id="62" name="Conector de Seta Reta 61">
-            <a:extLst>
-              <a:ext uri="{FF2B5EF4-FFF2-40B4-BE49-F238E27FC236}">
-                <a16:creationId xmlns:a16="http://schemas.microsoft.com/office/drawing/2014/main" id="{B55DD352-BACC-4692-AB17-D9A6D9A2DF5C}"/>
-              </a:ext>
-            </a:extLst>
-          </p:cNvPr>
-          <p:cNvCxnSpPr>
-            <a:cxnSpLocks/>
-          </p:cNvCxnSpPr>
-          <p:nvPr/>
-        </p:nvCxnSpPr>
-        <p:spPr>
-          <a:xfrm>
-            <a:off x="7663208" y="4878795"/>
-            <a:ext cx="696790" cy="173801"/>
-          </a:xfrm>
-          <a:prstGeom prst="straightConnector1">
-            <a:avLst/>
-          </a:prstGeom>
-          <a:ln>
-            <a:tailEnd type="triangle"/>
-          </a:ln>
-        </p:spPr>
-        <p:style>
-          <a:lnRef idx="1">
-            <a:schemeClr val="dk1"/>
-          </a:lnRef>
-          <a:fillRef idx="0">
-            <a:schemeClr val="dk1"/>
-          </a:fillRef>
-          <a:effectRef idx="0">
-            <a:schemeClr val="dk1"/>
-          </a:effectRef>
-          <a:fontRef idx="minor">
-            <a:schemeClr val="tx1"/>
-          </a:fontRef>
-        </p:style>
-      </p:cxnSp>
       <p:grpSp>
         <p:nvGrpSpPr>
           <p:cNvPr id="73" name="Agrupar 72">
@@ -8156,7 +7959,7 @@
         </p:nvGrpSpPr>
         <p:grpSpPr>
           <a:xfrm>
-            <a:off x="5011114" y="2922050"/>
+            <a:off x="5067798" y="2450031"/>
             <a:ext cx="1708093" cy="776345"/>
             <a:chOff x="4988250" y="2417837"/>
             <a:chExt cx="1708093" cy="776345"/>
@@ -8252,7 +8055,7 @@
               <p:nvPr/>
             </p:nvPicPr>
             <p:blipFill rotWithShape="1">
-              <a:blip r:embed="rId21">
+              <a:blip r:embed="rId8">
                 <a:extLst>
                   <a:ext uri="{28A0092B-C50C-407E-A947-70E740481C1C}">
                     <a14:useLocalDpi xmlns:a14="http://schemas.microsoft.com/office/drawing/2010/main" val="0"/>
@@ -8287,11 +8090,11 @@
               <p:nvPr/>
             </p:nvPicPr>
             <p:blipFill>
-              <a:blip r:embed="rId22">
+              <a:blip r:embed="rId9">
                 <a:extLst>
                   <a:ext uri="{BEBA8EAE-BF5A-486C-A8C5-ECC9F3942E4B}">
                     <a14:imgProps xmlns:a14="http://schemas.microsoft.com/office/drawing/2010/main">
-                      <a14:imgLayer r:embed="rId23">
+                      <a14:imgLayer r:embed="rId10">
                         <a14:imgEffect>
                           <a14:backgroundRemoval t="1944" b="90926" l="10000" r="90000">
                             <a14:foregroundMark x1="51714" y1="2037" x2="51714" y2="2037"/>
@@ -8336,7 +8139,7 @@
               <p:nvPr/>
             </p:nvPicPr>
             <p:blipFill>
-              <a:blip r:embed="rId24">
+              <a:blip r:embed="rId11">
                 <a:extLst>
                   <a:ext uri="{28A0092B-C50C-407E-A947-70E740481C1C}">
                     <a14:useLocalDpi xmlns:a14="http://schemas.microsoft.com/office/drawing/2010/main" val="0"/>
@@ -8393,11 +8196,11 @@
               <p:nvPr/>
             </p:nvPicPr>
             <p:blipFill rotWithShape="1">
-              <a:blip r:embed="rId25">
+              <a:blip r:embed="rId12">
                 <a:extLst>
                   <a:ext uri="{BEBA8EAE-BF5A-486C-A8C5-ECC9F3942E4B}">
                     <a14:imgProps xmlns:a14="http://schemas.microsoft.com/office/drawing/2010/main">
-                      <a14:imgLayer r:embed="rId26">
+                      <a14:imgLayer r:embed="rId13">
                         <a14:imgEffect>
                           <a14:backgroundRemoval t="9227" b="83044" l="10000" r="90000">
                             <a14:backgroundMark x1="46600" y1="42222" x2="46600" y2="42222"/>
@@ -8441,11 +8244,11 @@
               <p:nvPr/>
             </p:nvPicPr>
             <p:blipFill>
-              <a:blip r:embed="rId22">
+              <a:blip r:embed="rId9">
                 <a:extLst>
                   <a:ext uri="{BEBA8EAE-BF5A-486C-A8C5-ECC9F3942E4B}">
                     <a14:imgProps xmlns:a14="http://schemas.microsoft.com/office/drawing/2010/main">
-                      <a14:imgLayer r:embed="rId23">
+                      <a14:imgLayer r:embed="rId10">
                         <a14:imgEffect>
                           <a14:backgroundRemoval t="1944" b="90926" l="10000" r="90000">
                             <a14:foregroundMark x1="51714" y1="2037" x2="51714" y2="2037"/>
@@ -8490,7 +8293,7 @@
               <p:nvPr/>
             </p:nvPicPr>
             <p:blipFill>
-              <a:blip r:embed="rId24">
+              <a:blip r:embed="rId11">
                 <a:extLst>
                   <a:ext uri="{28A0092B-C50C-407E-A947-70E740481C1C}">
                     <a14:useLocalDpi xmlns:a14="http://schemas.microsoft.com/office/drawing/2010/main" val="0"/>
@@ -8528,7 +8331,7 @@
           <p:nvPr/>
         </p:nvPicPr>
         <p:blipFill>
-          <a:blip r:embed="rId27">
+          <a:blip r:embed="rId14">
             <a:extLst>
               <a:ext uri="{28A0092B-C50C-407E-A947-70E740481C1C}">
                 <a14:useLocalDpi xmlns:a14="http://schemas.microsoft.com/office/drawing/2010/main" val="0"/>
@@ -8541,7 +8344,7 @@
         </p:blipFill>
         <p:spPr>
           <a:xfrm>
-            <a:off x="3131314" y="5825102"/>
+            <a:off x="4487393" y="5662781"/>
             <a:ext cx="1014022" cy="1014022"/>
           </a:xfrm>
           <a:prstGeom prst="rect">
@@ -8563,7 +8366,7 @@
         </p:nvSpPr>
         <p:spPr>
           <a:xfrm>
-            <a:off x="1637978" y="1896949"/>
+            <a:off x="1890066" y="1494312"/>
             <a:ext cx="193433" cy="480656"/>
           </a:xfrm>
           <a:prstGeom prst="upArrow">
@@ -8595,6 +8398,1166 @@
           </a:p>
         </p:txBody>
       </p:sp>
+      <p:grpSp>
+        <p:nvGrpSpPr>
+          <p:cNvPr id="69" name="Agrupar 68">
+            <a:extLst>
+              <a:ext uri="{FF2B5EF4-FFF2-40B4-BE49-F238E27FC236}">
+                <a16:creationId xmlns:a16="http://schemas.microsoft.com/office/drawing/2014/main" id="{1F48AC7B-DE87-4534-AEE4-BDA018EF3913}"/>
+              </a:ext>
+            </a:extLst>
+          </p:cNvPr>
+          <p:cNvGrpSpPr/>
+          <p:nvPr/>
+        </p:nvGrpSpPr>
+        <p:grpSpPr>
+          <a:xfrm>
+            <a:off x="210454" y="4125040"/>
+            <a:ext cx="3990882" cy="1962869"/>
+            <a:chOff x="-33036" y="3089286"/>
+            <a:chExt cx="3614017" cy="1451362"/>
+          </a:xfrm>
+        </p:grpSpPr>
+        <p:sp>
+          <p:nvSpPr>
+            <p:cNvPr id="74" name="CaixaDeTexto 73">
+              <a:extLst>
+                <a:ext uri="{FF2B5EF4-FFF2-40B4-BE49-F238E27FC236}">
+                  <a16:creationId xmlns:a16="http://schemas.microsoft.com/office/drawing/2014/main" id="{DABBA5A5-3AC7-41F5-BC76-C131B60283B8}"/>
+                </a:ext>
+              </a:extLst>
+            </p:cNvPr>
+            <p:cNvSpPr txBox="1"/>
+            <p:nvPr/>
+          </p:nvSpPr>
+          <p:spPr>
+            <a:xfrm>
+              <a:off x="-33036" y="4272397"/>
+              <a:ext cx="3614017" cy="268251"/>
+            </a:xfrm>
+            <a:prstGeom prst="rect">
+              <a:avLst/>
+            </a:prstGeom>
+            <a:noFill/>
+          </p:spPr>
+          <p:txBody>
+            <a:bodyPr wrap="none" rtlCol="0">
+              <a:spAutoFit/>
+            </a:bodyPr>
+            <a:lstStyle/>
+            <a:p>
+              <a:r>
+                <a:rPr lang="pt-BR" sz="1600" dirty="0"/>
+                <a:t>Aplicativos para modelagem e renderização 3D</a:t>
+              </a:r>
+            </a:p>
+          </p:txBody>
+        </p:sp>
+        <p:grpSp>
+          <p:nvGrpSpPr>
+            <p:cNvPr id="75" name="Agrupar 74">
+              <a:extLst>
+                <a:ext uri="{FF2B5EF4-FFF2-40B4-BE49-F238E27FC236}">
+                  <a16:creationId xmlns:a16="http://schemas.microsoft.com/office/drawing/2014/main" id="{6597A053-E1F7-4B4D-BF06-7FEF4BD0F587}"/>
+                </a:ext>
+              </a:extLst>
+            </p:cNvPr>
+            <p:cNvGrpSpPr/>
+            <p:nvPr/>
+          </p:nvGrpSpPr>
+          <p:grpSpPr>
+            <a:xfrm>
+              <a:off x="349824" y="3089286"/>
+              <a:ext cx="2393170" cy="1196642"/>
+              <a:chOff x="349824" y="3089286"/>
+              <a:chExt cx="2393170" cy="1196642"/>
+            </a:xfrm>
+          </p:grpSpPr>
+          <p:sp>
+            <p:nvSpPr>
+              <p:cNvPr id="76" name="Retângulo 75">
+                <a:extLst>
+                  <a:ext uri="{FF2B5EF4-FFF2-40B4-BE49-F238E27FC236}">
+                    <a16:creationId xmlns:a16="http://schemas.microsoft.com/office/drawing/2014/main" id="{4F05D293-6BBB-4A59-99CE-78121344EC04}"/>
+                  </a:ext>
+                </a:extLst>
+              </p:cNvPr>
+              <p:cNvSpPr/>
+              <p:nvPr/>
+            </p:nvSpPr>
+            <p:spPr>
+              <a:xfrm>
+                <a:off x="392049" y="3156323"/>
+                <a:ext cx="2216552" cy="1064164"/>
+              </a:xfrm>
+              <a:prstGeom prst="rect">
+                <a:avLst/>
+              </a:prstGeom>
+              <a:ln>
+                <a:solidFill>
+                  <a:schemeClr val="tx1">
+                    <a:lumMod val="95000"/>
+                    <a:lumOff val="5000"/>
+                  </a:schemeClr>
+                </a:solidFill>
+                <a:prstDash val="sysDash"/>
+              </a:ln>
+            </p:spPr>
+            <p:style>
+              <a:lnRef idx="2">
+                <a:schemeClr val="accent6"/>
+              </a:lnRef>
+              <a:fillRef idx="1">
+                <a:schemeClr val="lt1"/>
+              </a:fillRef>
+              <a:effectRef idx="0">
+                <a:schemeClr val="accent6"/>
+              </a:effectRef>
+              <a:fontRef idx="minor">
+                <a:schemeClr val="dk1"/>
+              </a:fontRef>
+            </p:style>
+            <p:txBody>
+              <a:bodyPr rtlCol="0" anchor="ctr"/>
+              <a:lstStyle/>
+              <a:p>
+                <a:pPr algn="ctr"/>
+                <a:endParaRPr lang="pt-BR" sz="1000" dirty="0"/>
+              </a:p>
+            </p:txBody>
+          </p:sp>
+          <p:pic>
+            <p:nvPicPr>
+              <p:cNvPr id="77" name="Imagem 76">
+                <a:extLst>
+                  <a:ext uri="{FF2B5EF4-FFF2-40B4-BE49-F238E27FC236}">
+                    <a16:creationId xmlns:a16="http://schemas.microsoft.com/office/drawing/2014/main" id="{25CDB5B9-956E-4AD7-B601-F5025E82E1C2}"/>
+                  </a:ext>
+                </a:extLst>
+              </p:cNvPr>
+              <p:cNvPicPr>
+                <a:picLocks noChangeAspect="1"/>
+              </p:cNvPicPr>
+              <p:nvPr/>
+            </p:nvPicPr>
+            <p:blipFill>
+              <a:blip r:embed="rId15">
+                <a:extLst>
+                  <a:ext uri="{28A0092B-C50C-407E-A947-70E740481C1C}">
+                    <a14:useLocalDpi xmlns:a14="http://schemas.microsoft.com/office/drawing/2010/main" val="0"/>
+                  </a:ext>
+                </a:extLst>
+              </a:blip>
+              <a:stretch>
+                <a:fillRect/>
+              </a:stretch>
+            </p:blipFill>
+            <p:spPr>
+              <a:xfrm>
+                <a:off x="2028746" y="3266474"/>
+                <a:ext cx="452541" cy="370129"/>
+              </a:xfrm>
+              <a:prstGeom prst="rect">
+                <a:avLst/>
+              </a:prstGeom>
+            </p:spPr>
+          </p:pic>
+          <p:pic>
+            <p:nvPicPr>
+              <p:cNvPr id="78" name="Imagem 77">
+                <a:extLst>
+                  <a:ext uri="{FF2B5EF4-FFF2-40B4-BE49-F238E27FC236}">
+                    <a16:creationId xmlns:a16="http://schemas.microsoft.com/office/drawing/2014/main" id="{FC2F64D4-FC14-4AFB-AFC8-74F25738CE2C}"/>
+                  </a:ext>
+                </a:extLst>
+              </p:cNvPr>
+              <p:cNvPicPr>
+                <a:picLocks noChangeAspect="1"/>
+              </p:cNvPicPr>
+              <p:nvPr/>
+            </p:nvPicPr>
+            <p:blipFill>
+              <a:blip r:embed="rId16">
+                <a:extLst>
+                  <a:ext uri="{28A0092B-C50C-407E-A947-70E740481C1C}">
+                    <a14:useLocalDpi xmlns:a14="http://schemas.microsoft.com/office/drawing/2010/main" val="0"/>
+                  </a:ext>
+                </a:extLst>
+              </a:blip>
+              <a:stretch>
+                <a:fillRect/>
+              </a:stretch>
+            </p:blipFill>
+            <p:spPr>
+              <a:xfrm>
+                <a:off x="582852" y="3288119"/>
+                <a:ext cx="320651" cy="320651"/>
+              </a:xfrm>
+              <a:prstGeom prst="rect">
+                <a:avLst/>
+              </a:prstGeom>
+            </p:spPr>
+          </p:pic>
+          <p:pic>
+            <p:nvPicPr>
+              <p:cNvPr id="79" name="Imagem 78">
+                <a:extLst>
+                  <a:ext uri="{FF2B5EF4-FFF2-40B4-BE49-F238E27FC236}">
+                    <a16:creationId xmlns:a16="http://schemas.microsoft.com/office/drawing/2014/main" id="{5A399EE2-1D87-4635-A945-8C1662414B31}"/>
+                  </a:ext>
+                </a:extLst>
+              </p:cNvPr>
+              <p:cNvPicPr>
+                <a:picLocks noChangeAspect="1"/>
+              </p:cNvPicPr>
+              <p:nvPr/>
+            </p:nvPicPr>
+            <p:blipFill>
+              <a:blip r:embed="rId17">
+                <a:extLst>
+                  <a:ext uri="{28A0092B-C50C-407E-A947-70E740481C1C}">
+                    <a14:useLocalDpi xmlns:a14="http://schemas.microsoft.com/office/drawing/2010/main" val="0"/>
+                  </a:ext>
+                </a:extLst>
+              </a:blip>
+              <a:stretch>
+                <a:fillRect/>
+              </a:stretch>
+            </p:blipFill>
+            <p:spPr>
+              <a:xfrm>
+                <a:off x="524519" y="3860821"/>
+                <a:ext cx="299233" cy="291979"/>
+              </a:xfrm>
+              <a:prstGeom prst="rect">
+                <a:avLst/>
+              </a:prstGeom>
+            </p:spPr>
+          </p:pic>
+          <p:pic>
+            <p:nvPicPr>
+              <p:cNvPr id="80" name="Imagem 79">
+                <a:extLst>
+                  <a:ext uri="{FF2B5EF4-FFF2-40B4-BE49-F238E27FC236}">
+                    <a16:creationId xmlns:a16="http://schemas.microsoft.com/office/drawing/2014/main" id="{CBFF054C-E15E-4287-AC47-B74A6A2AF121}"/>
+                  </a:ext>
+                </a:extLst>
+              </p:cNvPr>
+              <p:cNvPicPr>
+                <a:picLocks noChangeAspect="1"/>
+              </p:cNvPicPr>
+              <p:nvPr/>
+            </p:nvPicPr>
+            <p:blipFill>
+              <a:blip r:embed="rId18">
+                <a:extLst>
+                  <a:ext uri="{28A0092B-C50C-407E-A947-70E740481C1C}">
+                    <a14:useLocalDpi xmlns:a14="http://schemas.microsoft.com/office/drawing/2010/main" val="0"/>
+                  </a:ext>
+                </a:extLst>
+              </a:blip>
+              <a:stretch>
+                <a:fillRect/>
+              </a:stretch>
+            </p:blipFill>
+            <p:spPr>
+              <a:xfrm>
+                <a:off x="1333632" y="3872789"/>
+                <a:ext cx="287928" cy="287928"/>
+              </a:xfrm>
+              <a:prstGeom prst="rect">
+                <a:avLst/>
+              </a:prstGeom>
+            </p:spPr>
+          </p:pic>
+          <p:pic>
+            <p:nvPicPr>
+              <p:cNvPr id="81" name="Imagem 80">
+                <a:extLst>
+                  <a:ext uri="{FF2B5EF4-FFF2-40B4-BE49-F238E27FC236}">
+                    <a16:creationId xmlns:a16="http://schemas.microsoft.com/office/drawing/2014/main" id="{CC6E16AB-BB7A-4F62-A45E-D577C1CE7DF0}"/>
+                  </a:ext>
+                </a:extLst>
+              </p:cNvPr>
+              <p:cNvPicPr>
+                <a:picLocks noChangeAspect="1"/>
+              </p:cNvPicPr>
+              <p:nvPr/>
+            </p:nvPicPr>
+            <p:blipFill>
+              <a:blip r:embed="rId19">
+                <a:extLst>
+                  <a:ext uri="{28A0092B-C50C-407E-A947-70E740481C1C}">
+                    <a14:useLocalDpi xmlns:a14="http://schemas.microsoft.com/office/drawing/2010/main" val="0"/>
+                  </a:ext>
+                </a:extLst>
+              </a:blip>
+              <a:stretch>
+                <a:fillRect/>
+              </a:stretch>
+            </p:blipFill>
+            <p:spPr>
+              <a:xfrm>
+                <a:off x="1321954" y="3298502"/>
+                <a:ext cx="292885" cy="299883"/>
+              </a:xfrm>
+              <a:prstGeom prst="rect">
+                <a:avLst/>
+              </a:prstGeom>
+            </p:spPr>
+          </p:pic>
+          <p:sp>
+            <p:nvSpPr>
+              <p:cNvPr id="82" name="CaixaDeTexto 81">
+                <a:extLst>
+                  <a:ext uri="{FF2B5EF4-FFF2-40B4-BE49-F238E27FC236}">
+                    <a16:creationId xmlns:a16="http://schemas.microsoft.com/office/drawing/2014/main" id="{AC67D04D-2CDB-406B-A29D-18E14792DA3C}"/>
+                  </a:ext>
+                </a:extLst>
+              </p:cNvPr>
+              <p:cNvSpPr txBox="1"/>
+              <p:nvPr/>
+            </p:nvSpPr>
+            <p:spPr>
+              <a:xfrm>
+                <a:off x="349824" y="3099562"/>
+                <a:ext cx="890180" cy="276999"/>
+              </a:xfrm>
+              <a:prstGeom prst="rect">
+                <a:avLst/>
+              </a:prstGeom>
+              <a:noFill/>
+            </p:spPr>
+            <p:txBody>
+              <a:bodyPr wrap="none" rtlCol="0">
+                <a:spAutoFit/>
+              </a:bodyPr>
+              <a:lstStyle/>
+              <a:p>
+                <a:r>
+                  <a:rPr lang="pt-BR" sz="1200" dirty="0"/>
+                  <a:t>Studio Max</a:t>
+                </a:r>
+              </a:p>
+            </p:txBody>
+          </p:sp>
+          <p:sp>
+            <p:nvSpPr>
+              <p:cNvPr id="83" name="CaixaDeTexto 82">
+                <a:extLst>
+                  <a:ext uri="{FF2B5EF4-FFF2-40B4-BE49-F238E27FC236}">
+                    <a16:creationId xmlns:a16="http://schemas.microsoft.com/office/drawing/2014/main" id="{6686719E-F690-45B5-9511-04088CD077A5}"/>
+                  </a:ext>
+                </a:extLst>
+              </p:cNvPr>
+              <p:cNvSpPr txBox="1"/>
+              <p:nvPr/>
+            </p:nvSpPr>
+            <p:spPr>
+              <a:xfrm>
+                <a:off x="1180791" y="3101827"/>
+                <a:ext cx="826124" cy="276999"/>
+              </a:xfrm>
+              <a:prstGeom prst="rect">
+                <a:avLst/>
+              </a:prstGeom>
+              <a:noFill/>
+            </p:spPr>
+            <p:txBody>
+              <a:bodyPr wrap="none" rtlCol="0">
+                <a:spAutoFit/>
+              </a:bodyPr>
+              <a:lstStyle/>
+              <a:p>
+                <a:r>
+                  <a:rPr lang="pt-BR" sz="1200" dirty="0"/>
+                  <a:t>Illustrator </a:t>
+                </a:r>
+              </a:p>
+            </p:txBody>
+          </p:sp>
+          <p:sp>
+            <p:nvSpPr>
+              <p:cNvPr id="84" name="CaixaDeTexto 83">
+                <a:extLst>
+                  <a:ext uri="{FF2B5EF4-FFF2-40B4-BE49-F238E27FC236}">
+                    <a16:creationId xmlns:a16="http://schemas.microsoft.com/office/drawing/2014/main" id="{22FFDFCB-F5E5-4B57-ADA6-E4AB7829E0D5}"/>
+                  </a:ext>
+                </a:extLst>
+              </p:cNvPr>
+              <p:cNvSpPr txBox="1"/>
+              <p:nvPr/>
+            </p:nvSpPr>
+            <p:spPr>
+              <a:xfrm>
+                <a:off x="1938803" y="3089286"/>
+                <a:ext cx="705642" cy="276999"/>
+              </a:xfrm>
+              <a:prstGeom prst="rect">
+                <a:avLst/>
+              </a:prstGeom>
+              <a:noFill/>
+            </p:spPr>
+            <p:txBody>
+              <a:bodyPr wrap="none" rtlCol="0">
+                <a:spAutoFit/>
+              </a:bodyPr>
+              <a:lstStyle/>
+              <a:p>
+                <a:r>
+                  <a:rPr lang="pt-BR" sz="1200" dirty="0"/>
+                  <a:t>Blender </a:t>
+                </a:r>
+              </a:p>
+            </p:txBody>
+          </p:sp>
+          <p:sp>
+            <p:nvSpPr>
+              <p:cNvPr id="85" name="CaixaDeTexto 84">
+                <a:extLst>
+                  <a:ext uri="{FF2B5EF4-FFF2-40B4-BE49-F238E27FC236}">
+                    <a16:creationId xmlns:a16="http://schemas.microsoft.com/office/drawing/2014/main" id="{4D82046A-93BA-4B9D-A278-17C72D232EEB}"/>
+                  </a:ext>
+                </a:extLst>
+              </p:cNvPr>
+              <p:cNvSpPr txBox="1"/>
+              <p:nvPr/>
+            </p:nvSpPr>
+            <p:spPr>
+              <a:xfrm>
+                <a:off x="356205" y="3628612"/>
+                <a:ext cx="803425" cy="276999"/>
+              </a:xfrm>
+              <a:prstGeom prst="rect">
+                <a:avLst/>
+              </a:prstGeom>
+              <a:noFill/>
+            </p:spPr>
+            <p:txBody>
+              <a:bodyPr wrap="none" rtlCol="0">
+                <a:spAutoFit/>
+              </a:bodyPr>
+              <a:lstStyle/>
+              <a:p>
+                <a:r>
+                  <a:rPr lang="pt-BR" sz="1200" dirty="0"/>
+                  <a:t>Adobe XD</a:t>
+                </a:r>
+              </a:p>
+            </p:txBody>
+          </p:sp>
+          <p:sp>
+            <p:nvSpPr>
+              <p:cNvPr id="86" name="CaixaDeTexto 85">
+                <a:extLst>
+                  <a:ext uri="{FF2B5EF4-FFF2-40B4-BE49-F238E27FC236}">
+                    <a16:creationId xmlns:a16="http://schemas.microsoft.com/office/drawing/2014/main" id="{45C8B967-470C-449D-9460-BF5C3336BF27}"/>
+                  </a:ext>
+                </a:extLst>
+              </p:cNvPr>
+              <p:cNvSpPr txBox="1"/>
+              <p:nvPr/>
+            </p:nvSpPr>
+            <p:spPr>
+              <a:xfrm>
+                <a:off x="1159630" y="3619066"/>
+                <a:ext cx="791307" cy="276999"/>
+              </a:xfrm>
+              <a:prstGeom prst="rect">
+                <a:avLst/>
+              </a:prstGeom>
+              <a:noFill/>
+            </p:spPr>
+            <p:txBody>
+              <a:bodyPr wrap="none" rtlCol="0">
+                <a:spAutoFit/>
+              </a:bodyPr>
+              <a:lstStyle/>
+              <a:p>
+                <a:r>
+                  <a:rPr lang="pt-BR" sz="1200" dirty="0"/>
+                  <a:t>Premiere </a:t>
+                </a:r>
+              </a:p>
+            </p:txBody>
+          </p:sp>
+          <p:pic>
+            <p:nvPicPr>
+              <p:cNvPr id="87" name="Imagem 86">
+                <a:extLst>
+                  <a:ext uri="{FF2B5EF4-FFF2-40B4-BE49-F238E27FC236}">
+                    <a16:creationId xmlns:a16="http://schemas.microsoft.com/office/drawing/2014/main" id="{8033A15E-C07F-4CCA-9982-285EE378DB24}"/>
+                  </a:ext>
+                </a:extLst>
+              </p:cNvPr>
+              <p:cNvPicPr>
+                <a:picLocks noChangeAspect="1"/>
+              </p:cNvPicPr>
+              <p:nvPr/>
+            </p:nvPicPr>
+            <p:blipFill rotWithShape="1">
+              <a:blip r:embed="rId20">
+                <a:extLst>
+                  <a:ext uri="{BEBA8EAE-BF5A-486C-A8C5-ECC9F3942E4B}">
+                    <a14:imgProps xmlns:a14="http://schemas.microsoft.com/office/drawing/2010/main">
+                      <a14:imgLayer r:embed="rId21">
+                        <a14:imgEffect>
+                          <a14:backgroundRemoval t="1667" b="89907" l="300" r="98000">
+                            <a14:foregroundMark x1="47500" y1="11389" x2="31600" y2="13796"/>
+                            <a14:foregroundMark x1="31600" y1="13796" x2="25500" y2="16759"/>
+                            <a14:foregroundMark x1="26500" y1="15278" x2="35600" y2="14352"/>
+                            <a14:foregroundMark x1="35600" y1="14352" x2="65300" y2="15278"/>
+                            <a14:foregroundMark x1="65300" y1="15278" x2="72400" y2="18148"/>
+                            <a14:foregroundMark x1="72400" y1="18148" x2="75600" y2="27500"/>
+                            <a14:foregroundMark x1="82200" y1="32407" x2="87500" y2="54815"/>
+                            <a14:foregroundMark x1="87500" y1="54815" x2="82800" y2="62870"/>
+                            <a14:foregroundMark x1="82800" y1="62870" x2="76800" y2="67222"/>
+                            <a14:foregroundMark x1="76800" y1="67222" x2="71900" y2="73981"/>
+                            <a14:foregroundMark x1="71900" y1="73981" x2="64200" y2="76852"/>
+                            <a14:foregroundMark x1="64200" y1="76852" x2="44600" y2="78519"/>
+                            <a14:foregroundMark x1="44600" y1="78519" x2="36700" y2="76296"/>
+                            <a14:foregroundMark x1="36700" y1="76296" x2="14300" y2="61296"/>
+                            <a14:foregroundMark x1="14300" y1="61296" x2="10100" y2="53611"/>
+                            <a14:foregroundMark x1="10100" y1="53611" x2="11100" y2="32778"/>
+                            <a14:foregroundMark x1="11100" y1="32778" x2="14400" y2="25093"/>
+                            <a14:foregroundMark x1="14400" y1="25093" x2="27800" y2="16481"/>
+                            <a14:foregroundMark x1="46300" y1="19444" x2="22200" y2="22037"/>
+                            <a14:foregroundMark x1="22200" y1="22037" x2="20500" y2="24722"/>
+                            <a14:foregroundMark x1="29400" y1="24537" x2="25200" y2="39352"/>
+                            <a14:foregroundMark x1="25200" y1="39352" x2="19600" y2="41019"/>
+                            <a14:foregroundMark x1="59600" y1="31944" x2="67000" y2="28889"/>
+                            <a14:foregroundMark x1="67000" y1="28889" x2="67600" y2="28796"/>
+                            <a14:foregroundMark x1="71900" y1="29815" x2="67300" y2="35926"/>
+                            <a14:foregroundMark x1="67300" y1="35926" x2="65300" y2="37500"/>
+                            <a14:foregroundMark x1="77700" y1="78333" x2="83900" y2="64907"/>
+                            <a14:foregroundMark x1="83900" y1="64907" x2="90500" y2="59907"/>
+                            <a14:foregroundMark x1="90500" y1="59907" x2="94800" y2="52870"/>
+                            <a14:foregroundMark x1="94800" y1="52870" x2="87200" y2="30093"/>
+                            <a14:foregroundMark x1="87200" y1="30093" x2="82900" y2="23519"/>
+                            <a14:foregroundMark x1="82900" y1="23519" x2="82700" y2="22870"/>
+                            <a14:foregroundMark x1="54600" y1="2500" x2="37400" y2="5093"/>
+                            <a14:foregroundMark x1="37400" y1="5093" x2="37400" y2="5093"/>
+                            <a14:foregroundMark x1="60100" y1="7593" x2="70800" y2="10833"/>
+                            <a14:foregroundMark x1="70800" y1="10833" x2="77100" y2="16204"/>
+                            <a14:foregroundMark x1="77100" y1="16204" x2="84700" y2="18519"/>
+                            <a14:foregroundMark x1="84700" y1="18519" x2="92100" y2="31759"/>
+                            <a14:foregroundMark x1="95500" y1="39815" x2="98000" y2="46944"/>
+                            <a14:foregroundMark x1="98000" y1="46944" x2="98000" y2="52315"/>
+                            <a14:foregroundMark x1="49100" y1="1667" x2="43100" y2="2963"/>
+                            <a14:foregroundMark x1="6600" y1="28148" x2="300" y2="43796"/>
+                            <a14:foregroundMark x1="300" y1="43796" x2="5200" y2="55278"/>
+                            <a14:foregroundMark x1="8400" y1="60926" x2="12000" y2="67870"/>
+                            <a14:foregroundMark x1="12000" y1="67870" x2="25100" y2="75648"/>
+                            <a14:foregroundMark x1="25100" y1="75648" x2="40600" y2="79352"/>
+                            <a14:foregroundMark x1="71000" y1="81667" x2="53500" y2="85093"/>
+                            <a14:foregroundMark x1="53500" y1="85093" x2="27900" y2="83704"/>
+                            <a14:foregroundMark x1="27900" y1="83704" x2="26000" y2="81944"/>
+                            <a14:foregroundMark x1="52700" y1="87870" x2="60300" y2="87593"/>
+                            <a14:foregroundMark x1="60300" y1="87593" x2="62600" y2="87593"/>
+                            <a14:foregroundMark x1="45000" y1="89074" x2="53900" y2="89907"/>
+                            <a14:foregroundMark x1="54300" y1="35741" x2="53879" y2="38857"/>
+                            <a14:foregroundMark x1="48530" y1="56438" x2="48600" y2="59815"/>
+                            <a14:foregroundMark x1="47900" y1="26296" x2="48049" y2="33412"/>
+                            <a14:foregroundMark x1="51977" y1="47707" x2="50700" y2="69259"/>
+                            <a14:foregroundMark x1="52900" y1="32130" x2="52522" y2="38516"/>
+                            <a14:foregroundMark x1="34599" y1="45833" x2="31000" y2="45833"/>
+                            <a14:foregroundMark x1="45166" y1="45833" x2="38065" y2="45833"/>
+                            <a14:foregroundMark x1="53337" y1="46493" x2="66200" y2="48056"/>
+                            <a14:foregroundMark x1="48625" y1="45920" x2="48922" y2="45956"/>
+                            <a14:foregroundMark x1="39990" y1="44871" x2="45241" y2="45509"/>
+                            <a14:foregroundMark x1="34200" y1="44167" x2="34415" y2="44193"/>
+                            <a14:foregroundMark x1="71800" y1="48056" x2="71800" y2="48056"/>
+                            <a14:foregroundMark x1="70400" y1="44167" x2="60200" y2="44815"/>
+                            <a14:foregroundMark x1="47700" y1="26481" x2="47700" y2="58519"/>
+                            <a14:foregroundMark x1="50700" y1="37037" x2="60600" y2="43519"/>
+                            <a14:foregroundMark x1="60600" y1="43519" x2="71400" y2="45000"/>
+                            <a14:foregroundMark x1="74900" y1="46852" x2="64700" y2="51944"/>
+                            <a14:foregroundMark x1="64700" y1="51944" x2="53500" y2="52685"/>
+                            <a14:foregroundMark x1="53500" y1="52685" x2="53700" y2="63519"/>
+                            <a14:foregroundMark x1="53700" y1="63519" x2="25700" y2="46204"/>
+                            <a14:foregroundMark x1="25700" y1="46204" x2="36300" y2="41296"/>
+                            <a14:foregroundMark x1="36300" y1="41296" x2="43500" y2="41296"/>
+                            <a14:foregroundMark x1="43300" y1="44074" x2="43900" y2="52315"/>
+                            <a14:foregroundMark x1="38100" y1="44722" x2="38600" y2="43241"/>
+                            <a14:foregroundMark x1="50000" y1="43889" x2="51400" y2="33519"/>
+                            <a14:foregroundMark x1="51400" y1="33519" x2="48600" y2="24907"/>
+                            <a14:foregroundMark x1="46700" y1="24537" x2="41900" y2="34444"/>
+                            <a14:foregroundMark x1="41900" y1="34444" x2="42300" y2="34815"/>
+                            <a14:foregroundMark x1="55300" y1="30556" x2="47000" y2="23519"/>
+                            <a14:foregroundMark x1="47000" y1="23519" x2="45800" y2="23889"/>
+                            <a14:foregroundMark x1="53300" y1="42222" x2="51900" y2="47963"/>
+                            <a14:foregroundMark x1="51000" y1="48611" x2="51800" y2="41944"/>
+                            <a14:foregroundMark x1="50200" y1="41111" x2="49800" y2="34167"/>
+                            <a14:foregroundMark x1="55100" y1="65833" x2="44900" y2="62870"/>
+                            <a14:foregroundMark x1="48400" y1="63241" x2="50300" y2="59167"/>
+                            <a14:foregroundMark x1="50500" y1="60278" x2="47500" y2="64537"/>
+                            <a14:foregroundMark x1="47000" y1="53519" x2="42400" y2="51667"/>
+                            <a14:foregroundMark x1="50000" y1="50185" x2="46300" y2="52037"/>
+                            <a14:foregroundMark x1="52500" y1="43426" x2="47300" y2="53519"/>
+                            <a14:foregroundMark x1="47300" y1="53519" x2="49600" y2="50185"/>
+                            <a14:foregroundMark x1="50700" y1="44259" x2="47900" y2="41481"/>
+                            <a14:foregroundMark x1="45300" y1="41574" x2="46800" y2="40648"/>
+                            <a14:foregroundMark x1="52100" y1="35278" x2="47400" y2="33796"/>
+                            <a14:foregroundMark x1="48800" y1="34907" x2="53000" y2="37685"/>
+                            <a14:foregroundMark x1="50300" y1="33611" x2="50700" y2="32870"/>
+                            <a14:foregroundMark x1="50200" y1="33796" x2="48800" y2="32685"/>
+                            <a14:foregroundMark x1="51000" y1="39630" x2="51900" y2="41481"/>
+                            <a14:foregroundMark x1="38600" y1="43241" x2="49800" y2="39259"/>
+                            <a14:foregroundMark x1="49800" y1="39259" x2="55300" y2="44907"/>
+                            <a14:foregroundMark x1="52600" y1="43704" x2="35300" y2="45833"/>
+                            <a14:foregroundMark x1="34000" y1="45185" x2="40700" y2="44352"/>
+                            <a14:foregroundMark x1="52100" y1="42222" x2="51900" y2="40278"/>
+                            <a14:foregroundMark x1="49500" y1="32870" x2="52800" y2="44630"/>
+                            <a14:foregroundMark x1="52800" y1="44630" x2="49700" y2="33981"/>
+                            <a14:foregroundMark x1="49700" y1="33981" x2="50700" y2="37407"/>
+                            <a14:foregroundMark x1="53700" y1="43704" x2="55600" y2="41481"/>
+                            <a14:foregroundMark x1="46000" y1="50556" x2="44600" y2="58704"/>
+                            <a14:foregroundMark x1="48400" y1="46852" x2="45400" y2="49444"/>
+                            <a14:foregroundMark x1="56100" y1="44259" x2="54200" y2="41574"/>
+                            <a14:backgroundMark x1="8900" y1="3611" x2="8900" y2="3611"/>
+                            <a14:backgroundMark x1="9300" y1="3611" x2="4300" y2="9352"/>
+                            <a14:backgroundMark x1="19100" y1="2315" x2="200" y2="12870"/>
+                            <a14:backgroundMark x1="55705" y1="42207" x2="55364" y2="42511"/>
+                            <a14:backgroundMark x1="45999" y1="49740" x2="45811" y2="50549"/>
+                          </a14:backgroundRemoval>
+                        </a14:imgEffect>
+                      </a14:imgLayer>
+                    </a14:imgProps>
+                  </a:ext>
+                  <a:ext uri="{28A0092B-C50C-407E-A947-70E740481C1C}">
+                    <a14:useLocalDpi xmlns:a14="http://schemas.microsoft.com/office/drawing/2010/main" val="0"/>
+                  </a:ext>
+                </a:extLst>
+              </a:blip>
+              <a:srcRect b="7725"/>
+              <a:stretch/>
+            </p:blipFill>
+            <p:spPr>
+              <a:xfrm flipH="1">
+                <a:off x="2262925" y="3882746"/>
+                <a:ext cx="480069" cy="403182"/>
+              </a:xfrm>
+              <a:prstGeom prst="rect">
+                <a:avLst/>
+              </a:prstGeom>
+            </p:spPr>
+          </p:pic>
+        </p:grpSp>
+      </p:grpSp>
+      <p:sp>
+        <p:nvSpPr>
+          <p:cNvPr id="103" name="CaixaDeTexto 102">
+            <a:extLst>
+              <a:ext uri="{FF2B5EF4-FFF2-40B4-BE49-F238E27FC236}">
+                <a16:creationId xmlns:a16="http://schemas.microsoft.com/office/drawing/2014/main" id="{32502F46-72E5-4E47-8031-11A4CC5D1D6C}"/>
+              </a:ext>
+            </a:extLst>
+          </p:cNvPr>
+          <p:cNvSpPr txBox="1"/>
+          <p:nvPr/>
+        </p:nvSpPr>
+        <p:spPr>
+          <a:xfrm>
+            <a:off x="8194332" y="354175"/>
+            <a:ext cx="715232" cy="369332"/>
+          </a:xfrm>
+          <a:prstGeom prst="rect">
+            <a:avLst/>
+          </a:prstGeom>
+          <a:noFill/>
+        </p:spPr>
+        <p:txBody>
+          <a:bodyPr wrap="square" rtlCol="0">
+            <a:spAutoFit/>
+          </a:bodyPr>
+          <a:lstStyle/>
+          <a:p>
+            <a:r>
+              <a:rPr lang="pt-BR" b="1" dirty="0"/>
+              <a:t>4G</a:t>
+            </a:r>
+          </a:p>
+        </p:txBody>
+      </p:sp>
+      <p:grpSp>
+        <p:nvGrpSpPr>
+          <p:cNvPr id="14" name="Agrupar 13">
+            <a:extLst>
+              <a:ext uri="{FF2B5EF4-FFF2-40B4-BE49-F238E27FC236}">
+                <a16:creationId xmlns:a16="http://schemas.microsoft.com/office/drawing/2014/main" id="{B73D18B4-8093-4657-9FED-7872490F9CD8}"/>
+              </a:ext>
+            </a:extLst>
+          </p:cNvPr>
+          <p:cNvGrpSpPr/>
+          <p:nvPr/>
+        </p:nvGrpSpPr>
+        <p:grpSpPr>
+          <a:xfrm>
+            <a:off x="8569055" y="1783267"/>
+            <a:ext cx="2671902" cy="1892140"/>
+            <a:chOff x="8407648" y="2175528"/>
+            <a:chExt cx="2671902" cy="1892140"/>
+          </a:xfrm>
+        </p:grpSpPr>
+        <p:pic>
+          <p:nvPicPr>
+            <p:cNvPr id="32" name="Imagem 31">
+              <a:extLst>
+                <a:ext uri="{FF2B5EF4-FFF2-40B4-BE49-F238E27FC236}">
+                  <a16:creationId xmlns:a16="http://schemas.microsoft.com/office/drawing/2014/main" id="{3173CC8C-DAB8-4163-947A-57BD838786D0}"/>
+                </a:ext>
+              </a:extLst>
+            </p:cNvPr>
+            <p:cNvPicPr>
+              <a:picLocks noChangeAspect="1"/>
+            </p:cNvPicPr>
+            <p:nvPr/>
+          </p:nvPicPr>
+          <p:blipFill>
+            <a:blip r:embed="rId22">
+              <a:extLst>
+                <a:ext uri="{BEBA8EAE-BF5A-486C-A8C5-ECC9F3942E4B}">
+                  <a14:imgProps xmlns:a14="http://schemas.microsoft.com/office/drawing/2010/main">
+                    <a14:imgLayer r:embed="rId23">
+                      <a14:imgEffect>
+                        <a14:backgroundRemoval t="4000" b="93778" l="1786" r="94643">
+                          <a14:foregroundMark x1="37500" y1="31111" x2="37500" y2="31111"/>
+                          <a14:foregroundMark x1="62054" y1="22667" x2="39286" y2="27556"/>
+                          <a14:foregroundMark x1="67411" y1="22667" x2="33929" y2="15556"/>
+                          <a14:foregroundMark x1="71875" y1="12889" x2="14732" y2="35111"/>
+                          <a14:foregroundMark x1="14732" y1="35111" x2="12054" y2="64444"/>
+                          <a14:foregroundMark x1="7589" y1="59556" x2="44643" y2="9778"/>
+                          <a14:foregroundMark x1="44643" y1="9778" x2="78125" y2="16444"/>
+                          <a14:foregroundMark x1="64732" y1="9333" x2="39732" y2="7556"/>
+                          <a14:foregroundMark x1="76786" y1="19556" x2="46429" y2="25778"/>
+                          <a14:foregroundMark x1="81321" y1="48760" x2="83482" y2="75556"/>
+                          <a14:foregroundMark x1="80722" y1="41333" x2="81057" y2="45489"/>
+                          <a14:foregroundMark x1="78571" y1="14667" x2="80722" y2="41333"/>
+                          <a14:foregroundMark x1="83482" y1="75556" x2="23214" y2="84000"/>
+                          <a14:foregroundMark x1="23214" y1="84000" x2="22768" y2="83556"/>
+                          <a14:foregroundMark x1="91964" y1="71111" x2="84821" y2="24000"/>
+                          <a14:foregroundMark x1="58929" y1="4444" x2="41518" y2="4889"/>
+                          <a14:foregroundMark x1="94196" y1="37778" x2="95089" y2="57778"/>
+                          <a14:foregroundMark x1="62054" y1="94222" x2="36607" y2="93333"/>
+                          <a14:foregroundMark x1="2679" y1="57778" x2="1786" y2="42667"/>
+                          <a14:backgroundMark x1="75000" y1="56000" x2="78125" y2="48444"/>
+                          <a14:backgroundMark x1="79018" y1="48000" x2="79018" y2="39111"/>
+                          <a14:backgroundMark x1="78125" y1="49778" x2="77232" y2="33333"/>
+                          <a14:backgroundMark x1="80357" y1="47556" x2="79018" y2="36000"/>
+                          <a14:backgroundMark x1="80357" y1="56444" x2="79911" y2="30667"/>
+                          <a14:backgroundMark x1="80357" y1="54667" x2="80357" y2="44444"/>
+                        </a14:backgroundRemoval>
+                      </a14:imgEffect>
+                    </a14:imgLayer>
+                  </a14:imgProps>
+                </a:ext>
+                <a:ext uri="{28A0092B-C50C-407E-A947-70E740481C1C}">
+                  <a14:useLocalDpi xmlns:a14="http://schemas.microsoft.com/office/drawing/2010/main" val="0"/>
+                </a:ext>
+              </a:extLst>
+            </a:blip>
+            <a:stretch>
+              <a:fillRect/>
+            </a:stretch>
+          </p:blipFill>
+          <p:spPr>
+            <a:xfrm>
+              <a:off x="9957531" y="2528157"/>
+              <a:ext cx="664257" cy="667223"/>
+            </a:xfrm>
+            <a:prstGeom prst="rect">
+              <a:avLst/>
+            </a:prstGeom>
+          </p:spPr>
+        </p:pic>
+        <p:pic>
+          <p:nvPicPr>
+            <p:cNvPr id="34" name="Imagem 33">
+              <a:extLst>
+                <a:ext uri="{FF2B5EF4-FFF2-40B4-BE49-F238E27FC236}">
+                  <a16:creationId xmlns:a16="http://schemas.microsoft.com/office/drawing/2014/main" id="{D9A10078-6946-40E9-9128-B670171C9F2F}"/>
+                </a:ext>
+              </a:extLst>
+            </p:cNvPr>
+            <p:cNvPicPr>
+              <a:picLocks noChangeAspect="1"/>
+            </p:cNvPicPr>
+            <p:nvPr/>
+          </p:nvPicPr>
+          <p:blipFill>
+            <a:blip r:embed="rId24">
+              <a:extLst>
+                <a:ext uri="{28A0092B-C50C-407E-A947-70E740481C1C}">
+                  <a14:useLocalDpi xmlns:a14="http://schemas.microsoft.com/office/drawing/2010/main" val="0"/>
+                </a:ext>
+              </a:extLst>
+            </a:blip>
+            <a:stretch>
+              <a:fillRect/>
+            </a:stretch>
+          </p:blipFill>
+          <p:spPr>
+            <a:xfrm>
+              <a:off x="8843274" y="2281747"/>
+              <a:ext cx="459713" cy="608236"/>
+            </a:xfrm>
+            <a:prstGeom prst="rect">
+              <a:avLst/>
+            </a:prstGeom>
+          </p:spPr>
+        </p:pic>
+        <p:pic>
+          <p:nvPicPr>
+            <p:cNvPr id="39" name="Imagem 38">
+              <a:extLst>
+                <a:ext uri="{FF2B5EF4-FFF2-40B4-BE49-F238E27FC236}">
+                  <a16:creationId xmlns:a16="http://schemas.microsoft.com/office/drawing/2014/main" id="{162DFF09-5F1D-4F2D-8A4E-F34772E5E735}"/>
+                </a:ext>
+              </a:extLst>
+            </p:cNvPr>
+            <p:cNvPicPr>
+              <a:picLocks noChangeAspect="1"/>
+            </p:cNvPicPr>
+            <p:nvPr/>
+          </p:nvPicPr>
+          <p:blipFill rotWithShape="1">
+            <a:blip r:embed="rId25">
+              <a:extLst>
+                <a:ext uri="{BEBA8EAE-BF5A-486C-A8C5-ECC9F3942E4B}">
+                  <a14:imgProps xmlns:a14="http://schemas.microsoft.com/office/drawing/2010/main">
+                    <a14:imgLayer r:embed="rId26">
+                      <a14:imgEffect>
+                        <a14:backgroundRemoval t="10000" b="90000" l="10000" r="90000">
+                          <a14:foregroundMark x1="42167" y1="24762" x2="42167" y2="24762"/>
+                          <a14:foregroundMark x1="47917" y1="23016" x2="47917" y2="23016"/>
+                          <a14:foregroundMark x1="52833" y1="23968" x2="52833" y2="23968"/>
+                          <a14:foregroundMark x1="56417" y1="25873" x2="56417" y2="25873"/>
+                          <a14:foregroundMark x1="63500" y1="35873" x2="63500" y2="35873"/>
+                          <a14:foregroundMark x1="65250" y1="34603" x2="65250" y2="34603"/>
+                          <a14:foregroundMark x1="35333" y1="35079" x2="35333" y2="35079"/>
+                          <a14:foregroundMark x1="32167" y1="34603" x2="32167" y2="34603"/>
+                          <a14:foregroundMark x1="38083" y1="35397" x2="38083" y2="35397"/>
+                        </a14:backgroundRemoval>
+                      </a14:imgEffect>
+                    </a14:imgLayer>
+                  </a14:imgProps>
+                </a:ext>
+                <a:ext uri="{28A0092B-C50C-407E-A947-70E740481C1C}">
+                  <a14:useLocalDpi xmlns:a14="http://schemas.microsoft.com/office/drawing/2010/main" val="0"/>
+                </a:ext>
+              </a:extLst>
+            </a:blip>
+            <a:srcRect l="26693" t="17056" r="25983" b="19059"/>
+            <a:stretch/>
+          </p:blipFill>
+          <p:spPr>
+            <a:xfrm>
+              <a:off x="9333284" y="3277630"/>
+              <a:ext cx="1114747" cy="790038"/>
+            </a:xfrm>
+            <a:prstGeom prst="rect">
+              <a:avLst/>
+            </a:prstGeom>
+          </p:spPr>
+        </p:pic>
+        <p:sp>
+          <p:nvSpPr>
+            <p:cNvPr id="40" name="CaixaDeTexto 39">
+              <a:extLst>
+                <a:ext uri="{FF2B5EF4-FFF2-40B4-BE49-F238E27FC236}">
+                  <a16:creationId xmlns:a16="http://schemas.microsoft.com/office/drawing/2014/main" id="{17145316-C24F-4F97-BC66-FF4A8F0F9A3E}"/>
+                </a:ext>
+              </a:extLst>
+            </p:cNvPr>
+            <p:cNvSpPr txBox="1"/>
+            <p:nvPr/>
+          </p:nvSpPr>
+          <p:spPr>
+            <a:xfrm>
+              <a:off x="9816512" y="2175528"/>
+              <a:ext cx="1263038" cy="369332"/>
+            </a:xfrm>
+            <a:prstGeom prst="rect">
+              <a:avLst/>
+            </a:prstGeom>
+            <a:noFill/>
+          </p:spPr>
+          <p:txBody>
+            <a:bodyPr wrap="square" rtlCol="0">
+              <a:spAutoFit/>
+            </a:bodyPr>
+            <a:lstStyle/>
+            <a:p>
+              <a:r>
+                <a:rPr lang="pt-BR" dirty="0"/>
+                <a:t>Spring Web</a:t>
+              </a:r>
+            </a:p>
+          </p:txBody>
+        </p:sp>
+        <p:pic>
+          <p:nvPicPr>
+            <p:cNvPr id="104" name="Imagem 103">
+              <a:extLst>
+                <a:ext uri="{FF2B5EF4-FFF2-40B4-BE49-F238E27FC236}">
+                  <a16:creationId xmlns:a16="http://schemas.microsoft.com/office/drawing/2014/main" id="{5707CAB7-DAF7-4B50-8B58-F2ED1D0032D0}"/>
+                </a:ext>
+              </a:extLst>
+            </p:cNvPr>
+            <p:cNvPicPr>
+              <a:picLocks noChangeAspect="1"/>
+            </p:cNvPicPr>
+            <p:nvPr/>
+          </p:nvPicPr>
+          <p:blipFill>
+            <a:blip r:embed="rId27"/>
+            <a:stretch>
+              <a:fillRect/>
+            </a:stretch>
+          </p:blipFill>
+          <p:spPr>
+            <a:xfrm>
+              <a:off x="8407648" y="2954783"/>
+              <a:ext cx="936922" cy="790752"/>
+            </a:xfrm>
+            <a:prstGeom prst="rect">
+              <a:avLst/>
+            </a:prstGeom>
+          </p:spPr>
+        </p:pic>
+      </p:grpSp>
+      <p:pic>
+        <p:nvPicPr>
+          <p:cNvPr id="23" name="Imagem 22">
+            <a:extLst>
+              <a:ext uri="{FF2B5EF4-FFF2-40B4-BE49-F238E27FC236}">
+                <a16:creationId xmlns:a16="http://schemas.microsoft.com/office/drawing/2014/main" id="{4FCEF41D-5D65-497E-84EB-F207F97162F6}"/>
+              </a:ext>
+            </a:extLst>
+          </p:cNvPr>
+          <p:cNvPicPr>
+            <a:picLocks noChangeAspect="1"/>
+          </p:cNvPicPr>
+          <p:nvPr/>
+        </p:nvPicPr>
+        <p:blipFill>
+          <a:blip r:embed="rId28"/>
+          <a:stretch>
+            <a:fillRect/>
+          </a:stretch>
+        </p:blipFill>
+        <p:spPr>
+          <a:xfrm>
+            <a:off x="9485348" y="5450514"/>
+            <a:ext cx="1978235" cy="816234"/>
+          </a:xfrm>
+          <a:prstGeom prst="rect">
+            <a:avLst/>
+          </a:prstGeom>
+        </p:spPr>
+      </p:pic>
+      <p:cxnSp>
+        <p:nvCxnSpPr>
+          <p:cNvPr id="108" name="Conector de Seta Reta 107">
+            <a:extLst>
+              <a:ext uri="{FF2B5EF4-FFF2-40B4-BE49-F238E27FC236}">
+                <a16:creationId xmlns:a16="http://schemas.microsoft.com/office/drawing/2014/main" id="{7BDB2D3A-D817-465A-8AA2-09DD1C2F86E1}"/>
+              </a:ext>
+            </a:extLst>
+          </p:cNvPr>
+          <p:cNvCxnSpPr>
+            <a:cxnSpLocks/>
+          </p:cNvCxnSpPr>
+          <p:nvPr/>
+        </p:nvCxnSpPr>
+        <p:spPr>
+          <a:xfrm>
+            <a:off x="8663216" y="5399418"/>
+            <a:ext cx="542186" cy="343999"/>
+          </a:xfrm>
+          <a:prstGeom prst="straightConnector1">
+            <a:avLst/>
+          </a:prstGeom>
+          <a:ln>
+            <a:tailEnd type="triangle"/>
+          </a:ln>
+        </p:spPr>
+        <p:style>
+          <a:lnRef idx="1">
+            <a:schemeClr val="dk1"/>
+          </a:lnRef>
+          <a:fillRef idx="0">
+            <a:schemeClr val="dk1"/>
+          </a:fillRef>
+          <a:effectRef idx="0">
+            <a:schemeClr val="dk1"/>
+          </a:effectRef>
+          <a:fontRef idx="minor">
+            <a:schemeClr val="tx1"/>
+          </a:fontRef>
+        </p:style>
+      </p:cxnSp>
+      <p:grpSp>
+        <p:nvGrpSpPr>
+          <p:cNvPr id="110" name="Agrupar 109">
+            <a:extLst>
+              <a:ext uri="{FF2B5EF4-FFF2-40B4-BE49-F238E27FC236}">
+                <a16:creationId xmlns:a16="http://schemas.microsoft.com/office/drawing/2014/main" id="{DD8500B7-E0B5-4167-9528-656484F44506}"/>
+              </a:ext>
+            </a:extLst>
+          </p:cNvPr>
+          <p:cNvGrpSpPr/>
+          <p:nvPr/>
+        </p:nvGrpSpPr>
+        <p:grpSpPr>
+          <a:xfrm>
+            <a:off x="5348167" y="3628867"/>
+            <a:ext cx="2793017" cy="1084819"/>
+            <a:chOff x="5410968" y="3428999"/>
+            <a:chExt cx="4644602" cy="1590675"/>
+          </a:xfrm>
+        </p:grpSpPr>
+        <p:pic>
+          <p:nvPicPr>
+            <p:cNvPr id="112" name="Imagem 111">
+              <a:extLst>
+                <a:ext uri="{FF2B5EF4-FFF2-40B4-BE49-F238E27FC236}">
+                  <a16:creationId xmlns:a16="http://schemas.microsoft.com/office/drawing/2014/main" id="{782C3C8D-173E-48E2-923F-0F6E69B1A077}"/>
+                </a:ext>
+              </a:extLst>
+            </p:cNvPr>
+            <p:cNvPicPr>
+              <a:picLocks noChangeAspect="1"/>
+            </p:cNvPicPr>
+            <p:nvPr/>
+          </p:nvPicPr>
+          <p:blipFill rotWithShape="1">
+            <a:blip r:embed="rId29"/>
+            <a:srcRect l="70817"/>
+            <a:stretch/>
+          </p:blipFill>
+          <p:spPr>
+            <a:xfrm>
+              <a:off x="7862420" y="3428999"/>
+              <a:ext cx="2193150" cy="1590675"/>
+            </a:xfrm>
+            <a:prstGeom prst="rect">
+              <a:avLst/>
+            </a:prstGeom>
+          </p:spPr>
+        </p:pic>
+        <p:pic>
+          <p:nvPicPr>
+            <p:cNvPr id="113" name="Imagem 112">
+              <a:extLst>
+                <a:ext uri="{FF2B5EF4-FFF2-40B4-BE49-F238E27FC236}">
+                  <a16:creationId xmlns:a16="http://schemas.microsoft.com/office/drawing/2014/main" id="{4E6DB092-41A4-4523-A193-28A8AF56618F}"/>
+                </a:ext>
+              </a:extLst>
+            </p:cNvPr>
+            <p:cNvPicPr>
+              <a:picLocks noChangeAspect="1"/>
+            </p:cNvPicPr>
+            <p:nvPr/>
+          </p:nvPicPr>
+          <p:blipFill rotWithShape="1">
+            <a:blip r:embed="rId29"/>
+            <a:srcRect l="-1" r="66954"/>
+            <a:stretch/>
+          </p:blipFill>
+          <p:spPr>
+            <a:xfrm>
+              <a:off x="5410968" y="3428999"/>
+              <a:ext cx="2483541" cy="1590675"/>
+            </a:xfrm>
+            <a:prstGeom prst="rect">
+              <a:avLst/>
+            </a:prstGeom>
+          </p:spPr>
+        </p:pic>
+      </p:grpSp>
+      <p:cxnSp>
+        <p:nvCxnSpPr>
+          <p:cNvPr id="26" name="Conector de Seta Reta 25">
+            <a:extLst>
+              <a:ext uri="{FF2B5EF4-FFF2-40B4-BE49-F238E27FC236}">
+                <a16:creationId xmlns:a16="http://schemas.microsoft.com/office/drawing/2014/main" id="{DA6922F7-A288-4F18-B833-57F75D74A6B6}"/>
+              </a:ext>
+            </a:extLst>
+          </p:cNvPr>
+          <p:cNvCxnSpPr>
+            <a:cxnSpLocks/>
+          </p:cNvCxnSpPr>
+          <p:nvPr/>
+        </p:nvCxnSpPr>
+        <p:spPr>
+          <a:xfrm>
+            <a:off x="6052778" y="3372061"/>
+            <a:ext cx="551711" cy="483106"/>
+          </a:xfrm>
+          <a:prstGeom prst="straightConnector1">
+            <a:avLst/>
+          </a:prstGeom>
+          <a:ln>
+            <a:tailEnd type="triangle"/>
+          </a:ln>
+        </p:spPr>
+        <p:style>
+          <a:lnRef idx="1">
+            <a:schemeClr val="dk1"/>
+          </a:lnRef>
+          <a:fillRef idx="0">
+            <a:schemeClr val="dk1"/>
+          </a:fillRef>
+          <a:effectRef idx="0">
+            <a:schemeClr val="dk1"/>
+          </a:effectRef>
+          <a:fontRef idx="minor">
+            <a:schemeClr val="tx1"/>
+          </a:fontRef>
+        </p:style>
+      </p:cxnSp>
+      <p:cxnSp>
+        <p:nvCxnSpPr>
+          <p:cNvPr id="62" name="Conector de Seta Reta 61">
+            <a:extLst>
+              <a:ext uri="{FF2B5EF4-FFF2-40B4-BE49-F238E27FC236}">
+                <a16:creationId xmlns:a16="http://schemas.microsoft.com/office/drawing/2014/main" id="{B55DD352-BACC-4692-AB17-D9A6D9A2DF5C}"/>
+              </a:ext>
+            </a:extLst>
+          </p:cNvPr>
+          <p:cNvCxnSpPr>
+            <a:cxnSpLocks/>
+          </p:cNvCxnSpPr>
+          <p:nvPr/>
+        </p:nvCxnSpPr>
+        <p:spPr>
+          <a:xfrm>
+            <a:off x="7032057" y="4669553"/>
+            <a:ext cx="492695" cy="446165"/>
+          </a:xfrm>
+          <a:prstGeom prst="straightConnector1">
+            <a:avLst/>
+          </a:prstGeom>
+          <a:ln>
+            <a:tailEnd type="triangle"/>
+          </a:ln>
+        </p:spPr>
+        <p:style>
+          <a:lnRef idx="1">
+            <a:schemeClr val="dk1"/>
+          </a:lnRef>
+          <a:fillRef idx="0">
+            <a:schemeClr val="dk1"/>
+          </a:fillRef>
+          <a:effectRef idx="0">
+            <a:schemeClr val="dk1"/>
+          </a:effectRef>
+          <a:fontRef idx="minor">
+            <a:schemeClr val="tx1"/>
+          </a:fontRef>
+        </p:style>
+      </p:cxnSp>
     </p:spTree>
     <p:extLst>
       <p:ext uri="{BB962C8B-B14F-4D97-AF65-F5344CB8AC3E}">
